--- a/redis.pptx
+++ b/redis.pptx
@@ -5,17 +5,22 @@
     <p:sldMasterId id="2147483829" r:id="rId1"/>
   </p:sldMasterIdLst>
   <p:notesMasterIdLst>
-    <p:notesMasterId r:id="rId8"/>
+    <p:notesMasterId r:id="rId13"/>
   </p:notesMasterIdLst>
   <p:sldIdLst>
     <p:sldId id="414" r:id="rId2"/>
-    <p:sldId id="545" r:id="rId3"/>
-    <p:sldId id="522" r:id="rId4"/>
-    <p:sldId id="565" r:id="rId5"/>
-    <p:sldId id="566" r:id="rId6"/>
-    <p:sldId id="567" r:id="rId7"/>
+    <p:sldId id="522" r:id="rId3"/>
+    <p:sldId id="565" r:id="rId4"/>
+    <p:sldId id="568" r:id="rId5"/>
+    <p:sldId id="569" r:id="rId6"/>
+    <p:sldId id="570" r:id="rId7"/>
+    <p:sldId id="571" r:id="rId8"/>
+    <p:sldId id="567" r:id="rId9"/>
+    <p:sldId id="572" r:id="rId10"/>
+    <p:sldId id="573" r:id="rId11"/>
+    <p:sldId id="788" r:id="rId12"/>
   </p:sldIdLst>
-  <p:sldSz cx="9144000" cy="6858000" type="screen4x3"/>
+  <p:sldSz cx="12192000" cy="6858000"/>
   <p:notesSz cx="6858000" cy="9144000"/>
   <p:defaultTextStyle>
     <a:defPPr>
@@ -145,12 +150,12 @@
   <p:extLst>
     <p:ext uri="{EFAFB233-063F-42B5-8137-9DF3F51BA10A}">
       <p15:sldGuideLst xmlns:p15="http://schemas.microsoft.com/office/powerpoint/2012/main">
-        <p15:guide id="1" orient="horz" pos="2160">
+        <p15:guide id="1" orient="horz" pos="2160" userDrawn="1">
           <p15:clr>
             <a:srgbClr val="A4A3A4"/>
           </p15:clr>
         </p15:guide>
-        <p15:guide id="2" pos="2880">
+        <p15:guide id="2" pos="3840" userDrawn="1">
           <p15:clr>
             <a:srgbClr val="A4A3A4"/>
           </p15:clr>
@@ -256,7 +261,7 @@
             <a:fld id="{A7B1724D-A50F-4C38-8BDE-920DAD4008EA}" type="datetimeFigureOut">
               <a:rPr lang="en-US" smtClean="0"/>
               <a:pPr/>
-              <a:t>12/15/2018</a:t>
+              <a:t>4/21/2021</a:t>
             </a:fld>
             <a:endParaRPr lang="en-US"/>
           </a:p>
@@ -274,8 +279,8 @@
         </p:nvSpPr>
         <p:spPr>
           <a:xfrm>
-            <a:off x="1143000" y="685800"/>
-            <a:ext cx="4572000" cy="3429000"/>
+            <a:off x="381000" y="685800"/>
+            <a:ext cx="6096000" cy="3429000"/>
           </a:xfrm>
           <a:prstGeom prst="rect">
             <a:avLst/>
@@ -322,38 +327,37 @@
           <a:p>
             <a:pPr lvl="0"/>
             <a:r>
-              <a:rPr lang="en-US" smtClean="0"/>
+              <a:rPr lang="en-US"/>
               <a:t>Click to edit Master text styles</a:t>
             </a:r>
           </a:p>
           <a:p>
             <a:pPr lvl="1"/>
             <a:r>
-              <a:rPr lang="en-US" smtClean="0"/>
+              <a:rPr lang="en-US"/>
               <a:t>Second level</a:t>
             </a:r>
           </a:p>
           <a:p>
             <a:pPr lvl="2"/>
             <a:r>
-              <a:rPr lang="en-US" smtClean="0"/>
+              <a:rPr lang="en-US"/>
               <a:t>Third level</a:t>
             </a:r>
           </a:p>
           <a:p>
             <a:pPr lvl="3"/>
             <a:r>
-              <a:rPr lang="en-US" smtClean="0"/>
+              <a:rPr lang="en-US"/>
               <a:t>Fourth level</a:t>
             </a:r>
           </a:p>
           <a:p>
             <a:pPr lvl="4"/>
             <a:r>
-              <a:rPr lang="en-US" smtClean="0"/>
+              <a:rPr lang="en-US"/>
               <a:t>Fifth level</a:t>
             </a:r>
-            <a:endParaRPr lang="en-US"/>
           </a:p>
         </p:txBody>
       </p:sp>
@@ -556,8 +560,8 @@
         </p:nvSpPr>
         <p:spPr>
           <a:xfrm>
-            <a:off x="1219200" y="3886200"/>
-            <a:ext cx="6858000" cy="990600"/>
+            <a:off x="1625600" y="3886200"/>
+            <a:ext cx="9144000" cy="990600"/>
           </a:xfrm>
         </p:spPr>
         <p:txBody>
@@ -573,10 +577,9 @@
           </a:lstStyle>
           <a:p>
             <a:r>
-              <a:rPr kumimoji="0" lang="en-US" dirty="0" smtClean="0"/>
+              <a:rPr kumimoji="0" lang="en-US" dirty="0"/>
               <a:t>Click to edit Master title style</a:t>
             </a:r>
-            <a:endParaRPr kumimoji="0" lang="en-US" dirty="0"/>
           </a:p>
         </p:txBody>
       </p:sp>
@@ -592,8 +595,8 @@
         </p:nvSpPr>
         <p:spPr>
           <a:xfrm>
-            <a:off x="1219200" y="5715000"/>
-            <a:ext cx="6858000" cy="533400"/>
+            <a:off x="1625600" y="5715000"/>
+            <a:ext cx="9144000" cy="533400"/>
           </a:xfrm>
         </p:spPr>
         <p:txBody>
@@ -637,10 +640,9 @@
           </a:lstStyle>
           <a:p>
             <a:r>
-              <a:rPr kumimoji="0" lang="en-US" smtClean="0"/>
+              <a:rPr kumimoji="0" lang="en-US"/>
               <a:t>Click to edit Master subtitle style</a:t>
             </a:r>
-            <a:endParaRPr kumimoji="0" lang="en-US"/>
           </a:p>
         </p:txBody>
       </p:sp>
@@ -656,8 +658,8 @@
         </p:nvSpPr>
         <p:spPr>
           <a:xfrm>
-            <a:off x="6400800" y="6355080"/>
-            <a:ext cx="2286000" cy="365760"/>
+            <a:off x="8534400" y="6355080"/>
+            <a:ext cx="3048000" cy="365760"/>
           </a:xfrm>
         </p:spPr>
         <p:txBody>
@@ -687,8 +689,8 @@
         </p:nvSpPr>
         <p:spPr>
           <a:xfrm>
-            <a:off x="2898648" y="6355080"/>
-            <a:ext cx="3474720" cy="365760"/>
+            <a:off x="3864864" y="6355080"/>
+            <a:ext cx="4632960" cy="365760"/>
           </a:xfrm>
         </p:spPr>
         <p:txBody>
@@ -714,8 +716,8 @@
         </p:nvSpPr>
         <p:spPr>
           <a:xfrm>
-            <a:off x="1216152" y="6355080"/>
-            <a:ext cx="1219200" cy="365760"/>
+            <a:off x="1621536" y="6355080"/>
+            <a:ext cx="1625600" cy="365760"/>
           </a:xfrm>
         </p:spPr>
         <p:txBody>
@@ -744,8 +746,8 @@
         </p:nvSpPr>
         <p:spPr>
           <a:xfrm>
-            <a:off x="904875" y="3648075"/>
-            <a:ext cx="7315200" cy="1280160"/>
+            <a:off x="1206500" y="3648075"/>
+            <a:ext cx="9753600" cy="1280160"/>
           </a:xfrm>
           <a:prstGeom prst="rect">
             <a:avLst/>
@@ -778,7 +780,7 @@
           <a:lstStyle/>
           <a:p>
             <a:pPr algn="ctr" eaLnBrk="1" latinLnBrk="0" hangingPunct="1"/>
-            <a:endParaRPr kumimoji="0" lang="en-US"/>
+            <a:endParaRPr kumimoji="0" lang="en-US" sz="2400"/>
           </a:p>
         </p:txBody>
       </p:sp>
@@ -790,8 +792,8 @@
         </p:nvSpPr>
         <p:spPr>
           <a:xfrm>
-            <a:off x="914400" y="5638800"/>
-            <a:ext cx="7315200" cy="685800"/>
+            <a:off x="1219200" y="5638800"/>
+            <a:ext cx="9753600" cy="685800"/>
           </a:xfrm>
           <a:prstGeom prst="rect">
             <a:avLst/>
@@ -824,7 +826,7 @@
           <a:lstStyle/>
           <a:p>
             <a:pPr algn="ctr" eaLnBrk="1" latinLnBrk="0" hangingPunct="1"/>
-            <a:endParaRPr kumimoji="0" lang="en-US"/>
+            <a:endParaRPr kumimoji="0" lang="en-US" sz="2400"/>
           </a:p>
         </p:txBody>
       </p:sp>
@@ -836,8 +838,8 @@
         </p:nvSpPr>
         <p:spPr>
           <a:xfrm>
-            <a:off x="904875" y="3648075"/>
-            <a:ext cx="228600" cy="1280160"/>
+            <a:off x="1206500" y="3648075"/>
+            <a:ext cx="304800" cy="1280160"/>
           </a:xfrm>
           <a:prstGeom prst="rect">
             <a:avLst/>
@@ -870,7 +872,7 @@
           <a:lstStyle/>
           <a:p>
             <a:pPr algn="ctr" eaLnBrk="1" latinLnBrk="0" hangingPunct="1"/>
-            <a:endParaRPr kumimoji="0" lang="en-US"/>
+            <a:endParaRPr kumimoji="0" lang="en-US" sz="2400"/>
           </a:p>
         </p:txBody>
       </p:sp>
@@ -882,8 +884,8 @@
         </p:nvSpPr>
         <p:spPr>
           <a:xfrm>
-            <a:off x="914400" y="5638800"/>
-            <a:ext cx="228600" cy="685800"/>
+            <a:off x="1219200" y="5638800"/>
+            <a:ext cx="304800" cy="685800"/>
           </a:xfrm>
           <a:prstGeom prst="rect">
             <a:avLst/>
@@ -916,7 +918,7 @@
           <a:lstStyle/>
           <a:p>
             <a:pPr algn="ctr" eaLnBrk="1" latinLnBrk="0" hangingPunct="1"/>
-            <a:endParaRPr kumimoji="0" lang="en-US"/>
+            <a:endParaRPr kumimoji="0" lang="en-US" sz="2400"/>
           </a:p>
         </p:txBody>
       </p:sp>
@@ -1028,8 +1030,8 @@
         </p:nvSpPr>
         <p:spPr bwMode="auto">
           <a:xfrm>
-            <a:off x="457200" y="6353175"/>
-            <a:ext cx="8229600" cy="0"/>
+            <a:off x="609600" y="6353175"/>
+            <a:ext cx="10972800" cy="0"/>
           </a:xfrm>
           <a:prstGeom prst="line">
             <a:avLst/>
@@ -1050,7 +1052,7 @@
           <a:bodyPr vert="horz" wrap="square" lIns="91440" tIns="45720" rIns="91440" bIns="45720" anchor="t" compatLnSpc="1"/>
           <a:lstStyle/>
           <a:p>
-            <a:endParaRPr kumimoji="0" lang="en-US"/>
+            <a:endParaRPr kumimoji="0" lang="en-US" sz="2400"/>
           </a:p>
         </p:txBody>
       </p:sp>
@@ -1064,8 +1066,8 @@
         </p:nvSpPr>
         <p:spPr>
           <a:xfrm rot="5400000">
-            <a:off x="419100" y="6467475"/>
-            <a:ext cx="190849" cy="120314"/>
+            <a:off x="590609" y="6447423"/>
+            <a:ext cx="190849" cy="160419"/>
           </a:xfrm>
           <a:prstGeom prst="triangle">
             <a:avLst>
@@ -1100,7 +1102,7 @@
           <a:lstStyle/>
           <a:p>
             <a:pPr algn="ctr" eaLnBrk="1" latinLnBrk="0" hangingPunct="1"/>
-            <a:endParaRPr kumimoji="0" lang="en-US"/>
+            <a:endParaRPr kumimoji="0" lang="en-US" sz="2400"/>
           </a:p>
         </p:txBody>
       </p:sp>
@@ -1113,6 +1115,156 @@
 </file>
 
 <file path=ppt/slideLayouts/slideLayout11.xml><?xml version="1.0" encoding="utf-8"?>
+<p:sldLayout xmlns:a="http://schemas.openxmlformats.org/drawingml/2006/main" xmlns:r="http://schemas.openxmlformats.org/officeDocument/2006/relationships" xmlns:p="http://schemas.openxmlformats.org/presentationml/2006/main" showMasterSp="0" preserve="1" userDrawn="1">
+  <p:cSld name="Custom Layout">
+    <p:spTree>
+      <p:nvGrpSpPr>
+        <p:cNvPr id="1" name=""/>
+        <p:cNvGrpSpPr/>
+        <p:nvPr/>
+      </p:nvGrpSpPr>
+      <p:grpSpPr>
+        <a:xfrm>
+          <a:off x="0" y="0"/>
+          <a:ext cx="0" cy="0"/>
+          <a:chOff x="0" y="0"/>
+          <a:chExt cx="0" cy="0"/>
+        </a:xfrm>
+      </p:grpSpPr>
+      <p:sp>
+        <p:nvSpPr>
+          <p:cNvPr id="2" name="Title 1">
+            <a:extLst>
+              <a:ext uri="{FF2B5EF4-FFF2-40B4-BE49-F238E27FC236}">
+                <a16:creationId xmlns:a16="http://schemas.microsoft.com/office/drawing/2014/main" id="{BC3A421C-67F2-4BB4-BC54-62ABB8D0F48B}"/>
+              </a:ext>
+            </a:extLst>
+          </p:cNvPr>
+          <p:cNvSpPr>
+            <a:spLocks noGrp="1"/>
+          </p:cNvSpPr>
+          <p:nvPr>
+            <p:ph type="title"/>
+          </p:nvPr>
+        </p:nvSpPr>
+        <p:spPr/>
+        <p:txBody>
+          <a:bodyPr/>
+          <a:lstStyle/>
+          <a:p>
+            <a:r>
+              <a:rPr lang="en-US"/>
+              <a:t>Click to edit Master title style</a:t>
+            </a:r>
+            <a:endParaRPr lang="en-IN"/>
+          </a:p>
+        </p:txBody>
+      </p:sp>
+      <p:sp>
+        <p:nvSpPr>
+          <p:cNvPr id="3" name="Date Placeholder 2">
+            <a:extLst>
+              <a:ext uri="{FF2B5EF4-FFF2-40B4-BE49-F238E27FC236}">
+                <a16:creationId xmlns:a16="http://schemas.microsoft.com/office/drawing/2014/main" id="{06FC9240-9F1F-49AD-A3C5-9713E1C6767D}"/>
+              </a:ext>
+            </a:extLst>
+          </p:cNvPr>
+          <p:cNvSpPr>
+            <a:spLocks noGrp="1"/>
+          </p:cNvSpPr>
+          <p:nvPr>
+            <p:ph type="dt" sz="half" idx="10"/>
+          </p:nvPr>
+        </p:nvSpPr>
+        <p:spPr/>
+        <p:txBody>
+          <a:bodyPr/>
+          <a:lstStyle/>
+          <a:p>
+            <a:pPr>
+              <a:defRPr/>
+            </a:pPr>
+            <a:endParaRPr lang="en-US"/>
+          </a:p>
+        </p:txBody>
+      </p:sp>
+      <p:sp>
+        <p:nvSpPr>
+          <p:cNvPr id="4" name="Footer Placeholder 3">
+            <a:extLst>
+              <a:ext uri="{FF2B5EF4-FFF2-40B4-BE49-F238E27FC236}">
+                <a16:creationId xmlns:a16="http://schemas.microsoft.com/office/drawing/2014/main" id="{59C3C3F1-9D84-426C-A8F4-ACD19808C320}"/>
+              </a:ext>
+            </a:extLst>
+          </p:cNvPr>
+          <p:cNvSpPr>
+            <a:spLocks noGrp="1"/>
+          </p:cNvSpPr>
+          <p:nvPr>
+            <p:ph type="ftr" sz="quarter" idx="11"/>
+          </p:nvPr>
+        </p:nvSpPr>
+        <p:spPr/>
+        <p:txBody>
+          <a:bodyPr/>
+          <a:lstStyle/>
+          <a:p>
+            <a:pPr>
+              <a:defRPr/>
+            </a:pPr>
+            <a:endParaRPr lang="en-US"/>
+          </a:p>
+        </p:txBody>
+      </p:sp>
+      <p:sp>
+        <p:nvSpPr>
+          <p:cNvPr id="5" name="Slide Number Placeholder 4">
+            <a:extLst>
+              <a:ext uri="{FF2B5EF4-FFF2-40B4-BE49-F238E27FC236}">
+                <a16:creationId xmlns:a16="http://schemas.microsoft.com/office/drawing/2014/main" id="{5ED2AD40-EF45-4BFE-86FA-D62A31B1A1EC}"/>
+              </a:ext>
+            </a:extLst>
+          </p:cNvPr>
+          <p:cNvSpPr>
+            <a:spLocks noGrp="1"/>
+          </p:cNvSpPr>
+          <p:nvPr>
+            <p:ph type="sldNum" sz="quarter" idx="12"/>
+          </p:nvPr>
+        </p:nvSpPr>
+        <p:spPr/>
+        <p:txBody>
+          <a:bodyPr/>
+          <a:lstStyle/>
+          <a:p>
+            <a:pPr>
+              <a:defRPr/>
+            </a:pPr>
+            <a:fld id="{AE7FE9DD-B79F-4911-9D24-DCA81CA2BB1B}" type="slidenum">
+              <a:rPr lang="en-US" smtClean="0"/>
+              <a:pPr>
+                <a:defRPr/>
+              </a:pPr>
+              <a:t>‹#›</a:t>
+            </a:fld>
+            <a:endParaRPr lang="en-US"/>
+          </a:p>
+        </p:txBody>
+      </p:sp>
+    </p:spTree>
+    <p:extLst>
+      <p:ext uri="{BB962C8B-B14F-4D97-AF65-F5344CB8AC3E}">
+        <p14:creationId xmlns:p14="http://schemas.microsoft.com/office/powerpoint/2010/main" val="1442519580"/>
+      </p:ext>
+    </p:extLst>
+  </p:cSld>
+  <p:clrMapOvr>
+    <a:masterClrMapping/>
+  </p:clrMapOvr>
+</p:sldLayout>
+</file>
+
+<file path=ppt/slideLayouts/slideLayout12.xml><?xml version="1.0" encoding="utf-8"?>
 <p:sldLayout xmlns:a="http://schemas.openxmlformats.org/drawingml/2006/main" xmlns:r="http://schemas.openxmlformats.org/officeDocument/2006/relationships" xmlns:p="http://schemas.openxmlformats.org/presentationml/2006/main" showMasterSp="0" type="objTx" preserve="1">
   <p:cSld name="Content with Caption">
     <p:spTree>
@@ -1141,8 +1293,8 @@
         </p:nvSpPr>
         <p:spPr>
           <a:xfrm>
-            <a:off x="6324600" y="304800"/>
-            <a:ext cx="2514600" cy="838200"/>
+            <a:off x="8432800" y="304800"/>
+            <a:ext cx="3352800" cy="838200"/>
           </a:xfrm>
         </p:spPr>
         <p:txBody>
@@ -1164,10 +1316,9 @@
           </a:lstStyle>
           <a:p>
             <a:r>
-              <a:rPr kumimoji="0" lang="en-US" smtClean="0"/>
+              <a:rPr kumimoji="0" lang="en-US"/>
               <a:t>Click to edit Master title style</a:t>
             </a:r>
-            <a:endParaRPr kumimoji="0" lang="en-US"/>
           </a:p>
         </p:txBody>
       </p:sp>
@@ -1183,8 +1334,8 @@
         </p:nvSpPr>
         <p:spPr>
           <a:xfrm>
-            <a:off x="6324600" y="1219200"/>
-            <a:ext cx="2514600" cy="4843463"/>
+            <a:off x="8432800" y="1219201"/>
+            <a:ext cx="3352800" cy="4843463"/>
           </a:xfrm>
         </p:spPr>
         <p:txBody>
@@ -1224,7 +1375,7 @@
           <a:p>
             <a:pPr lvl="0" eaLnBrk="1" latinLnBrk="0" hangingPunct="1"/>
             <a:r>
-              <a:rPr kumimoji="0" lang="en-US" smtClean="0"/>
+              <a:rPr kumimoji="0" lang="en-US"/>
               <a:t>Click to edit Master text styles</a:t>
             </a:r>
           </a:p>
@@ -1313,8 +1464,8 @@
         </p:nvSpPr>
         <p:spPr bwMode="auto">
           <a:xfrm>
-            <a:off x="457200" y="6353175"/>
-            <a:ext cx="8229600" cy="0"/>
+            <a:off x="609600" y="6353175"/>
+            <a:ext cx="10972800" cy="0"/>
           </a:xfrm>
           <a:prstGeom prst="line">
             <a:avLst/>
@@ -1335,7 +1486,7 @@
           <a:bodyPr vert="horz" wrap="square" lIns="91440" tIns="45720" rIns="91440" bIns="45720" anchor="t" compatLnSpc="1"/>
           <a:lstStyle/>
           <a:p>
-            <a:endParaRPr kumimoji="0" lang="en-US"/>
+            <a:endParaRPr kumimoji="0" lang="en-US" sz="2400"/>
           </a:p>
         </p:txBody>
       </p:sp>
@@ -1349,7 +1500,7 @@
         </p:nvSpPr>
         <p:spPr bwMode="auto">
           <a:xfrm rot="5400000">
-            <a:off x="3160645" y="3324225"/>
+            <a:off x="5220033" y="3324225"/>
             <a:ext cx="6035040" cy="0"/>
           </a:xfrm>
           <a:prstGeom prst="line">
@@ -1371,7 +1522,7 @@
           <a:bodyPr vert="horz" wrap="square" lIns="91440" tIns="45720" rIns="91440" bIns="45720" anchor="t" compatLnSpc="1"/>
           <a:lstStyle/>
           <a:p>
-            <a:endParaRPr kumimoji="0" lang="en-US" dirty="0"/>
+            <a:endParaRPr kumimoji="0" lang="en-US" sz="2400" dirty="0"/>
           </a:p>
         </p:txBody>
       </p:sp>
@@ -1385,8 +1536,8 @@
         </p:nvSpPr>
         <p:spPr>
           <a:xfrm rot="5400000">
-            <a:off x="419100" y="6467475"/>
-            <a:ext cx="190849" cy="120314"/>
+            <a:off x="590609" y="6447423"/>
+            <a:ext cx="190849" cy="160419"/>
           </a:xfrm>
           <a:prstGeom prst="triangle">
             <a:avLst>
@@ -1421,7 +1572,7 @@
           <a:lstStyle/>
           <a:p>
             <a:pPr algn="ctr" eaLnBrk="1" latinLnBrk="0" hangingPunct="1"/>
-            <a:endParaRPr kumimoji="0" lang="en-US"/>
+            <a:endParaRPr kumimoji="0" lang="en-US" sz="2400"/>
           </a:p>
         </p:txBody>
       </p:sp>
@@ -1437,8 +1588,8 @@
         </p:nvSpPr>
         <p:spPr>
           <a:xfrm>
-            <a:off x="304800" y="304800"/>
-            <a:ext cx="5715000" cy="5715000"/>
+            <a:off x="406400" y="304800"/>
+            <a:ext cx="7620000" cy="5715000"/>
           </a:xfrm>
         </p:spPr>
         <p:txBody>
@@ -1447,35 +1598,35 @@
           <a:p>
             <a:pPr lvl="0" eaLnBrk="1" latinLnBrk="0" hangingPunct="1"/>
             <a:r>
-              <a:rPr lang="en-US" smtClean="0"/>
+              <a:rPr lang="en-US"/>
               <a:t>Click to edit Master text styles</a:t>
             </a:r>
           </a:p>
           <a:p>
             <a:pPr lvl="1" eaLnBrk="1" latinLnBrk="0" hangingPunct="1"/>
             <a:r>
-              <a:rPr lang="en-US" smtClean="0"/>
+              <a:rPr lang="en-US"/>
               <a:t>Second level</a:t>
             </a:r>
           </a:p>
           <a:p>
             <a:pPr lvl="2" eaLnBrk="1" latinLnBrk="0" hangingPunct="1"/>
             <a:r>
-              <a:rPr lang="en-US" smtClean="0"/>
+              <a:rPr lang="en-US"/>
               <a:t>Third level</a:t>
             </a:r>
           </a:p>
           <a:p>
             <a:pPr lvl="3" eaLnBrk="1" latinLnBrk="0" hangingPunct="1"/>
             <a:r>
-              <a:rPr lang="en-US" smtClean="0"/>
+              <a:rPr lang="en-US"/>
               <a:t>Fourth level</a:t>
             </a:r>
           </a:p>
           <a:p>
             <a:pPr lvl="4" eaLnBrk="1" latinLnBrk="0" hangingPunct="1"/>
             <a:r>
-              <a:rPr lang="en-US" smtClean="0"/>
+              <a:rPr lang="en-US"/>
               <a:t>Fifth level</a:t>
             </a:r>
             <a:endParaRPr kumimoji="0" lang="en-US"/>
@@ -1490,14 +1641,9 @@
 </p:sldLayout>
 </file>
 
-<file path=ppt/slideLayouts/slideLayout12.xml><?xml version="1.0" encoding="utf-8"?>
+<file path=ppt/slideLayouts/slideLayout13.xml><?xml version="1.0" encoding="utf-8"?>
 <p:sldLayout xmlns:a="http://schemas.openxmlformats.org/drawingml/2006/main" xmlns:r="http://schemas.openxmlformats.org/officeDocument/2006/relationships" xmlns:p="http://schemas.openxmlformats.org/presentationml/2006/main" showMasterSp="0" type="picTx" preserve="1">
   <p:cSld name="Picture with Caption">
-    <p:bg>
-      <p:bgRef idx="1001">
-        <a:schemeClr val="bg2"/>
-      </p:bgRef>
-    </p:bg>
     <p:spTree>
       <p:nvGrpSpPr>
         <p:cNvPr id="1" name=""/>
@@ -1524,8 +1670,8 @@
         </p:nvSpPr>
         <p:spPr>
           <a:xfrm>
-            <a:off x="457200" y="500856"/>
-            <a:ext cx="8229600" cy="674688"/>
+            <a:off x="609600" y="500856"/>
+            <a:ext cx="10972800" cy="674688"/>
           </a:xfrm>
           <a:ln>
             <a:solidFill>
@@ -1547,10 +1693,9 @@
           </a:lstStyle>
           <a:p>
             <a:r>
-              <a:rPr kumimoji="0" lang="en-US" smtClean="0"/>
+              <a:rPr kumimoji="0" lang="en-US"/>
               <a:t>Click to edit Master title style</a:t>
             </a:r>
-            <a:endParaRPr kumimoji="0" lang="en-US"/>
           </a:p>
         </p:txBody>
       </p:sp>
@@ -1566,8 +1711,8 @@
         </p:nvSpPr>
         <p:spPr>
           <a:xfrm>
-            <a:off x="457200" y="1905000"/>
-            <a:ext cx="8229600" cy="4270248"/>
+            <a:off x="609600" y="1905000"/>
+            <a:ext cx="10972800" cy="4270248"/>
           </a:xfrm>
           <a:solidFill>
             <a:schemeClr val="tx1">
@@ -1592,7 +1737,7 @@
           </a:lstStyle>
           <a:p>
             <a:r>
-              <a:rPr kumimoji="0" lang="en-US" smtClean="0"/>
+              <a:rPr kumimoji="0" lang="en-US"/>
               <a:t>Click icon to add picture</a:t>
             </a:r>
             <a:endParaRPr kumimoji="0" lang="en-US" dirty="0"/>
@@ -1611,8 +1756,8 @@
         </p:nvSpPr>
         <p:spPr>
           <a:xfrm>
-            <a:off x="457200" y="1219200"/>
-            <a:ext cx="8229600" cy="533400"/>
+            <a:off x="609600" y="1219200"/>
+            <a:ext cx="10972800" cy="533400"/>
           </a:xfrm>
         </p:spPr>
         <p:txBody>
@@ -1639,7 +1784,7 @@
           <a:p>
             <a:pPr lvl="0" eaLnBrk="1" latinLnBrk="0" hangingPunct="1"/>
             <a:r>
-              <a:rPr kumimoji="0" lang="en-US" smtClean="0"/>
+              <a:rPr kumimoji="0" lang="en-US"/>
               <a:t>Click to edit Master text styles</a:t>
             </a:r>
           </a:p>
@@ -1728,8 +1873,8 @@
         </p:nvSpPr>
         <p:spPr bwMode="auto">
           <a:xfrm>
-            <a:off x="457200" y="6353175"/>
-            <a:ext cx="8229600" cy="0"/>
+            <a:off x="609600" y="6353175"/>
+            <a:ext cx="10972800" cy="0"/>
           </a:xfrm>
           <a:prstGeom prst="line">
             <a:avLst/>
@@ -1750,7 +1895,7 @@
           <a:bodyPr vert="horz" wrap="square" lIns="91440" tIns="45720" rIns="91440" bIns="45720" anchor="t" compatLnSpc="1"/>
           <a:lstStyle/>
           <a:p>
-            <a:endParaRPr kumimoji="0" lang="en-US"/>
+            <a:endParaRPr kumimoji="0" lang="en-US" sz="2400"/>
           </a:p>
         </p:txBody>
       </p:sp>
@@ -1764,8 +1909,8 @@
         </p:nvSpPr>
         <p:spPr>
           <a:xfrm rot="5400000">
-            <a:off x="419100" y="6467475"/>
-            <a:ext cx="190849" cy="120314"/>
+            <a:off x="590609" y="6447423"/>
+            <a:ext cx="190849" cy="160419"/>
           </a:xfrm>
           <a:prstGeom prst="triangle">
             <a:avLst>
@@ -1800,7 +1945,7 @@
           <a:lstStyle/>
           <a:p>
             <a:pPr algn="ctr" eaLnBrk="1" latinLnBrk="0" hangingPunct="1"/>
-            <a:endParaRPr kumimoji="0" lang="en-US"/>
+            <a:endParaRPr kumimoji="0" lang="en-US" sz="2400"/>
           </a:p>
         </p:txBody>
       </p:sp>
@@ -1812,8 +1957,8 @@
         </p:nvSpPr>
         <p:spPr>
           <a:xfrm>
-            <a:off x="457200" y="500856"/>
-            <a:ext cx="182880" cy="685800"/>
+            <a:off x="609600" y="500856"/>
+            <a:ext cx="243840" cy="685800"/>
           </a:xfrm>
           <a:prstGeom prst="rect">
             <a:avLst/>
@@ -1846,7 +1991,7 @@
           <a:lstStyle/>
           <a:p>
             <a:pPr algn="ctr" eaLnBrk="1" latinLnBrk="0" hangingPunct="1"/>
-            <a:endParaRPr kumimoji="0" lang="en-US"/>
+            <a:endParaRPr kumimoji="0" lang="en-US" sz="2400"/>
           </a:p>
         </p:txBody>
       </p:sp>
@@ -1858,8 +2003,8 @@
 </p:sldLayout>
 </file>
 
-<file path=ppt/slideLayouts/slideLayout13.xml><?xml version="1.0" encoding="utf-8"?>
-<p:sldLayout xmlns:a="http://schemas.openxmlformats.org/drawingml/2006/main" xmlns:r="http://schemas.openxmlformats.org/officeDocument/2006/relationships" xmlns:p="http://schemas.openxmlformats.org/presentationml/2006/main" type="vertTx" preserve="1">
+<file path=ppt/slideLayouts/slideLayout14.xml><?xml version="1.0" encoding="utf-8"?>
+<p:sldLayout xmlns:a="http://schemas.openxmlformats.org/drawingml/2006/main" xmlns:r="http://schemas.openxmlformats.org/officeDocument/2006/relationships" xmlns:p="http://schemas.openxmlformats.org/presentationml/2006/main" showMasterSp="0" type="vertTx" preserve="1">
   <p:cSld name="Title and Vertical Text">
     <p:spTree>
       <p:nvGrpSpPr>
@@ -1891,10 +2036,9 @@
           <a:lstStyle/>
           <a:p>
             <a:r>
-              <a:rPr kumimoji="0" lang="en-US" smtClean="0"/>
+              <a:rPr kumimoji="0" lang="en-US"/>
               <a:t>Click to edit Master title style</a:t>
             </a:r>
-            <a:endParaRPr kumimoji="0" lang="en-US"/>
           </a:p>
         </p:txBody>
       </p:sp>
@@ -1915,35 +2059,35 @@
           <a:p>
             <a:pPr lvl="0" eaLnBrk="1" latinLnBrk="0" hangingPunct="1"/>
             <a:r>
-              <a:rPr lang="en-US" smtClean="0"/>
+              <a:rPr lang="en-US"/>
               <a:t>Click to edit Master text styles</a:t>
             </a:r>
           </a:p>
           <a:p>
             <a:pPr lvl="1" eaLnBrk="1" latinLnBrk="0" hangingPunct="1"/>
             <a:r>
-              <a:rPr lang="en-US" smtClean="0"/>
+              <a:rPr lang="en-US"/>
               <a:t>Second level</a:t>
             </a:r>
           </a:p>
           <a:p>
             <a:pPr lvl="2" eaLnBrk="1" latinLnBrk="0" hangingPunct="1"/>
             <a:r>
-              <a:rPr lang="en-US" smtClean="0"/>
+              <a:rPr lang="en-US"/>
               <a:t>Third level</a:t>
             </a:r>
           </a:p>
           <a:p>
             <a:pPr lvl="3" eaLnBrk="1" latinLnBrk="0" hangingPunct="1"/>
             <a:r>
-              <a:rPr lang="en-US" smtClean="0"/>
+              <a:rPr lang="en-US"/>
               <a:t>Fourth level</a:t>
             </a:r>
           </a:p>
           <a:p>
             <a:pPr lvl="4" eaLnBrk="1" latinLnBrk="0" hangingPunct="1"/>
             <a:r>
-              <a:rPr lang="en-US" smtClean="0"/>
+              <a:rPr lang="en-US"/>
               <a:t>Fifth level</a:t>
             </a:r>
             <a:endParaRPr kumimoji="0" lang="en-US"/>
@@ -2031,7 +2175,7 @@
 </p:sldLayout>
 </file>
 
-<file path=ppt/slideLayouts/slideLayout14.xml><?xml version="1.0" encoding="utf-8"?>
+<file path=ppt/slideLayouts/slideLayout15.xml><?xml version="1.0" encoding="utf-8"?>
 <p:sldLayout xmlns:a="http://schemas.openxmlformats.org/drawingml/2006/main" xmlns:r="http://schemas.openxmlformats.org/officeDocument/2006/relationships" xmlns:p="http://schemas.openxmlformats.org/presentationml/2006/main" showMasterSp="0" type="vertTitleAndTx" preserve="1">
   <p:cSld name="Vertical Title and Text">
     <p:spTree>
@@ -2060,8 +2204,8 @@
         </p:nvSpPr>
         <p:spPr>
           <a:xfrm>
-            <a:off x="6629400" y="274638"/>
-            <a:ext cx="2057400" cy="5851525"/>
+            <a:off x="8839200" y="274639"/>
+            <a:ext cx="2743200" cy="5851525"/>
           </a:xfrm>
         </p:spPr>
         <p:txBody>
@@ -2069,10 +2213,9 @@
           <a:lstStyle/>
           <a:p>
             <a:r>
-              <a:rPr kumimoji="0" lang="en-US" smtClean="0"/>
+              <a:rPr kumimoji="0" lang="en-US"/>
               <a:t>Click to edit Master title style</a:t>
             </a:r>
-            <a:endParaRPr kumimoji="0" lang="en-US"/>
           </a:p>
         </p:txBody>
       </p:sp>
@@ -2088,8 +2231,8 @@
         </p:nvSpPr>
         <p:spPr>
           <a:xfrm>
-            <a:off x="457200" y="274638"/>
-            <a:ext cx="6019800" cy="5851525"/>
+            <a:off x="609600" y="274639"/>
+            <a:ext cx="8026400" cy="5851525"/>
           </a:xfrm>
         </p:spPr>
         <p:txBody>
@@ -2098,35 +2241,35 @@
           <a:p>
             <a:pPr lvl="0" eaLnBrk="1" latinLnBrk="0" hangingPunct="1"/>
             <a:r>
-              <a:rPr lang="en-US" smtClean="0"/>
+              <a:rPr lang="en-US"/>
               <a:t>Click to edit Master text styles</a:t>
             </a:r>
           </a:p>
           <a:p>
             <a:pPr lvl="1" eaLnBrk="1" latinLnBrk="0" hangingPunct="1"/>
             <a:r>
-              <a:rPr lang="en-US" smtClean="0"/>
+              <a:rPr lang="en-US"/>
               <a:t>Second level</a:t>
             </a:r>
           </a:p>
           <a:p>
             <a:pPr lvl="2" eaLnBrk="1" latinLnBrk="0" hangingPunct="1"/>
             <a:r>
-              <a:rPr lang="en-US" smtClean="0"/>
+              <a:rPr lang="en-US"/>
               <a:t>Third level</a:t>
             </a:r>
           </a:p>
           <a:p>
             <a:pPr lvl="3" eaLnBrk="1" latinLnBrk="0" hangingPunct="1"/>
             <a:r>
-              <a:rPr lang="en-US" smtClean="0"/>
+              <a:rPr lang="en-US"/>
               <a:t>Fourth level</a:t>
             </a:r>
           </a:p>
           <a:p>
             <a:pPr lvl="4" eaLnBrk="1" latinLnBrk="0" hangingPunct="1"/>
             <a:r>
-              <a:rPr lang="en-US" smtClean="0"/>
+              <a:rPr lang="en-US"/>
               <a:t>Fifth level</a:t>
             </a:r>
             <a:endParaRPr kumimoji="0" lang="en-US"/>
@@ -2216,8 +2359,8 @@
         </p:nvSpPr>
         <p:spPr bwMode="auto">
           <a:xfrm>
-            <a:off x="457200" y="6353175"/>
-            <a:ext cx="8229600" cy="0"/>
+            <a:off x="609600" y="6353175"/>
+            <a:ext cx="10972800" cy="0"/>
           </a:xfrm>
           <a:prstGeom prst="line">
             <a:avLst/>
@@ -2238,7 +2381,7 @@
           <a:bodyPr vert="horz" wrap="square" lIns="91440" tIns="45720" rIns="91440" bIns="45720" anchor="t" compatLnSpc="1"/>
           <a:lstStyle/>
           <a:p>
-            <a:endParaRPr kumimoji="0" lang="en-US"/>
+            <a:endParaRPr kumimoji="0" lang="en-US" sz="2400"/>
           </a:p>
         </p:txBody>
       </p:sp>
@@ -2252,8 +2395,8 @@
         </p:nvSpPr>
         <p:spPr>
           <a:xfrm rot="5400000">
-            <a:off x="419100" y="6467475"/>
-            <a:ext cx="190849" cy="120314"/>
+            <a:off x="590609" y="6447423"/>
+            <a:ext cx="190849" cy="160419"/>
           </a:xfrm>
           <a:prstGeom prst="triangle">
             <a:avLst>
@@ -2288,7 +2431,7 @@
           <a:lstStyle/>
           <a:p>
             <a:pPr algn="ctr" eaLnBrk="1" latinLnBrk="0" hangingPunct="1"/>
-            <a:endParaRPr kumimoji="0" lang="en-US"/>
+            <a:endParaRPr kumimoji="0" lang="en-US" sz="2400"/>
           </a:p>
         </p:txBody>
       </p:sp>
@@ -2302,7 +2445,7 @@
         </p:nvSpPr>
         <p:spPr bwMode="auto">
           <a:xfrm rot="5400000">
-            <a:off x="3629607" y="3201952"/>
+            <a:off x="5814836" y="3201952"/>
             <a:ext cx="5852160" cy="0"/>
           </a:xfrm>
           <a:prstGeom prst="line">
@@ -2324,7 +2467,7 @@
           <a:bodyPr vert="horz" wrap="square" lIns="91440" tIns="45720" rIns="91440" bIns="45720" anchor="t" compatLnSpc="1"/>
           <a:lstStyle/>
           <a:p>
-            <a:endParaRPr kumimoji="0" lang="en-US"/>
+            <a:endParaRPr kumimoji="0" lang="en-US" sz="2400"/>
           </a:p>
         </p:txBody>
       </p:sp>
@@ -2337,7 +2480,7 @@
 </file>
 
 <file path=ppt/slideLayouts/slideLayout2.xml><?xml version="1.0" encoding="utf-8"?>
-<p:sldLayout xmlns:a="http://schemas.openxmlformats.org/drawingml/2006/main" xmlns:r="http://schemas.openxmlformats.org/officeDocument/2006/relationships" xmlns:p="http://schemas.openxmlformats.org/presentationml/2006/main" type="obj" preserve="1">
+<p:sldLayout xmlns:a="http://schemas.openxmlformats.org/drawingml/2006/main" xmlns:r="http://schemas.openxmlformats.org/officeDocument/2006/relationships" xmlns:p="http://schemas.openxmlformats.org/presentationml/2006/main" showMasterSp="0" type="obj" preserve="1">
   <p:cSld name="Title and Content">
     <p:spTree>
       <p:nvGrpSpPr>
@@ -2369,10 +2512,9 @@
           <a:lstStyle/>
           <a:p>
             <a:r>
-              <a:rPr kumimoji="0" lang="en-US" smtClean="0"/>
+              <a:rPr kumimoji="0" lang="en-US"/>
               <a:t>Click to edit Master title style</a:t>
             </a:r>
-            <a:endParaRPr kumimoji="0" lang="en-US"/>
           </a:p>
         </p:txBody>
       </p:sp>
@@ -2461,8 +2603,8 @@
         </p:nvSpPr>
         <p:spPr>
           <a:xfrm>
-            <a:off x="457200" y="1219200"/>
-            <a:ext cx="8229600" cy="4937760"/>
+            <a:off x="609600" y="1219200"/>
+            <a:ext cx="10972800" cy="4937760"/>
           </a:xfrm>
         </p:spPr>
         <p:txBody>
@@ -2497,35 +2639,35 @@
           <a:p>
             <a:pPr lvl="0" eaLnBrk="1" latinLnBrk="0" hangingPunct="1"/>
             <a:r>
-              <a:rPr lang="en-US" dirty="0" smtClean="0"/>
+              <a:rPr lang="en-US" dirty="0"/>
               <a:t>Click to edit Master text styles</a:t>
             </a:r>
           </a:p>
           <a:p>
             <a:pPr lvl="1" eaLnBrk="1" latinLnBrk="0" hangingPunct="1"/>
             <a:r>
-              <a:rPr lang="en-US" dirty="0" smtClean="0"/>
+              <a:rPr lang="en-US" dirty="0"/>
               <a:t>Second level</a:t>
             </a:r>
           </a:p>
           <a:p>
             <a:pPr lvl="2" eaLnBrk="1" latinLnBrk="0" hangingPunct="1"/>
             <a:r>
-              <a:rPr lang="en-US" dirty="0" smtClean="0"/>
+              <a:rPr lang="en-US" dirty="0"/>
               <a:t>Third level</a:t>
             </a:r>
           </a:p>
           <a:p>
             <a:pPr lvl="3" eaLnBrk="1" latinLnBrk="0" hangingPunct="1"/>
             <a:r>
-              <a:rPr lang="en-US" dirty="0" smtClean="0"/>
+              <a:rPr lang="en-US" dirty="0"/>
               <a:t>Fourth level</a:t>
             </a:r>
           </a:p>
           <a:p>
             <a:pPr lvl="4" eaLnBrk="1" latinLnBrk="0" hangingPunct="1"/>
             <a:r>
-              <a:rPr lang="en-US" dirty="0" smtClean="0"/>
+              <a:rPr lang="en-US" dirty="0"/>
               <a:t>Fifth level</a:t>
             </a:r>
             <a:endParaRPr kumimoji="0" lang="en-US" dirty="0"/>
@@ -2541,7 +2683,7 @@
 </file>
 
 <file path=ppt/slideLayouts/slideLayout3.xml><?xml version="1.0" encoding="utf-8"?>
-<p:sldLayout xmlns:a="http://schemas.openxmlformats.org/drawingml/2006/main" xmlns:r="http://schemas.openxmlformats.org/officeDocument/2006/relationships" xmlns:p="http://schemas.openxmlformats.org/presentationml/2006/main" preserve="1" userDrawn="1">
+<p:sldLayout xmlns:a="http://schemas.openxmlformats.org/drawingml/2006/main" xmlns:r="http://schemas.openxmlformats.org/officeDocument/2006/relationships" xmlns:p="http://schemas.openxmlformats.org/presentationml/2006/main" showMasterSp="0" preserve="1" userDrawn="1">
   <p:cSld name="1_Title and Content">
     <p:spTree>
       <p:nvGrpSpPr>
@@ -2569,8 +2711,8 @@
         </p:nvSpPr>
         <p:spPr>
           <a:xfrm>
-            <a:off x="1676400" y="6356350"/>
-            <a:ext cx="3505200" cy="365760"/>
+            <a:off x="2235200" y="6356350"/>
+            <a:ext cx="4673600" cy="365760"/>
           </a:xfrm>
         </p:spPr>
         <p:txBody>
@@ -2596,8 +2738,8 @@
         </p:nvSpPr>
         <p:spPr>
           <a:xfrm>
-            <a:off x="612648" y="6356350"/>
-            <a:ext cx="987552" cy="365760"/>
+            <a:off x="816864" y="6356350"/>
+            <a:ext cx="1316736" cy="365760"/>
           </a:xfrm>
         </p:spPr>
         <p:txBody>
@@ -2630,8 +2772,8 @@
         </p:nvSpPr>
         <p:spPr>
           <a:xfrm>
-            <a:off x="457200" y="1219200"/>
-            <a:ext cx="8229600" cy="4937760"/>
+            <a:off x="609600" y="1219200"/>
+            <a:ext cx="10972800" cy="4937760"/>
           </a:xfrm>
         </p:spPr>
         <p:txBody>
@@ -2666,35 +2808,35 @@
           <a:p>
             <a:pPr lvl="0" eaLnBrk="1" latinLnBrk="0" hangingPunct="1"/>
             <a:r>
-              <a:rPr lang="en-US" dirty="0" smtClean="0"/>
+              <a:rPr lang="en-US" dirty="0"/>
               <a:t>Click to edit Master text styles</a:t>
             </a:r>
           </a:p>
           <a:p>
             <a:pPr lvl="1" eaLnBrk="1" latinLnBrk="0" hangingPunct="1"/>
             <a:r>
-              <a:rPr lang="en-US" dirty="0" smtClean="0"/>
+              <a:rPr lang="en-US" dirty="0"/>
               <a:t>Second level</a:t>
             </a:r>
           </a:p>
           <a:p>
             <a:pPr lvl="2" eaLnBrk="1" latinLnBrk="0" hangingPunct="1"/>
             <a:r>
-              <a:rPr lang="en-US" dirty="0" smtClean="0"/>
+              <a:rPr lang="en-US" dirty="0"/>
               <a:t>Third level</a:t>
             </a:r>
           </a:p>
           <a:p>
             <a:pPr lvl="3" eaLnBrk="1" latinLnBrk="0" hangingPunct="1"/>
             <a:r>
-              <a:rPr lang="en-US" dirty="0" smtClean="0"/>
+              <a:rPr lang="en-US" dirty="0"/>
               <a:t>Fourth level</a:t>
             </a:r>
           </a:p>
           <a:p>
             <a:pPr lvl="4" eaLnBrk="1" latinLnBrk="0" hangingPunct="1"/>
             <a:r>
-              <a:rPr lang="en-US" dirty="0" smtClean="0"/>
+              <a:rPr lang="en-US" dirty="0"/>
               <a:t>Fifth level</a:t>
             </a:r>
             <a:endParaRPr kumimoji="0" lang="en-US" dirty="0"/>
@@ -2713,8 +2855,8 @@
         </p:nvSpPr>
         <p:spPr>
           <a:xfrm>
-            <a:off x="152400" y="120650"/>
-            <a:ext cx="8839200" cy="412750"/>
+            <a:off x="203200" y="120650"/>
+            <a:ext cx="11785600" cy="412750"/>
           </a:xfrm>
         </p:spPr>
         <p:txBody>
@@ -2733,10 +2875,9 @@
           </a:lstStyle>
           <a:p>
             <a:r>
-              <a:rPr kumimoji="0" lang="en-US" dirty="0" smtClean="0"/>
+              <a:rPr kumimoji="0" lang="en-US" dirty="0"/>
               <a:t>Click to edit Master title style</a:t>
             </a:r>
-            <a:endParaRPr kumimoji="0" lang="en-US" dirty="0"/>
           </a:p>
         </p:txBody>
       </p:sp>
@@ -2752,8 +2893,8 @@
         </p:nvSpPr>
         <p:spPr>
           <a:xfrm>
-            <a:off x="1219200" y="5562600"/>
-            <a:ext cx="6858000" cy="533400"/>
+            <a:off x="1625600" y="5562600"/>
+            <a:ext cx="9144000" cy="533400"/>
           </a:xfrm>
         </p:spPr>
         <p:txBody>
@@ -2797,10 +2938,9 @@
           </a:lstStyle>
           <a:p>
             <a:r>
-              <a:rPr kumimoji="0" lang="en-US" smtClean="0"/>
+              <a:rPr kumimoji="0" lang="en-US"/>
               <a:t>Click to edit Master subtitle style</a:t>
             </a:r>
-            <a:endParaRPr kumimoji="0" lang="en-US"/>
           </a:p>
         </p:txBody>
       </p:sp>
@@ -2812,8 +2952,8 @@
         </p:nvSpPr>
         <p:spPr>
           <a:xfrm>
-            <a:off x="914400" y="5486400"/>
-            <a:ext cx="7315200" cy="685800"/>
+            <a:off x="1219200" y="5486400"/>
+            <a:ext cx="9753600" cy="685800"/>
           </a:xfrm>
           <a:prstGeom prst="rect">
             <a:avLst/>
@@ -2846,7 +2986,7 @@
           <a:lstStyle/>
           <a:p>
             <a:pPr algn="ctr" eaLnBrk="1" latinLnBrk="0" hangingPunct="1"/>
-            <a:endParaRPr kumimoji="0" lang="en-US"/>
+            <a:endParaRPr kumimoji="0" lang="en-US" sz="2400"/>
           </a:p>
         </p:txBody>
       </p:sp>
@@ -2858,8 +2998,8 @@
         </p:nvSpPr>
         <p:spPr>
           <a:xfrm>
-            <a:off x="914400" y="5486400"/>
-            <a:ext cx="228600" cy="685800"/>
+            <a:off x="1219200" y="5486400"/>
+            <a:ext cx="304800" cy="685800"/>
           </a:xfrm>
           <a:prstGeom prst="rect">
             <a:avLst/>
@@ -2892,7 +3032,7 @@
           <a:lstStyle/>
           <a:p>
             <a:pPr algn="ctr" eaLnBrk="1" latinLnBrk="0" hangingPunct="1"/>
-            <a:endParaRPr kumimoji="0" lang="en-US"/>
+            <a:endParaRPr kumimoji="0" lang="en-US" sz="2400"/>
           </a:p>
         </p:txBody>
       </p:sp>
@@ -2905,7 +3045,7 @@
 </file>
 
 <file path=ppt/slideLayouts/slideLayout4.xml><?xml version="1.0" encoding="utf-8"?>
-<p:sldLayout xmlns:a="http://schemas.openxmlformats.org/drawingml/2006/main" xmlns:r="http://schemas.openxmlformats.org/officeDocument/2006/relationships" xmlns:p="http://schemas.openxmlformats.org/presentationml/2006/main" preserve="1" userDrawn="1">
+<p:sldLayout xmlns:a="http://schemas.openxmlformats.org/drawingml/2006/main" xmlns:r="http://schemas.openxmlformats.org/officeDocument/2006/relationships" xmlns:p="http://schemas.openxmlformats.org/presentationml/2006/main" showMasterSp="0" preserve="1" userDrawn="1">
   <p:cSld name="3_Title and Content">
     <p:spTree>
       <p:nvGrpSpPr>
@@ -2933,8 +3073,8 @@
         </p:nvSpPr>
         <p:spPr>
           <a:xfrm>
-            <a:off x="1676400" y="6356350"/>
-            <a:ext cx="3505200" cy="365760"/>
+            <a:off x="2235200" y="6356350"/>
+            <a:ext cx="4673600" cy="365760"/>
           </a:xfrm>
         </p:spPr>
         <p:txBody>
@@ -2960,8 +3100,8 @@
         </p:nvSpPr>
         <p:spPr>
           <a:xfrm>
-            <a:off x="612648" y="6356350"/>
-            <a:ext cx="987552" cy="365760"/>
+            <a:off x="816864" y="6356350"/>
+            <a:ext cx="1316736" cy="365760"/>
           </a:xfrm>
         </p:spPr>
         <p:txBody>
@@ -2994,8 +3134,8 @@
         </p:nvSpPr>
         <p:spPr>
           <a:xfrm>
-            <a:off x="457200" y="1219200"/>
-            <a:ext cx="8229600" cy="914400"/>
+            <a:off x="609600" y="1219200"/>
+            <a:ext cx="10972800" cy="914400"/>
           </a:xfrm>
         </p:spPr>
         <p:txBody>
@@ -3030,14 +3170,14 @@
           <a:p>
             <a:pPr lvl="0" eaLnBrk="1" latinLnBrk="0" hangingPunct="1"/>
             <a:r>
-              <a:rPr lang="en-US" dirty="0" smtClean="0"/>
+              <a:rPr lang="en-US" dirty="0"/>
               <a:t>Click to edit Master text styles</a:t>
             </a:r>
           </a:p>
           <a:p>
             <a:pPr lvl="1" eaLnBrk="1" latinLnBrk="0" hangingPunct="1"/>
             <a:r>
-              <a:rPr lang="en-US" dirty="0" smtClean="0"/>
+              <a:rPr lang="en-US" dirty="0"/>
               <a:t>Second level</a:t>
             </a:r>
           </a:p>
@@ -3055,8 +3195,8 @@
         </p:nvSpPr>
         <p:spPr>
           <a:xfrm>
-            <a:off x="152400" y="120650"/>
-            <a:ext cx="8839200" cy="412750"/>
+            <a:off x="203200" y="120650"/>
+            <a:ext cx="11785600" cy="412750"/>
           </a:xfrm>
         </p:spPr>
         <p:txBody>
@@ -3075,10 +3215,9 @@
           </a:lstStyle>
           <a:p>
             <a:r>
-              <a:rPr kumimoji="0" lang="en-US" dirty="0" smtClean="0"/>
+              <a:rPr kumimoji="0" lang="en-US" dirty="0"/>
               <a:t>Click to edit Master title style</a:t>
             </a:r>
-            <a:endParaRPr kumimoji="0" lang="en-US" dirty="0"/>
           </a:p>
         </p:txBody>
       </p:sp>
@@ -3094,8 +3233,8 @@
         </p:nvSpPr>
         <p:spPr>
           <a:xfrm>
-            <a:off x="1219200" y="5562600"/>
-            <a:ext cx="6858000" cy="533400"/>
+            <a:off x="1625600" y="5562600"/>
+            <a:ext cx="9144000" cy="533400"/>
           </a:xfrm>
         </p:spPr>
         <p:txBody>
@@ -3139,10 +3278,9 @@
           </a:lstStyle>
           <a:p>
             <a:r>
-              <a:rPr kumimoji="0" lang="en-US" smtClean="0"/>
+              <a:rPr kumimoji="0" lang="en-US"/>
               <a:t>Click to edit Master subtitle style</a:t>
             </a:r>
-            <a:endParaRPr kumimoji="0" lang="en-US"/>
           </a:p>
         </p:txBody>
       </p:sp>
@@ -3154,8 +3292,8 @@
         </p:nvSpPr>
         <p:spPr>
           <a:xfrm>
-            <a:off x="914400" y="5486400"/>
-            <a:ext cx="7315200" cy="685800"/>
+            <a:off x="1219200" y="5486400"/>
+            <a:ext cx="9753600" cy="685800"/>
           </a:xfrm>
           <a:prstGeom prst="rect">
             <a:avLst/>
@@ -3188,7 +3326,7 @@
           <a:lstStyle/>
           <a:p>
             <a:pPr algn="ctr" eaLnBrk="1" latinLnBrk="0" hangingPunct="1"/>
-            <a:endParaRPr kumimoji="0" lang="en-US"/>
+            <a:endParaRPr kumimoji="0" lang="en-US" sz="2400"/>
           </a:p>
         </p:txBody>
       </p:sp>
@@ -3200,8 +3338,8 @@
         </p:nvSpPr>
         <p:spPr>
           <a:xfrm>
-            <a:off x="914400" y="5486400"/>
-            <a:ext cx="228600" cy="685800"/>
+            <a:off x="1219200" y="5486400"/>
+            <a:ext cx="304800" cy="685800"/>
           </a:xfrm>
           <a:prstGeom prst="rect">
             <a:avLst/>
@@ -3234,7 +3372,7 @@
           <a:lstStyle/>
           <a:p>
             <a:pPr algn="ctr" eaLnBrk="1" latinLnBrk="0" hangingPunct="1"/>
-            <a:endParaRPr kumimoji="0" lang="en-US"/>
+            <a:endParaRPr kumimoji="0" lang="en-US" sz="2400"/>
           </a:p>
         </p:txBody>
       </p:sp>
@@ -3247,7 +3385,7 @@
 </file>
 
 <file path=ppt/slideLayouts/slideLayout5.xml><?xml version="1.0" encoding="utf-8"?>
-<p:sldLayout xmlns:a="http://schemas.openxmlformats.org/drawingml/2006/main" xmlns:r="http://schemas.openxmlformats.org/officeDocument/2006/relationships" xmlns:p="http://schemas.openxmlformats.org/presentationml/2006/main" preserve="1" userDrawn="1">
+<p:sldLayout xmlns:a="http://schemas.openxmlformats.org/drawingml/2006/main" xmlns:r="http://schemas.openxmlformats.org/officeDocument/2006/relationships" xmlns:p="http://schemas.openxmlformats.org/presentationml/2006/main" showMasterSp="0" preserve="1" userDrawn="1">
   <p:cSld name="2_Title and Content">
     <p:spTree>
       <p:nvGrpSpPr>
@@ -3275,8 +3413,8 @@
         </p:nvSpPr>
         <p:spPr>
           <a:xfrm>
-            <a:off x="1676400" y="6356350"/>
-            <a:ext cx="3505200" cy="365760"/>
+            <a:off x="2235200" y="6356350"/>
+            <a:ext cx="4673600" cy="365760"/>
           </a:xfrm>
         </p:spPr>
         <p:txBody>
@@ -3302,8 +3440,8 @@
         </p:nvSpPr>
         <p:spPr>
           <a:xfrm>
-            <a:off x="612648" y="6356350"/>
-            <a:ext cx="987552" cy="365760"/>
+            <a:off x="816864" y="6356350"/>
+            <a:ext cx="1316736" cy="365760"/>
           </a:xfrm>
         </p:spPr>
         <p:txBody>
@@ -3336,8 +3474,8 @@
         </p:nvSpPr>
         <p:spPr>
           <a:xfrm>
-            <a:off x="152400" y="120650"/>
-            <a:ext cx="8839200" cy="412750"/>
+            <a:off x="203200" y="120650"/>
+            <a:ext cx="11785600" cy="412750"/>
           </a:xfrm>
         </p:spPr>
         <p:txBody>
@@ -3356,10 +3494,9 @@
           </a:lstStyle>
           <a:p>
             <a:r>
-              <a:rPr kumimoji="0" lang="en-US" dirty="0" smtClean="0"/>
+              <a:rPr kumimoji="0" lang="en-US" dirty="0"/>
               <a:t>Click to edit Master title style</a:t>
             </a:r>
-            <a:endParaRPr kumimoji="0" lang="en-US" dirty="0"/>
           </a:p>
         </p:txBody>
       </p:sp>
@@ -3375,8 +3512,8 @@
         </p:nvSpPr>
         <p:spPr>
           <a:xfrm>
-            <a:off x="1219200" y="5562600"/>
-            <a:ext cx="6858000" cy="533400"/>
+            <a:off x="1625600" y="5562600"/>
+            <a:ext cx="9144000" cy="533400"/>
           </a:xfrm>
         </p:spPr>
         <p:txBody>
@@ -3420,10 +3557,9 @@
           </a:lstStyle>
           <a:p>
             <a:r>
-              <a:rPr kumimoji="0" lang="en-US" smtClean="0"/>
+              <a:rPr kumimoji="0" lang="en-US"/>
               <a:t>Click to edit Master subtitle style</a:t>
             </a:r>
-            <a:endParaRPr kumimoji="0" lang="en-US"/>
           </a:p>
         </p:txBody>
       </p:sp>
@@ -3435,8 +3571,8 @@
         </p:nvSpPr>
         <p:spPr>
           <a:xfrm>
-            <a:off x="914400" y="5486400"/>
-            <a:ext cx="7315200" cy="685800"/>
+            <a:off x="1219200" y="5486400"/>
+            <a:ext cx="9753600" cy="685800"/>
           </a:xfrm>
           <a:prstGeom prst="rect">
             <a:avLst/>
@@ -3469,7 +3605,7 @@
           <a:lstStyle/>
           <a:p>
             <a:pPr algn="ctr" eaLnBrk="1" latinLnBrk="0" hangingPunct="1"/>
-            <a:endParaRPr kumimoji="0" lang="en-US"/>
+            <a:endParaRPr kumimoji="0" lang="en-US" sz="2400"/>
           </a:p>
         </p:txBody>
       </p:sp>
@@ -3481,8 +3617,8 @@
         </p:nvSpPr>
         <p:spPr>
           <a:xfrm>
-            <a:off x="914400" y="5486400"/>
-            <a:ext cx="228600" cy="685800"/>
+            <a:off x="1219200" y="5486400"/>
+            <a:ext cx="304800" cy="685800"/>
           </a:xfrm>
           <a:prstGeom prst="rect">
             <a:avLst/>
@@ -3515,7 +3651,7 @@
           <a:lstStyle/>
           <a:p>
             <a:pPr algn="ctr" eaLnBrk="1" latinLnBrk="0" hangingPunct="1"/>
-            <a:endParaRPr kumimoji="0" lang="en-US"/>
+            <a:endParaRPr kumimoji="0" lang="en-US" sz="2400"/>
           </a:p>
         </p:txBody>
       </p:sp>
@@ -3531,8 +3667,8 @@
         </p:nvSpPr>
         <p:spPr>
           <a:xfrm>
-            <a:off x="457200" y="2133600"/>
-            <a:ext cx="8229600" cy="1752600"/>
+            <a:off x="609600" y="2133600"/>
+            <a:ext cx="10972800" cy="1752600"/>
           </a:xfrm>
           <a:solidFill>
             <a:schemeClr val="bg1">
@@ -3570,11 +3706,6 @@
 <file path=ppt/slideLayouts/slideLayout6.xml><?xml version="1.0" encoding="utf-8"?>
 <p:sldLayout xmlns:a="http://schemas.openxmlformats.org/drawingml/2006/main" xmlns:r="http://schemas.openxmlformats.org/officeDocument/2006/relationships" xmlns:p="http://schemas.openxmlformats.org/presentationml/2006/main" showMasterSp="0" type="secHead" preserve="1">
   <p:cSld name="Section Header">
-    <p:bg>
-      <p:bgRef idx="1001">
-        <a:schemeClr val="bg2"/>
-      </p:bgRef>
-    </p:bg>
     <p:spTree>
       <p:nvGrpSpPr>
         <p:cNvPr id="1" name=""/>
@@ -3601,8 +3732,8 @@
         </p:nvSpPr>
         <p:spPr>
           <a:xfrm>
-            <a:off x="1219200" y="2971800"/>
-            <a:ext cx="6858000" cy="1066800"/>
+            <a:off x="1625600" y="2971800"/>
+            <a:ext cx="9144000" cy="1066800"/>
           </a:xfrm>
         </p:spPr>
         <p:txBody>
@@ -3615,10 +3746,9 @@
           </a:lstStyle>
           <a:p>
             <a:r>
-              <a:rPr kumimoji="0" lang="en-US" smtClean="0"/>
+              <a:rPr kumimoji="0" lang="en-US"/>
               <a:t>Click to edit Master title style</a:t>
             </a:r>
-            <a:endParaRPr kumimoji="0" lang="en-US"/>
           </a:p>
         </p:txBody>
       </p:sp>
@@ -3634,8 +3764,8 @@
         </p:nvSpPr>
         <p:spPr>
           <a:xfrm>
-            <a:off x="1295400" y="4267200"/>
-            <a:ext cx="6781800" cy="1143000"/>
+            <a:off x="1727200" y="4267200"/>
+            <a:ext cx="9042400" cy="1143000"/>
           </a:xfrm>
         </p:spPr>
         <p:txBody>
@@ -3695,7 +3825,7 @@
           <a:p>
             <a:pPr lvl="0" eaLnBrk="1" latinLnBrk="0" hangingPunct="1"/>
             <a:r>
-              <a:rPr kumimoji="0" lang="en-US" smtClean="0"/>
+              <a:rPr kumimoji="0" lang="en-US"/>
               <a:t>Click to edit Master text styles</a:t>
             </a:r>
           </a:p>
@@ -3713,8 +3843,8 @@
         </p:nvSpPr>
         <p:spPr>
           <a:xfrm>
-            <a:off x="6400800" y="6355080"/>
-            <a:ext cx="2286000" cy="365760"/>
+            <a:off x="8534400" y="6355080"/>
+            <a:ext cx="3048000" cy="365760"/>
           </a:xfrm>
         </p:spPr>
         <p:txBody>
@@ -3740,8 +3870,8 @@
         </p:nvSpPr>
         <p:spPr>
           <a:xfrm>
-            <a:off x="2898648" y="6355080"/>
-            <a:ext cx="3474720" cy="365760"/>
+            <a:off x="3864864" y="6355080"/>
+            <a:ext cx="4632960" cy="365760"/>
           </a:xfrm>
         </p:spPr>
         <p:txBody>
@@ -3767,8 +3897,8 @@
         </p:nvSpPr>
         <p:spPr>
           <a:xfrm>
-            <a:off x="1069848" y="6355080"/>
-            <a:ext cx="1520952" cy="365760"/>
+            <a:off x="1426464" y="6355080"/>
+            <a:ext cx="2027936" cy="365760"/>
           </a:xfrm>
         </p:spPr>
         <p:txBody>
@@ -3797,8 +3927,8 @@
         </p:nvSpPr>
         <p:spPr>
           <a:xfrm>
-            <a:off x="914400" y="2819400"/>
-            <a:ext cx="7315200" cy="1280160"/>
+            <a:off x="1219200" y="2819400"/>
+            <a:ext cx="9753600" cy="1280160"/>
           </a:xfrm>
           <a:prstGeom prst="rect">
             <a:avLst/>
@@ -3831,7 +3961,7 @@
           <a:lstStyle/>
           <a:p>
             <a:pPr algn="ctr" eaLnBrk="1" latinLnBrk="0" hangingPunct="1"/>
-            <a:endParaRPr kumimoji="0" lang="en-US"/>
+            <a:endParaRPr kumimoji="0" lang="en-US" sz="2400"/>
           </a:p>
         </p:txBody>
       </p:sp>
@@ -3843,8 +3973,8 @@
         </p:nvSpPr>
         <p:spPr>
           <a:xfrm>
-            <a:off x="914400" y="2819400"/>
-            <a:ext cx="228600" cy="1280160"/>
+            <a:off x="1219200" y="2819400"/>
+            <a:ext cx="304800" cy="1280160"/>
           </a:xfrm>
           <a:prstGeom prst="rect">
             <a:avLst/>
@@ -3877,7 +4007,7 @@
           <a:lstStyle/>
           <a:p>
             <a:pPr algn="ctr" eaLnBrk="1" latinLnBrk="0" hangingPunct="1"/>
-            <a:endParaRPr kumimoji="0" lang="en-US"/>
+            <a:endParaRPr kumimoji="0" lang="en-US" sz="2400"/>
           </a:p>
         </p:txBody>
       </p:sp>
@@ -3890,7 +4020,7 @@
 </file>
 
 <file path=ppt/slideLayouts/slideLayout7.xml><?xml version="1.0" encoding="utf-8"?>
-<p:sldLayout xmlns:a="http://schemas.openxmlformats.org/drawingml/2006/main" xmlns:r="http://schemas.openxmlformats.org/officeDocument/2006/relationships" xmlns:p="http://schemas.openxmlformats.org/presentationml/2006/main" type="twoObj" preserve="1">
+<p:sldLayout xmlns:a="http://schemas.openxmlformats.org/drawingml/2006/main" xmlns:r="http://schemas.openxmlformats.org/officeDocument/2006/relationships" xmlns:p="http://schemas.openxmlformats.org/presentationml/2006/main" showMasterSp="0" type="twoObj" preserve="1">
   <p:cSld name="Two Content">
     <p:spTree>
       <p:nvGrpSpPr>
@@ -3918,8 +4048,8 @@
         </p:nvSpPr>
         <p:spPr>
           <a:xfrm>
-            <a:off x="457200" y="228600"/>
-            <a:ext cx="8229600" cy="914400"/>
+            <a:off x="609600" y="228600"/>
+            <a:ext cx="10972800" cy="914400"/>
           </a:xfrm>
         </p:spPr>
         <p:txBody>
@@ -3927,10 +4057,9 @@
           <a:lstStyle/>
           <a:p>
             <a:r>
-              <a:rPr kumimoji="0" lang="en-US" dirty="0" smtClean="0"/>
+              <a:rPr kumimoji="0" lang="en-US" dirty="0"/>
               <a:t>Click to edit Master title style</a:t>
             </a:r>
-            <a:endParaRPr kumimoji="0" lang="en-US" dirty="0"/>
           </a:p>
         </p:txBody>
       </p:sp>
@@ -4019,8 +4148,8 @@
         </p:nvSpPr>
         <p:spPr>
           <a:xfrm>
-            <a:off x="457200" y="1219200"/>
-            <a:ext cx="4041648" cy="4937760"/>
+            <a:off x="609600" y="1219200"/>
+            <a:ext cx="5388864" cy="4937760"/>
           </a:xfrm>
         </p:spPr>
         <p:txBody>
@@ -4055,35 +4184,35 @@
           <a:p>
             <a:pPr lvl="0" eaLnBrk="1" latinLnBrk="0" hangingPunct="1"/>
             <a:r>
-              <a:rPr lang="en-US" dirty="0" smtClean="0"/>
+              <a:rPr lang="en-US" dirty="0"/>
               <a:t>Click to edit Master text styles</a:t>
             </a:r>
           </a:p>
           <a:p>
             <a:pPr lvl="1" eaLnBrk="1" latinLnBrk="0" hangingPunct="1"/>
             <a:r>
-              <a:rPr lang="en-US" dirty="0" smtClean="0"/>
+              <a:rPr lang="en-US" dirty="0"/>
               <a:t>Second level</a:t>
             </a:r>
           </a:p>
           <a:p>
             <a:pPr lvl="2" eaLnBrk="1" latinLnBrk="0" hangingPunct="1"/>
             <a:r>
-              <a:rPr lang="en-US" dirty="0" smtClean="0"/>
+              <a:rPr lang="en-US" dirty="0"/>
               <a:t>Third level</a:t>
             </a:r>
           </a:p>
           <a:p>
             <a:pPr lvl="3" eaLnBrk="1" latinLnBrk="0" hangingPunct="1"/>
             <a:r>
-              <a:rPr lang="en-US" dirty="0" smtClean="0"/>
+              <a:rPr lang="en-US" dirty="0"/>
               <a:t>Fourth level</a:t>
             </a:r>
           </a:p>
           <a:p>
             <a:pPr lvl="4" eaLnBrk="1" latinLnBrk="0" hangingPunct="1"/>
             <a:r>
-              <a:rPr lang="en-US" dirty="0" smtClean="0"/>
+              <a:rPr lang="en-US" dirty="0"/>
               <a:t>Fifth level</a:t>
             </a:r>
             <a:endParaRPr kumimoji="0" lang="en-US" dirty="0"/>
@@ -4102,8 +4231,8 @@
         </p:nvSpPr>
         <p:spPr>
           <a:xfrm>
-            <a:off x="4632198" y="1216152"/>
-            <a:ext cx="4041648" cy="4937760"/>
+            <a:off x="6176264" y="1216152"/>
+            <a:ext cx="5388864" cy="4937760"/>
           </a:xfrm>
         </p:spPr>
         <p:txBody>
@@ -4138,35 +4267,35 @@
           <a:p>
             <a:pPr lvl="0" eaLnBrk="1" latinLnBrk="0" hangingPunct="1"/>
             <a:r>
-              <a:rPr lang="en-US" dirty="0" smtClean="0"/>
+              <a:rPr lang="en-US" dirty="0"/>
               <a:t>Click to edit Master text styles</a:t>
             </a:r>
           </a:p>
           <a:p>
             <a:pPr lvl="1" eaLnBrk="1" latinLnBrk="0" hangingPunct="1"/>
             <a:r>
-              <a:rPr lang="en-US" dirty="0" smtClean="0"/>
+              <a:rPr lang="en-US" dirty="0"/>
               <a:t>Second level</a:t>
             </a:r>
           </a:p>
           <a:p>
             <a:pPr lvl="2" eaLnBrk="1" latinLnBrk="0" hangingPunct="1"/>
             <a:r>
-              <a:rPr lang="en-US" dirty="0" smtClean="0"/>
+              <a:rPr lang="en-US" dirty="0"/>
               <a:t>Third level</a:t>
             </a:r>
           </a:p>
           <a:p>
             <a:pPr lvl="3" eaLnBrk="1" latinLnBrk="0" hangingPunct="1"/>
             <a:r>
-              <a:rPr lang="en-US" dirty="0" smtClean="0"/>
+              <a:rPr lang="en-US" dirty="0"/>
               <a:t>Fourth level</a:t>
             </a:r>
           </a:p>
           <a:p>
             <a:pPr lvl="4" eaLnBrk="1" latinLnBrk="0" hangingPunct="1"/>
             <a:r>
-              <a:rPr lang="en-US" dirty="0" smtClean="0"/>
+              <a:rPr lang="en-US" dirty="0"/>
               <a:t>Fifth level</a:t>
             </a:r>
             <a:endParaRPr kumimoji="0" lang="en-US" dirty="0"/>
@@ -4182,7 +4311,7 @@
 </file>
 
 <file path=ppt/slideLayouts/slideLayout8.xml><?xml version="1.0" encoding="utf-8"?>
-<p:sldLayout xmlns:a="http://schemas.openxmlformats.org/drawingml/2006/main" xmlns:r="http://schemas.openxmlformats.org/officeDocument/2006/relationships" xmlns:p="http://schemas.openxmlformats.org/presentationml/2006/main" type="twoTxTwoObj" preserve="1">
+<p:sldLayout xmlns:a="http://schemas.openxmlformats.org/drawingml/2006/main" xmlns:r="http://schemas.openxmlformats.org/officeDocument/2006/relationships" xmlns:p="http://schemas.openxmlformats.org/presentationml/2006/main" showMasterSp="0" type="twoTxTwoObj" preserve="1">
   <p:cSld name="Comparison">
     <p:spTree>
       <p:nvGrpSpPr>
@@ -4210,8 +4339,8 @@
         </p:nvSpPr>
         <p:spPr>
           <a:xfrm>
-            <a:off x="457200" y="228600"/>
-            <a:ext cx="8229600" cy="914400"/>
+            <a:off x="609600" y="228600"/>
+            <a:ext cx="10972800" cy="914400"/>
           </a:xfrm>
         </p:spPr>
         <p:txBody>
@@ -4223,10 +4352,9 @@
           </a:lstStyle>
           <a:p>
             <a:r>
-              <a:rPr kumimoji="0" lang="en-US" smtClean="0"/>
+              <a:rPr kumimoji="0" lang="en-US"/>
               <a:t>Click to edit Master title style</a:t>
             </a:r>
-            <a:endParaRPr kumimoji="0" lang="en-US"/>
           </a:p>
         </p:txBody>
       </p:sp>
@@ -4242,8 +4370,8 @@
         </p:nvSpPr>
         <p:spPr>
           <a:xfrm>
-            <a:off x="457200" y="1285875"/>
-            <a:ext cx="4040188" cy="685800"/>
+            <a:off x="609600" y="1285875"/>
+            <a:ext cx="5386917" cy="685800"/>
           </a:xfrm>
           <a:noFill/>
           <a:ln>
@@ -4283,7 +4411,7 @@
           <a:p>
             <a:pPr lvl="0" eaLnBrk="1" latinLnBrk="0" hangingPunct="1"/>
             <a:r>
-              <a:rPr kumimoji="0" lang="en-US" smtClean="0"/>
+              <a:rPr kumimoji="0" lang="en-US"/>
               <a:t>Click to edit Master text styles</a:t>
             </a:r>
           </a:p>
@@ -4301,8 +4429,8 @@
         </p:nvSpPr>
         <p:spPr>
           <a:xfrm>
-            <a:off x="4648200" y="1295400"/>
-            <a:ext cx="4041775" cy="685800"/>
+            <a:off x="6197601" y="1295400"/>
+            <a:ext cx="5389033" cy="685800"/>
           </a:xfrm>
           <a:noFill/>
           <a:ln>
@@ -4340,7 +4468,7 @@
           <a:p>
             <a:pPr lvl="0" eaLnBrk="1" latinLnBrk="0" hangingPunct="1"/>
             <a:r>
-              <a:rPr kumimoji="0" lang="en-US" smtClean="0"/>
+              <a:rPr kumimoji="0" lang="en-US"/>
               <a:t>Click to edit Master text styles</a:t>
             </a:r>
           </a:p>
@@ -4431,8 +4559,8 @@
         </p:nvSpPr>
         <p:spPr>
           <a:xfrm>
-            <a:off x="457200" y="2133600"/>
-            <a:ext cx="4038600" cy="4038600"/>
+            <a:off x="609600" y="2133600"/>
+            <a:ext cx="5384800" cy="4038600"/>
           </a:xfrm>
         </p:spPr>
         <p:txBody>
@@ -4441,35 +4569,35 @@
           <a:p>
             <a:pPr lvl="0" eaLnBrk="1" latinLnBrk="0" hangingPunct="1"/>
             <a:r>
-              <a:rPr lang="en-US" smtClean="0"/>
+              <a:rPr lang="en-US"/>
               <a:t>Click to edit Master text styles</a:t>
             </a:r>
           </a:p>
           <a:p>
             <a:pPr lvl="1" eaLnBrk="1" latinLnBrk="0" hangingPunct="1"/>
             <a:r>
-              <a:rPr lang="en-US" smtClean="0"/>
+              <a:rPr lang="en-US"/>
               <a:t>Second level</a:t>
             </a:r>
           </a:p>
           <a:p>
             <a:pPr lvl="2" eaLnBrk="1" latinLnBrk="0" hangingPunct="1"/>
             <a:r>
-              <a:rPr lang="en-US" smtClean="0"/>
+              <a:rPr lang="en-US"/>
               <a:t>Third level</a:t>
             </a:r>
           </a:p>
           <a:p>
             <a:pPr lvl="3" eaLnBrk="1" latinLnBrk="0" hangingPunct="1"/>
             <a:r>
-              <a:rPr lang="en-US" smtClean="0"/>
+              <a:rPr lang="en-US"/>
               <a:t>Fourth level</a:t>
             </a:r>
           </a:p>
           <a:p>
             <a:pPr lvl="4" eaLnBrk="1" latinLnBrk="0" hangingPunct="1"/>
             <a:r>
-              <a:rPr lang="en-US" smtClean="0"/>
+              <a:rPr lang="en-US"/>
               <a:t>Fifth level</a:t>
             </a:r>
             <a:endParaRPr kumimoji="0" lang="en-US"/>
@@ -4488,8 +4616,8 @@
         </p:nvSpPr>
         <p:spPr>
           <a:xfrm>
-            <a:off x="4648200" y="2133600"/>
-            <a:ext cx="4038600" cy="4038600"/>
+            <a:off x="6197600" y="2133600"/>
+            <a:ext cx="5384800" cy="4038600"/>
           </a:xfrm>
         </p:spPr>
         <p:txBody>
@@ -4498,35 +4626,35 @@
           <a:p>
             <a:pPr lvl="0" eaLnBrk="1" latinLnBrk="0" hangingPunct="1"/>
             <a:r>
-              <a:rPr lang="en-US" smtClean="0"/>
+              <a:rPr lang="en-US"/>
               <a:t>Click to edit Master text styles</a:t>
             </a:r>
           </a:p>
           <a:p>
             <a:pPr lvl="1" eaLnBrk="1" latinLnBrk="0" hangingPunct="1"/>
             <a:r>
-              <a:rPr lang="en-US" smtClean="0"/>
+              <a:rPr lang="en-US"/>
               <a:t>Second level</a:t>
             </a:r>
           </a:p>
           <a:p>
             <a:pPr lvl="2" eaLnBrk="1" latinLnBrk="0" hangingPunct="1"/>
             <a:r>
-              <a:rPr lang="en-US" smtClean="0"/>
+              <a:rPr lang="en-US"/>
               <a:t>Third level</a:t>
             </a:r>
           </a:p>
           <a:p>
             <a:pPr lvl="3" eaLnBrk="1" latinLnBrk="0" hangingPunct="1"/>
             <a:r>
-              <a:rPr lang="en-US" smtClean="0"/>
+              <a:rPr lang="en-US"/>
               <a:t>Fourth level</a:t>
             </a:r>
           </a:p>
           <a:p>
             <a:pPr lvl="4" eaLnBrk="1" latinLnBrk="0" hangingPunct="1"/>
             <a:r>
-              <a:rPr lang="en-US" smtClean="0"/>
+              <a:rPr lang="en-US"/>
               <a:t>Fifth level</a:t>
             </a:r>
             <a:endParaRPr kumimoji="0" lang="en-US"/>
@@ -4542,7 +4670,7 @@
 </file>
 
 <file path=ppt/slideLayouts/slideLayout9.xml><?xml version="1.0" encoding="utf-8"?>
-<p:sldLayout xmlns:a="http://schemas.openxmlformats.org/drawingml/2006/main" xmlns:r="http://schemas.openxmlformats.org/officeDocument/2006/relationships" xmlns:p="http://schemas.openxmlformats.org/presentationml/2006/main" type="titleOnly" preserve="1">
+<p:sldLayout xmlns:a="http://schemas.openxmlformats.org/drawingml/2006/main" xmlns:r="http://schemas.openxmlformats.org/officeDocument/2006/relationships" xmlns:p="http://schemas.openxmlformats.org/presentationml/2006/main" showMasterSp="0" type="titleOnly" preserve="1">
   <p:cSld name="Title Only">
     <p:spTree>
       <p:nvGrpSpPr>
@@ -4570,8 +4698,8 @@
         </p:nvSpPr>
         <p:spPr>
           <a:xfrm>
-            <a:off x="457200" y="228600"/>
-            <a:ext cx="8229600" cy="914400"/>
+            <a:off x="609600" y="228600"/>
+            <a:ext cx="10972800" cy="914400"/>
           </a:xfrm>
         </p:spPr>
         <p:txBody>
@@ -4579,10 +4707,9 @@
           <a:lstStyle/>
           <a:p>
             <a:r>
-              <a:rPr kumimoji="0" lang="en-US" smtClean="0"/>
+              <a:rPr kumimoji="0" lang="en-US"/>
               <a:t>Click to edit Master title style</a:t>
             </a:r>
-            <a:endParaRPr kumimoji="0" lang="en-US"/>
           </a:p>
         </p:txBody>
       </p:sp>
@@ -4669,8 +4796,8 @@
         </p:nvSpPr>
         <p:spPr>
           <a:xfrm rot="5400000">
-            <a:off x="419100" y="6467475"/>
-            <a:ext cx="190849" cy="120314"/>
+            <a:off x="590609" y="6447423"/>
+            <a:ext cx="190849" cy="160419"/>
           </a:xfrm>
           <a:prstGeom prst="triangle">
             <a:avLst>
@@ -4705,7 +4832,7 @@
           <a:lstStyle/>
           <a:p>
             <a:pPr algn="ctr" eaLnBrk="1" latinLnBrk="0" hangingPunct="1"/>
-            <a:endParaRPr kumimoji="0" lang="en-US"/>
+            <a:endParaRPr kumimoji="0" lang="en-US" sz="2400"/>
           </a:p>
         </p:txBody>
       </p:sp>
@@ -4751,8 +4878,8 @@
         </p:nvSpPr>
         <p:spPr>
           <a:xfrm>
-            <a:off x="457200" y="152400"/>
-            <a:ext cx="8229600" cy="990600"/>
+            <a:off x="609600" y="152400"/>
+            <a:ext cx="10972800" cy="990600"/>
           </a:xfrm>
           <a:prstGeom prst="rect">
             <a:avLst/>
@@ -4765,10 +4892,9 @@
           <a:lstStyle/>
           <a:p>
             <a:r>
-              <a:rPr kumimoji="0" lang="en-US" smtClean="0"/>
+              <a:rPr kumimoji="0" lang="en-US"/>
               <a:t>Click to edit Master title style</a:t>
             </a:r>
-            <a:endParaRPr kumimoji="0" lang="en-US"/>
           </a:p>
         </p:txBody>
       </p:sp>
@@ -4784,8 +4910,8 @@
         </p:nvSpPr>
         <p:spPr>
           <a:xfrm>
-            <a:off x="457200" y="1219200"/>
-            <a:ext cx="8229600" cy="4910328"/>
+            <a:off x="609600" y="1219200"/>
+            <a:ext cx="10972800" cy="4910328"/>
           </a:xfrm>
           <a:prstGeom prst="rect">
             <a:avLst/>
@@ -4799,38 +4925,37 @@
           <a:p>
             <a:pPr lvl="0" eaLnBrk="1" latinLnBrk="0" hangingPunct="1"/>
             <a:r>
-              <a:rPr kumimoji="0" lang="en-US" smtClean="0"/>
+              <a:rPr kumimoji="0" lang="en-US"/>
               <a:t>Click to edit Master text styles</a:t>
             </a:r>
           </a:p>
           <a:p>
             <a:pPr lvl="1" eaLnBrk="1" latinLnBrk="0" hangingPunct="1"/>
             <a:r>
-              <a:rPr kumimoji="0" lang="en-US" smtClean="0"/>
+              <a:rPr kumimoji="0" lang="en-US"/>
               <a:t>Second level</a:t>
             </a:r>
           </a:p>
           <a:p>
             <a:pPr lvl="2" eaLnBrk="1" latinLnBrk="0" hangingPunct="1"/>
             <a:r>
-              <a:rPr kumimoji="0" lang="en-US" smtClean="0"/>
+              <a:rPr kumimoji="0" lang="en-US"/>
               <a:t>Third level</a:t>
             </a:r>
           </a:p>
           <a:p>
             <a:pPr lvl="3" eaLnBrk="1" latinLnBrk="0" hangingPunct="1"/>
             <a:r>
-              <a:rPr kumimoji="0" lang="en-US" smtClean="0"/>
+              <a:rPr kumimoji="0" lang="en-US"/>
               <a:t>Fourth level</a:t>
             </a:r>
           </a:p>
           <a:p>
             <a:pPr lvl="4" eaLnBrk="1" latinLnBrk="0" hangingPunct="1"/>
             <a:r>
-              <a:rPr kumimoji="0" lang="en-US" smtClean="0"/>
+              <a:rPr kumimoji="0" lang="en-US"/>
               <a:t>Fifth level</a:t>
             </a:r>
-            <a:endParaRPr kumimoji="0" lang="en-US"/>
           </a:p>
         </p:txBody>
       </p:sp>
@@ -4846,8 +4971,8 @@
         </p:nvSpPr>
         <p:spPr>
           <a:xfrm>
-            <a:off x="6400800" y="6356350"/>
-            <a:ext cx="2289048" cy="365760"/>
+            <a:off x="8534400" y="6356350"/>
+            <a:ext cx="3052064" cy="365760"/>
           </a:xfrm>
           <a:prstGeom prst="rect">
             <a:avLst/>
@@ -4884,8 +5009,8 @@
         </p:nvSpPr>
         <p:spPr>
           <a:xfrm>
-            <a:off x="2898648" y="6356350"/>
-            <a:ext cx="3505200" cy="365760"/>
+            <a:off x="3864864" y="6356350"/>
+            <a:ext cx="4673600" cy="365760"/>
           </a:xfrm>
           <a:prstGeom prst="rect">
             <a:avLst/>
@@ -4922,8 +5047,8 @@
         </p:nvSpPr>
         <p:spPr>
           <a:xfrm>
-            <a:off x="612648" y="6356350"/>
-            <a:ext cx="1981200" cy="365760"/>
+            <a:off x="816864" y="6356350"/>
+            <a:ext cx="2641600" cy="365760"/>
           </a:xfrm>
           <a:prstGeom prst="rect">
             <a:avLst/>
@@ -4965,8 +5090,8 @@
         </p:nvSpPr>
         <p:spPr bwMode="auto">
           <a:xfrm>
-            <a:off x="457200" y="6353175"/>
-            <a:ext cx="8229600" cy="0"/>
+            <a:off x="609600" y="6353175"/>
+            <a:ext cx="10972800" cy="0"/>
           </a:xfrm>
           <a:prstGeom prst="line">
             <a:avLst/>
@@ -4987,7 +5112,7 @@
           <a:bodyPr vert="horz" wrap="square" lIns="91440" tIns="45720" rIns="91440" bIns="45720" anchor="t" compatLnSpc="1"/>
           <a:lstStyle/>
           <a:p>
-            <a:endParaRPr kumimoji="0" lang="en-US"/>
+            <a:endParaRPr kumimoji="0" lang="en-US" sz="2400"/>
           </a:p>
         </p:txBody>
       </p:sp>
@@ -5001,8 +5126,8 @@
         </p:nvSpPr>
         <p:spPr bwMode="auto">
           <a:xfrm>
-            <a:off x="457200" y="1143000"/>
-            <a:ext cx="8229600" cy="0"/>
+            <a:off x="609600" y="1143000"/>
+            <a:ext cx="10972800" cy="0"/>
           </a:xfrm>
           <a:prstGeom prst="line">
             <a:avLst/>
@@ -5023,7 +5148,7 @@
           <a:bodyPr vert="horz" wrap="square" lIns="91440" tIns="45720" rIns="91440" bIns="45720" anchor="t" compatLnSpc="1"/>
           <a:lstStyle/>
           <a:p>
-            <a:endParaRPr kumimoji="0" lang="en-US"/>
+            <a:endParaRPr kumimoji="0" lang="en-US" sz="2400"/>
           </a:p>
         </p:txBody>
       </p:sp>
@@ -5037,8 +5162,8 @@
         </p:nvSpPr>
         <p:spPr>
           <a:xfrm rot="5400000">
-            <a:off x="419100" y="6467475"/>
-            <a:ext cx="190849" cy="120314"/>
+            <a:off x="590609" y="6447423"/>
+            <a:ext cx="190849" cy="160419"/>
           </a:xfrm>
           <a:prstGeom prst="triangle">
             <a:avLst>
@@ -5073,7 +5198,7 @@
           <a:lstStyle/>
           <a:p>
             <a:pPr algn="ctr" eaLnBrk="1" latinLnBrk="0" hangingPunct="1"/>
-            <a:endParaRPr kumimoji="0" lang="en-US"/>
+            <a:endParaRPr kumimoji="0" lang="en-US" sz="2400"/>
           </a:p>
         </p:txBody>
       </p:sp>
@@ -5091,10 +5216,11 @@
     <p:sldLayoutId id="2147483834" r:id="rId8"/>
     <p:sldLayoutId id="2147483835" r:id="rId9"/>
     <p:sldLayoutId id="2147483836" r:id="rId10"/>
-    <p:sldLayoutId id="2147483837" r:id="rId11"/>
-    <p:sldLayoutId id="2147483838" r:id="rId12"/>
-    <p:sldLayoutId id="2147483839" r:id="rId13"/>
-    <p:sldLayoutId id="2147483840" r:id="rId14"/>
+    <p:sldLayoutId id="2147483844" r:id="rId11"/>
+    <p:sldLayoutId id="2147483837" r:id="rId12"/>
+    <p:sldLayoutId id="2147483838" r:id="rId13"/>
+    <p:sldLayoutId id="2147483839" r:id="rId14"/>
+    <p:sldLayoutId id="2147483840" r:id="rId15"/>
   </p:sldLayoutIdLst>
   <p:hf sldNum="0" hdr="0" ftr="0" dt="0"/>
   <p:txStyles>
@@ -5410,16 +5536,81 @@
           <a:chExt cx="0" cy="0"/>
         </a:xfrm>
       </p:grpSpPr>
+      <p:sp>
+        <p:nvSpPr>
+          <p:cNvPr id="5" name="Title 2"/>
+          <p:cNvSpPr txBox="1">
+            <a:spLocks/>
+          </p:cNvSpPr>
+          <p:nvPr/>
+        </p:nvSpPr>
+        <p:spPr>
+          <a:xfrm>
+            <a:off x="1975530" y="3733800"/>
+            <a:ext cx="8534400" cy="990600"/>
+          </a:xfrm>
+          <a:prstGeom prst="rect">
+            <a:avLst/>
+          </a:prstGeom>
+        </p:spPr>
+        <p:txBody>
+          <a:bodyPr vert="horz" anchor="t" anchorCtr="0">
+            <a:noAutofit/>
+          </a:bodyPr>
+          <a:lstStyle>
+            <a:lvl1pPr algn="r" rtl="0" eaLnBrk="1" latinLnBrk="0" hangingPunct="1">
+              <a:spcBef>
+                <a:spcPct val="0"/>
+              </a:spcBef>
+              <a:buNone/>
+              <a:defRPr kumimoji="0" sz="3200" kern="1200">
+                <a:solidFill>
+                  <a:schemeClr val="tx1"/>
+                </a:solidFill>
+                <a:latin typeface="+mj-lt"/>
+                <a:ea typeface="+mj-ea"/>
+                <a:cs typeface="+mj-cs"/>
+              </a:defRPr>
+            </a:lvl1pPr>
+          </a:lstStyle>
+          <a:p>
+            <a:pPr fontAlgn="auto">
+              <a:spcAft>
+                <a:spcPts val="0"/>
+              </a:spcAft>
+            </a:pPr>
+            <a:r>
+              <a:rPr lang="en-US" sz="8000" b="1" i="1" dirty="0">
+                <a:solidFill>
+                  <a:srgbClr val="00FF87"/>
+                </a:solidFill>
+                <a:latin typeface="SimSun" panose="02010600030101010101" pitchFamily="2" charset="-122"/>
+                <a:ea typeface="SimSun" panose="02010600030101010101" pitchFamily="2" charset="-122"/>
+                <a:cs typeface="Arial" pitchFamily="34" charset="0"/>
+              </a:rPr>
+              <a:t>redis</a:t>
+            </a:r>
+            <a:endParaRPr lang="en-US" sz="6600" b="1" i="1" dirty="0">
+              <a:solidFill>
+                <a:srgbClr val="00FF87"/>
+              </a:solidFill>
+              <a:latin typeface="SimSun" panose="02010600030101010101" pitchFamily="2" charset="-122"/>
+              <a:ea typeface="SimSun" panose="02010600030101010101" pitchFamily="2" charset="-122"/>
+              <a:cs typeface="Arial" pitchFamily="34" charset="0"/>
+            </a:endParaRPr>
+          </a:p>
+        </p:txBody>
+      </p:sp>
       <p:pic>
         <p:nvPicPr>
-          <p:cNvPr id="2" name="Picture 1"/>
+          <p:cNvPr id="8" name="Picture 7"/>
           <p:cNvPicPr>
             <a:picLocks noChangeAspect="1"/>
           </p:cNvPicPr>
           <p:nvPr/>
         </p:nvPicPr>
         <p:blipFill>
-          <a:blip r:embed="rId2" cstate="print">
+          <a:blip r:embed="rId2">
             <a:extLst>
               <a:ext uri="{28A0092B-C50C-407E-A947-70E740481C1C}">
                 <a14:useLocalDpi xmlns:a14="http://schemas.microsoft.com/office/drawing/2010/main" val="0"/>
@@ -5432,8 +5623,8 @@
         </p:blipFill>
         <p:spPr>
           <a:xfrm>
-            <a:off x="152400" y="152400"/>
-            <a:ext cx="1905000" cy="618067"/>
+            <a:off x="181340" y="2001787"/>
+            <a:ext cx="2854425" cy="2854425"/>
           </a:xfrm>
           <a:prstGeom prst="rect">
             <a:avLst/>
@@ -5442,7 +5633,13 @@
       </p:pic>
       <p:sp>
         <p:nvSpPr>
-          <p:cNvPr id="5" name="Title 2"/>
+          <p:cNvPr id="11" name="Subtitle 3">
+            <a:extLst>
+              <a:ext uri="{FF2B5EF4-FFF2-40B4-BE49-F238E27FC236}">
+                <a16:creationId xmlns:a16="http://schemas.microsoft.com/office/drawing/2014/main" id="{430AFCC3-F053-4895-AB7D-340304D6297C}"/>
+              </a:ext>
+            </a:extLst>
+          </p:cNvPr>
           <p:cNvSpPr txBox="1">
             <a:spLocks/>
           </p:cNvSpPr>
@@ -5450,73 +5647,8 @@
         </p:nvSpPr>
         <p:spPr>
           <a:xfrm>
-            <a:off x="304800" y="3886200"/>
-            <a:ext cx="8534400" cy="990600"/>
-          </a:xfrm>
-          <a:prstGeom prst="rect">
-            <a:avLst/>
-          </a:prstGeom>
-        </p:spPr>
-        <p:txBody>
-          <a:bodyPr vert="horz" anchor="t" anchorCtr="0">
-            <a:noAutofit/>
-          </a:bodyPr>
-          <a:lstStyle>
-            <a:lvl1pPr algn="r" rtl="0" eaLnBrk="1" latinLnBrk="0" hangingPunct="1">
-              <a:spcBef>
-                <a:spcPct val="0"/>
-              </a:spcBef>
-              <a:buNone/>
-              <a:defRPr kumimoji="0" sz="3200" kern="1200">
-                <a:solidFill>
-                  <a:schemeClr val="tx1"/>
-                </a:solidFill>
-                <a:latin typeface="+mj-lt"/>
-                <a:ea typeface="+mj-ea"/>
-                <a:cs typeface="+mj-cs"/>
-              </a:defRPr>
-            </a:lvl1pPr>
-          </a:lstStyle>
-          <a:p>
-            <a:pPr fontAlgn="auto">
-              <a:spcAft>
-                <a:spcPts val="0"/>
-              </a:spcAft>
-            </a:pPr>
-            <a:r>
-              <a:rPr lang="en-US" sz="8000" b="1" i="1" dirty="0" smtClean="0">
-                <a:solidFill>
-                  <a:srgbClr val="00FF87"/>
-                </a:solidFill>
-                <a:latin typeface="SimSun" panose="02010600030101010101" pitchFamily="2" charset="-122"/>
-                <a:ea typeface="SimSun" panose="02010600030101010101" pitchFamily="2" charset="-122"/>
-                <a:cs typeface="Arial" pitchFamily="34" charset="0"/>
-              </a:rPr>
-              <a:t>redis</a:t>
-            </a:r>
-            <a:endParaRPr lang="en-US" sz="6600" b="1" i="1" dirty="0">
-              <a:solidFill>
-                <a:srgbClr val="00FF87"/>
-              </a:solidFill>
-              <a:latin typeface="SimSun" panose="02010600030101010101" pitchFamily="2" charset="-122"/>
-              <a:ea typeface="SimSun" panose="02010600030101010101" pitchFamily="2" charset="-122"/>
-              <a:cs typeface="Arial" pitchFamily="34" charset="0"/>
-            </a:endParaRPr>
-          </a:p>
-        </p:txBody>
-      </p:sp>
-      <p:sp>
-        <p:nvSpPr>
-          <p:cNvPr id="6" name="Subtitle 3"/>
-          <p:cNvSpPr txBox="1">
-            <a:spLocks/>
-          </p:cNvSpPr>
-          <p:nvPr/>
-        </p:nvSpPr>
-        <p:spPr>
-          <a:xfrm>
-            <a:off x="1219200" y="5562600"/>
-            <a:ext cx="6858000" cy="533400"/>
+            <a:off x="4444912" y="5050903"/>
+            <a:ext cx="6065018" cy="587897"/>
           </a:xfrm>
           <a:prstGeom prst="rect">
             <a:avLst/>
@@ -5710,78 +5842,30 @@
             </a:lvl9pPr>
           </a:lstStyle>
           <a:p>
-            <a:pPr fontAlgn="auto">
-              <a:spcAft>
-                <a:spcPts val="0"/>
-              </a:spcAft>
-            </a:pPr>
-            <a:r>
-              <a:rPr lang="en-US" sz="4800" smtClean="0">
+            <a:r>
+              <a:rPr lang="en-US" sz="8800" dirty="0">
                 <a:solidFill>
                   <a:srgbClr val="17A889"/>
                 </a:solidFill>
-                <a:latin typeface="Arial" pitchFamily="34" charset="0"/>
-                <a:cs typeface="Arial" pitchFamily="34" charset="0"/>
+                <a:latin typeface="Calibri" panose="020F0502020204030204" pitchFamily="34" charset="0"/>
+                <a:cs typeface="Calibri" panose="020F0502020204030204" pitchFamily="34" charset="0"/>
               </a:rPr>
-              <a:t>infoway</a:t>
-            </a:r>
-            <a:endParaRPr lang="en-US" sz="4800" dirty="0">
-              <a:solidFill>
-                <a:srgbClr val="17A889"/>
-              </a:solidFill>
-              <a:latin typeface="Arial" pitchFamily="34" charset="0"/>
-              <a:cs typeface="Arial" pitchFamily="34" charset="0"/>
-            </a:endParaRPr>
-          </a:p>
-        </p:txBody>
-      </p:sp>
-      <p:sp>
-        <p:nvSpPr>
-          <p:cNvPr id="7" name="Rectangle 6"/>
-          <p:cNvSpPr/>
-          <p:nvPr/>
-        </p:nvSpPr>
-        <p:spPr>
-          <a:xfrm>
-            <a:off x="2209800" y="152400"/>
-            <a:ext cx="6934200" cy="1446550"/>
-          </a:xfrm>
-          <a:prstGeom prst="rect">
-            <a:avLst/>
-          </a:prstGeom>
-        </p:spPr>
-        <p:txBody>
-          <a:bodyPr wrap="square">
-            <a:spAutoFit/>
-          </a:bodyPr>
-          <a:lstStyle/>
-          <a:p>
-            <a:r>
-              <a:rPr lang="en-IN" sz="4400" dirty="0" smtClean="0">
-                <a:solidFill>
-                  <a:srgbClr val="FFCF05"/>
-                </a:solidFill>
-                <a:latin typeface="Segoe Print" panose="02000600000000000000" pitchFamily="2" charset="0"/>
-              </a:rPr>
-              <a:t>A </a:t>
-            </a:r>
-            <a:r>
-              <a:rPr lang="en-IN" sz="4400" dirty="0">
-                <a:solidFill>
-                  <a:srgbClr val="FFCF05"/>
-                </a:solidFill>
-                <a:latin typeface="Segoe Print" panose="02000600000000000000" pitchFamily="2" charset="0"/>
-              </a:rPr>
-              <a:t>day without new knowledge is a lost day.</a:t>
+              <a:t>iet</a:t>
             </a:r>
           </a:p>
         </p:txBody>
       </p:sp>
       <p:pic>
         <p:nvPicPr>
-          <p:cNvPr id="8" name="Picture 7"/>
+          <p:cNvPr id="12" name="Picture 2">
+            <a:extLst>
+              <a:ext uri="{FF2B5EF4-FFF2-40B4-BE49-F238E27FC236}">
+                <a16:creationId xmlns:a16="http://schemas.microsoft.com/office/drawing/2014/main" id="{BF8BF775-189B-4A36-BF99-8B1B71BC4172}"/>
+              </a:ext>
+            </a:extLst>
+          </p:cNvPr>
           <p:cNvPicPr>
-            <a:picLocks noChangeAspect="1"/>
+            <a:picLocks noChangeAspect="1" noChangeArrowheads="1"/>
           </p:cNvPicPr>
           <p:nvPr/>
         </p:nvPicPr>
@@ -5793,213 +5877,51 @@
               </a:ext>
             </a:extLst>
           </a:blip>
+          <a:srcRect/>
           <a:stretch>
             <a:fillRect/>
           </a:stretch>
         </p:blipFill>
-        <p:spPr>
-          <a:xfrm>
-            <a:off x="3200400" y="1828800"/>
-            <a:ext cx="2209800" cy="2209800"/>
-          </a:xfrm>
-          <a:prstGeom prst="rect">
-            <a:avLst/>
-          </a:prstGeom>
-        </p:spPr>
-      </p:pic>
-    </p:spTree>
-  </p:cSld>
-  <p:clrMapOvr>
-    <a:masterClrMapping/>
-  </p:clrMapOvr>
-  <p:timing>
-    <p:tnLst>
-      <p:par>
-        <p:cTn id="1" dur="indefinite" restart="never" nodeType="tmRoot"/>
-      </p:par>
-    </p:tnLst>
-  </p:timing>
-</p:sld>
-</file>
-
-<file path=ppt/slides/slide2.xml><?xml version="1.0" encoding="utf-8"?>
-<p:sld xmlns:a="http://schemas.openxmlformats.org/drawingml/2006/main" xmlns:r="http://schemas.openxmlformats.org/officeDocument/2006/relationships" xmlns:p="http://schemas.openxmlformats.org/presentationml/2006/main">
-  <p:cSld>
-    <p:spTree>
-      <p:nvGrpSpPr>
-        <p:cNvPr id="1" name=""/>
-        <p:cNvGrpSpPr/>
-        <p:nvPr/>
-      </p:nvGrpSpPr>
-      <p:grpSpPr>
-        <a:xfrm>
-          <a:off x="0" y="0"/>
-          <a:ext cx="0" cy="0"/>
-          <a:chOff x="0" y="0"/>
-          <a:chExt cx="0" cy="0"/>
-        </a:xfrm>
-      </p:grpSpPr>
-      <p:sp>
-        <p:nvSpPr>
-          <p:cNvPr id="2" name="Title 1"/>
-          <p:cNvSpPr txBox="1">
-            <a:spLocks/>
-          </p:cNvSpPr>
-          <p:nvPr/>
-        </p:nvSpPr>
-        <p:spPr>
-          <a:xfrm>
-            <a:off x="228600" y="228600"/>
-            <a:ext cx="8686800" cy="685800"/>
-          </a:xfrm>
-          <a:prstGeom prst="rect">
-            <a:avLst/>
-          </a:prstGeom>
-          <a:solidFill>
-            <a:srgbClr val="FF0000"/>
-          </a:solidFill>
-        </p:spPr>
-        <p:txBody>
-          <a:bodyPr>
-            <a:normAutofit/>
-          </a:bodyPr>
-          <a:lstStyle/>
-          <a:p>
-            <a:pPr lvl="0" algn="ctr">
-              <a:spcBef>
-                <a:spcPct val="0"/>
-              </a:spcBef>
-              <a:defRPr/>
-            </a:pPr>
-            <a:r>
-              <a:rPr lang="en-US" sz="3600" b="1" dirty="0" smtClean="0">
-                <a:solidFill>
-                  <a:schemeClr val="bg1"/>
-                </a:solidFill>
-                <a:latin typeface="Arial" pitchFamily="34" charset="0"/>
-                <a:cs typeface="Arial" pitchFamily="34" charset="0"/>
-              </a:rPr>
-              <a:t>Class Room</a:t>
-            </a:r>
-            <a:endParaRPr kumimoji="0" lang="en-US" sz="3600" b="1" i="1" u="none" strike="noStrike" kern="1200" cap="none" spc="0" normalizeH="0" baseline="0" noProof="0" dirty="0" smtClean="0">
-              <a:ln>
-                <a:noFill/>
-              </a:ln>
-              <a:solidFill>
-                <a:schemeClr val="bg1"/>
-              </a:solidFill>
-              <a:effectLst/>
-              <a:uLnTx/>
-              <a:uFillTx/>
-              <a:latin typeface="Arial" pitchFamily="34" charset="0"/>
-              <a:cs typeface="Arial" pitchFamily="34" charset="0"/>
-            </a:endParaRPr>
-          </a:p>
-        </p:txBody>
-      </p:sp>
-      <p:sp>
-        <p:nvSpPr>
-          <p:cNvPr id="3" name="Title 1"/>
-          <p:cNvSpPr txBox="1">
-            <a:spLocks/>
-          </p:cNvSpPr>
-          <p:nvPr/>
-        </p:nvSpPr>
-        <p:spPr>
-          <a:xfrm>
-            <a:off x="304800" y="1981200"/>
-            <a:ext cx="8610600" cy="914400"/>
-          </a:xfrm>
-          <a:prstGeom prst="rect">
-            <a:avLst/>
-          </a:prstGeom>
-        </p:spPr>
-        <p:txBody>
-          <a:bodyPr>
-            <a:noAutofit/>
-          </a:bodyPr>
-          <a:lstStyle/>
-          <a:p>
-            <a:pPr lvl="0" algn="ctr">
-              <a:spcBef>
-                <a:spcPct val="0"/>
-              </a:spcBef>
-              <a:defRPr/>
-            </a:pPr>
-            <a:r>
-              <a:rPr lang="en-US" sz="6600" b="1" dirty="0" smtClean="0">
-                <a:latin typeface="Arial" pitchFamily="34" charset="0"/>
-                <a:cs typeface="Arial" pitchFamily="34" charset="0"/>
-              </a:rPr>
-              <a:t>Session 1</a:t>
-            </a:r>
-            <a:endParaRPr kumimoji="0" lang="en-US" sz="6600" b="1" i="1" u="none" strike="noStrike" kern="1200" cap="none" spc="0" normalizeH="0" baseline="0" noProof="0" dirty="0" smtClean="0">
-              <a:ln>
-                <a:noFill/>
-              </a:ln>
-              <a:effectLst/>
-              <a:uLnTx/>
-              <a:uFillTx/>
-              <a:latin typeface="Arial" pitchFamily="34" charset="0"/>
-              <a:cs typeface="Arial" pitchFamily="34" charset="0"/>
-            </a:endParaRPr>
-          </a:p>
-        </p:txBody>
-      </p:sp>
-    </p:spTree>
-    <p:extLst>
-      <p:ext uri="{BB962C8B-B14F-4D97-AF65-F5344CB8AC3E}">
-        <p14:creationId xmlns:p14="http://schemas.microsoft.com/office/powerpoint/2010/main" val="153353037"/>
-      </p:ext>
-    </p:extLst>
-  </p:cSld>
-  <p:clrMapOvr>
-    <a:masterClrMapping/>
-  </p:clrMapOvr>
-  <p:timing>
-    <p:tnLst>
-      <p:par>
-        <p:cTn id="1" dur="indefinite" restart="never" nodeType="tmRoot"/>
-      </p:par>
-    </p:tnLst>
-  </p:timing>
-</p:sld>
-</file>
-
-<file path=ppt/slides/slide3.xml><?xml version="1.0" encoding="utf-8"?>
-<p:sld xmlns:a="http://schemas.openxmlformats.org/drawingml/2006/main" xmlns:r="http://schemas.openxmlformats.org/officeDocument/2006/relationships" xmlns:p="http://schemas.openxmlformats.org/presentationml/2006/main">
-  <p:cSld>
-    <p:spTree>
-      <p:nvGrpSpPr>
-        <p:cNvPr id="1" name=""/>
-        <p:cNvGrpSpPr/>
-        <p:nvPr/>
-      </p:nvGrpSpPr>
-      <p:grpSpPr>
-        <a:xfrm>
-          <a:off x="0" y="0"/>
-          <a:ext cx="0" cy="0"/>
-          <a:chOff x="0" y="0"/>
-          <a:chExt cx="0" cy="0"/>
-        </a:xfrm>
-      </p:grpSpPr>
-      <p:sp>
-        <p:nvSpPr>
-          <p:cNvPr id="2" name="Title 1"/>
-          <p:cNvSpPr txBox="1">
-            <a:spLocks/>
-          </p:cNvSpPr>
-          <p:nvPr/>
-        </p:nvSpPr>
-        <p:spPr>
-          <a:xfrm>
-            <a:off x="152400" y="2362200"/>
-            <a:ext cx="8839200" cy="1200329"/>
+        <p:spPr bwMode="auto">
+          <a:xfrm>
+            <a:off x="181341" y="196593"/>
+            <a:ext cx="2854426" cy="1067832"/>
           </a:xfrm>
           <a:prstGeom prst="rect">
             <a:avLst/>
           </a:prstGeom>
           <a:noFill/>
+          <a:extLst>
+            <a:ext uri="{909E8E84-426E-40DD-AFC4-6F175D3DCCD1}">
+              <a14:hiddenFill xmlns:a14="http://schemas.microsoft.com/office/drawing/2010/main">
+                <a:solidFill>
+                  <a:srgbClr val="FFFFFF"/>
+                </a:solidFill>
+              </a14:hiddenFill>
+            </a:ext>
+          </a:extLst>
+        </p:spPr>
+      </p:pic>
+      <p:sp>
+        <p:nvSpPr>
+          <p:cNvPr id="13" name="TextBox 12">
+            <a:extLst>
+              <a:ext uri="{FF2B5EF4-FFF2-40B4-BE49-F238E27FC236}">
+                <a16:creationId xmlns:a16="http://schemas.microsoft.com/office/drawing/2014/main" id="{7211ABEA-C795-4B2C-A903-E8D4DF4A17BA}"/>
+              </a:ext>
+            </a:extLst>
+          </p:cNvPr>
+          <p:cNvSpPr txBox="1"/>
+          <p:nvPr/>
+        </p:nvSpPr>
+        <p:spPr>
+          <a:xfrm>
+            <a:off x="3557770" y="93450"/>
+            <a:ext cx="8452890" cy="3077766"/>
+          </a:xfrm>
+          <a:prstGeom prst="rect">
+            <a:avLst/>
+          </a:prstGeom>
         </p:spPr>
         <p:txBody>
           <a:bodyPr wrap="square">
@@ -6009,131 +5931,36 @@
             <a:defPPr>
               <a:defRPr lang="en-US"/>
             </a:defPPr>
-            <a:lvl1pPr algn="ctr">
-              <a:defRPr sz="6000" i="1">
-                <a:solidFill>
-                  <a:srgbClr val="C10374"/>
-                </a:solidFill>
-                <a:latin typeface="Century" panose="02040604050505020304" pitchFamily="18" charset="0"/>
+            <a:lvl1pPr>
+              <a:defRPr sz="4400">
+                <a:solidFill>
+                  <a:srgbClr val="FFCF05"/>
+                </a:solidFill>
+                <a:latin typeface="Segoe Print" panose="02000600000000000000" pitchFamily="2" charset="0"/>
               </a:defRPr>
             </a:lvl1pPr>
           </a:lstStyle>
           <a:p>
             <a:r>
-              <a:rPr lang="en-IN" sz="7200" dirty="0" smtClean="0">
-                <a:solidFill>
-                  <a:schemeClr val="accent4">
-                    <a:lumMod val="75000"/>
-                  </a:schemeClr>
+              <a:rPr lang="en-IN" dirty="0">
+                <a:solidFill>
+                  <a:srgbClr val="FF5733"/>
                 </a:solidFill>
               </a:rPr>
-              <a:t>redis</a:t>
-            </a:r>
-            <a:endParaRPr lang="en-IN" sz="7200" dirty="0">
-              <a:solidFill>
-                <a:schemeClr val="accent4">
-                  <a:lumMod val="75000"/>
-                </a:schemeClr>
-              </a:solidFill>
-            </a:endParaRPr>
-          </a:p>
-        </p:txBody>
-      </p:sp>
-      <p:sp>
-        <p:nvSpPr>
-          <p:cNvPr id="3" name="Rectangle 2"/>
-          <p:cNvSpPr/>
-          <p:nvPr/>
-        </p:nvSpPr>
-        <p:spPr>
-          <a:xfrm>
-            <a:off x="676141" y="3352800"/>
-            <a:ext cx="7791718" cy="1200329"/>
-          </a:xfrm>
-          <a:prstGeom prst="rect">
-            <a:avLst/>
-          </a:prstGeom>
-          <a:solidFill>
-            <a:schemeClr val="bg1"/>
-          </a:solidFill>
-        </p:spPr>
-        <p:txBody>
-          <a:bodyPr wrap="square">
-            <a:spAutoFit/>
-          </a:bodyPr>
-          <a:lstStyle/>
-          <a:p>
-            <a:r>
-              <a:rPr lang="en-IN" dirty="0">
-                <a:solidFill>
-                  <a:srgbClr val="BB0643"/>
-                </a:solidFill>
-                <a:latin typeface="Segoe UI" panose="020B0502040204020203" pitchFamily="34" charset="0"/>
-                <a:cs typeface="Segoe UI" panose="020B0502040204020203" pitchFamily="34" charset="0"/>
+              <a:t>“In a day, when you don't come across any problems - you can be sure that you are travelling in a wrong path”</a:t>
+            </a:r>
+          </a:p>
+          <a:p>
+            <a:pPr algn="r"/>
+            <a:r>
+              <a:rPr lang="en-IN" sz="1800" dirty="0">
+                <a:solidFill>
+                  <a:srgbClr val="111111"/>
+                </a:solidFill>
+                <a:latin typeface="-apple-system"/>
               </a:rPr>
-              <a:t>Redis is an open-source in-memory database project implementing a distributed, in-memory key-value store with optional durability</a:t>
-            </a:r>
-            <a:r>
-              <a:rPr lang="en-IN" dirty="0" smtClean="0">
-                <a:solidFill>
-                  <a:srgbClr val="BB0643"/>
-                </a:solidFill>
-                <a:latin typeface="Segoe UI" panose="020B0502040204020203" pitchFamily="34" charset="0"/>
-                <a:cs typeface="Segoe UI" panose="020B0502040204020203" pitchFamily="34" charset="0"/>
-              </a:rPr>
-              <a:t>.</a:t>
-            </a:r>
-            <a:endParaRPr lang="en-IN" dirty="0">
-              <a:solidFill>
-                <a:srgbClr val="BB0643"/>
-              </a:solidFill>
-              <a:latin typeface="Segoe UI" panose="020B0502040204020203" pitchFamily="34" charset="0"/>
-              <a:cs typeface="Segoe UI" panose="020B0502040204020203" pitchFamily="34" charset="0"/>
-            </a:endParaRPr>
-          </a:p>
-        </p:txBody>
-      </p:sp>
-      <p:sp>
-        <p:nvSpPr>
-          <p:cNvPr id="4" name="Rectangle 3"/>
-          <p:cNvSpPr/>
-          <p:nvPr/>
-        </p:nvSpPr>
-        <p:spPr>
-          <a:xfrm>
-            <a:off x="142741" y="609600"/>
-            <a:ext cx="8839200" cy="400110"/>
-          </a:xfrm>
-          <a:prstGeom prst="rect">
-            <a:avLst/>
-          </a:prstGeom>
-        </p:spPr>
-        <p:txBody>
-          <a:bodyPr wrap="square">
-            <a:spAutoFit/>
-          </a:bodyPr>
-          <a:lstStyle/>
-          <a:p>
-            <a:pPr algn="just"/>
-            <a:r>
-              <a:rPr lang="en-IN" sz="2000" dirty="0" smtClean="0">
-                <a:solidFill>
-                  <a:schemeClr val="accent2">
-                    <a:lumMod val="50000"/>
-                  </a:schemeClr>
-                </a:solidFill>
-                <a:cs typeface="Times New Roman" panose="02020603050405020304" pitchFamily="18" charset="0"/>
-              </a:rPr>
-              <a:t>TODO</a:t>
-            </a:r>
-            <a:endParaRPr lang="en-IN" sz="2000" dirty="0">
-              <a:solidFill>
-                <a:schemeClr val="accent2">
-                  <a:lumMod val="50000"/>
-                </a:schemeClr>
-              </a:solidFill>
-              <a:cs typeface="Times New Roman" panose="02020603050405020304" pitchFamily="18" charset="0"/>
-            </a:endParaRPr>
+              <a:t>~ Swami Vivekananda Ji</a:t>
+            </a:r>
           </a:p>
         </p:txBody>
       </p:sp>
@@ -6142,18 +5969,11 @@
   <p:clrMapOvr>
     <a:masterClrMapping/>
   </p:clrMapOvr>
-  <p:timing>
-    <p:tnLst>
-      <p:par>
-        <p:cTn id="1" dur="indefinite" restart="never" nodeType="tmRoot"/>
-      </p:par>
-    </p:tnLst>
-  </p:timing>
 </p:sld>
 </file>
 
-<file path=ppt/slides/slide4.xml><?xml version="1.0" encoding="utf-8"?>
-<p:sld xmlns:a="http://schemas.openxmlformats.org/drawingml/2006/main" xmlns:r="http://schemas.openxmlformats.org/officeDocument/2006/relationships" xmlns:p="http://schemas.openxmlformats.org/presentationml/2006/main">
+<file path=ppt/slides/slide10.xml><?xml version="1.0" encoding="utf-8"?>
+<p:sld xmlns:a="http://schemas.openxmlformats.org/drawingml/2006/main" xmlns:r="http://schemas.openxmlformats.org/officeDocument/2006/relationships" xmlns:p="http://schemas.openxmlformats.org/presentationml/2006/main" showMasterSp="0">
   <p:cSld>
     <p:spTree>
       <p:nvGrpSpPr>
@@ -6177,7 +5997,7 @@
         </p:nvCxnSpPr>
         <p:spPr>
           <a:xfrm>
-            <a:off x="0" y="1752600"/>
+            <a:off x="1524000" y="1981200"/>
             <a:ext cx="9144000" cy="1588"/>
           </a:xfrm>
           <a:prstGeom prst="line">
@@ -6210,7 +6030,7 @@
         </p:nvSpPr>
         <p:spPr>
           <a:xfrm>
-            <a:off x="0" y="0"/>
+            <a:off x="1524000" y="0"/>
             <a:ext cx="9144000" cy="707886"/>
           </a:xfrm>
           <a:prstGeom prst="rect">
@@ -6238,57 +6058,69 @@
                 </a:solidFill>
                 <a:latin typeface="Open Sans"/>
               </a:rPr>
-              <a:t>Getting</a:t>
-            </a:r>
-            <a:r>
-              <a:rPr lang="en-IN" sz="4000" dirty="0">
-                <a:solidFill>
-                  <a:schemeClr val="accent4">
-                    <a:lumMod val="75000"/>
-                  </a:schemeClr>
-                </a:solidFill>
-              </a:rPr>
-              <a:t> </a:t>
-            </a:r>
-            <a:r>
-              <a:rPr lang="en-IN" sz="4000" dirty="0" smtClean="0">
-                <a:solidFill>
-                  <a:schemeClr val="accent4">
-                    <a:lumMod val="75000"/>
-                  </a:schemeClr>
-                </a:solidFill>
-                <a:latin typeface="Open Sans"/>
-              </a:rPr>
-              <a:t>Started</a:t>
-            </a:r>
-            <a:endParaRPr lang="en-IN" sz="4000" dirty="0">
-              <a:solidFill>
-                <a:schemeClr val="accent4">
-                  <a:lumMod val="75000"/>
-                </a:schemeClr>
-              </a:solidFill>
-              <a:latin typeface="Open Sans"/>
-            </a:endParaRPr>
-          </a:p>
-        </p:txBody>
-      </p:sp>
-      <p:sp>
-        <p:nvSpPr>
-          <p:cNvPr id="2" name="Rectangle 1"/>
+              <a:t>ttl</a:t>
+            </a:r>
+          </a:p>
+        </p:txBody>
+      </p:sp>
+      <p:sp>
+        <p:nvSpPr>
+          <p:cNvPr id="3" name="Rectangle 2"/>
           <p:cNvSpPr/>
           <p:nvPr/>
         </p:nvSpPr>
         <p:spPr>
           <a:xfrm>
-            <a:off x="152400" y="2743200"/>
-            <a:ext cx="8839200" cy="1661993"/>
+            <a:off x="1600200" y="762001"/>
+            <a:ext cx="8991600" cy="1015663"/>
+          </a:xfrm>
+          <a:prstGeom prst="rect">
+            <a:avLst/>
+          </a:prstGeom>
+        </p:spPr>
+        <p:txBody>
+          <a:bodyPr wrap="square">
+            <a:spAutoFit/>
+          </a:bodyPr>
+          <a:lstStyle/>
+          <a:p>
+            <a:pPr algn="just"/>
+            <a:r>
+              <a:rPr lang="en-US" sz="2000" dirty="0"/>
+              <a:t>Returns the remaining </a:t>
+            </a:r>
+            <a:r>
+              <a:rPr lang="en-US" sz="2000" b="1" dirty="0"/>
+              <a:t>time to live </a:t>
+            </a:r>
+            <a:r>
+              <a:rPr lang="en-US" sz="2000" dirty="0"/>
+              <a:t>of a key that has a timeout. This introspection capability allows a Redis client to check how many seconds a given key will continue to be part of the dataset.</a:t>
+            </a:r>
+            <a:endParaRPr lang="en-IN" sz="2000" dirty="0"/>
+          </a:p>
+        </p:txBody>
+      </p:sp>
+      <p:sp>
+        <p:nvSpPr>
+          <p:cNvPr id="5" name="Rectangle 4"/>
+          <p:cNvSpPr/>
+          <p:nvPr/>
+        </p:nvSpPr>
+        <p:spPr>
+          <a:xfrm>
+            <a:off x="1600200" y="2829480"/>
+            <a:ext cx="8890000" cy="878830"/>
           </a:xfrm>
           <a:prstGeom prst="rect">
             <a:avLst/>
           </a:prstGeom>
           <a:solidFill>
-            <a:srgbClr val="FEFEFE"/>
+            <a:schemeClr val="bg1"/>
           </a:solidFill>
+          <a:ln>
+            <a:noFill/>
+          </a:ln>
         </p:spPr>
         <p:txBody>
           <a:bodyPr wrap="square">
@@ -6296,193 +6128,147 @@
           </a:bodyPr>
           <a:lstStyle/>
           <a:p>
-            <a:pPr marL="342900" indent="-342900">
-              <a:buFont typeface="Wingdings" panose="05000000000000000000" pitchFamily="2" charset="2"/>
-              <a:buChar char="§"/>
+            <a:pPr marL="285750" indent="-285750">
+              <a:lnSpc>
+                <a:spcPct val="150000"/>
+              </a:lnSpc>
+              <a:buFont typeface="Arial" panose="020B0604020202020204" pitchFamily="34" charset="0"/>
+              <a:buChar char="•"/>
             </a:pPr>
             <a:r>
-              <a:rPr lang="en-IN" sz="2200" smtClean="0">
-                <a:solidFill>
-                  <a:schemeClr val="bg2">
+              <a:rPr lang="en-IN" sz="1800" dirty="0">
+                <a:solidFill>
+                  <a:schemeClr val="bg1">
                     <a:lumMod val="50000"/>
                   </a:schemeClr>
                 </a:solidFill>
                 <a:latin typeface="Consolas" panose="020B0609020204030204" pitchFamily="49" charset="0"/>
-                <a:ea typeface="Tahoma" panose="020B0604030504040204" pitchFamily="34" charset="0"/>
-                <a:cs typeface="Tahoma" panose="020B0604030504040204" pitchFamily="34" charset="0"/>
+                <a:ea typeface="SimSun" panose="02010600030101010101" pitchFamily="2" charset="-122"/>
+                <a:cs typeface="Segoe UI Light" panose="020B0502040204020203" pitchFamily="34" charset="0"/>
               </a:rPr>
-              <a:t>redis-server </a:t>
-            </a:r>
-            <a:r>
-              <a:rPr lang="en-IN" sz="2200">
-                <a:solidFill>
-                  <a:schemeClr val="bg2">
+              <a:t>127.0.0.1:6379&gt;</a:t>
+            </a:r>
+            <a:r>
+              <a:rPr lang="en-IN" sz="1800" dirty="0">
+                <a:latin typeface="Consolas" panose="020B0609020204030204" pitchFamily="49" charset="0"/>
+                <a:ea typeface="SimSun" panose="02010600030101010101" pitchFamily="2" charset="-122"/>
+                <a:cs typeface="Segoe UI Light" panose="020B0502040204020203" pitchFamily="34" charset="0"/>
+              </a:rPr>
+              <a:t> </a:t>
+            </a:r>
+            <a:r>
+              <a:rPr lang="en-IN" sz="1800" dirty="0">
+                <a:solidFill>
+                  <a:srgbClr val="FF5733"/>
+                </a:solidFill>
+                <a:latin typeface="Consolas" panose="020B0609020204030204" pitchFamily="49" charset="0"/>
+                <a:ea typeface="SimSun" panose="02010600030101010101" pitchFamily="2" charset="-122"/>
+                <a:cs typeface="Segoe UI Light" panose="020B0502040204020203" pitchFamily="34" charset="0"/>
+              </a:rPr>
+              <a:t>ttl ID</a:t>
+            </a:r>
+          </a:p>
+          <a:p>
+            <a:pPr marL="285750" indent="-285750">
+              <a:lnSpc>
+                <a:spcPct val="150000"/>
+              </a:lnSpc>
+              <a:buFont typeface="Arial" panose="020B0604020202020204" pitchFamily="34" charset="0"/>
+              <a:buChar char="•"/>
+            </a:pPr>
+            <a:r>
+              <a:rPr lang="en-IN" sz="1800" dirty="0">
+                <a:solidFill>
+                  <a:schemeClr val="bg1">
                     <a:lumMod val="50000"/>
                   </a:schemeClr>
                 </a:solidFill>
                 <a:latin typeface="Consolas" panose="020B0609020204030204" pitchFamily="49" charset="0"/>
-                <a:ea typeface="Tahoma" panose="020B0604030504040204" pitchFamily="34" charset="0"/>
-                <a:cs typeface="Tahoma" panose="020B0604030504040204" pitchFamily="34" charset="0"/>
+                <a:ea typeface="SimSun" panose="02010600030101010101" pitchFamily="2" charset="-122"/>
+                <a:cs typeface="Segoe UI Light" panose="020B0502040204020203" pitchFamily="34" charset="0"/>
               </a:rPr>
-              <a:t>--protected-mode no</a:t>
-            </a:r>
-            <a:r>
-              <a:rPr lang="en-IN" sz="1800" smtClean="0">
-                <a:solidFill>
-                  <a:srgbClr val="92D050"/>
-                </a:solidFill>
+              <a:t>127.0.0.1:6379&gt;</a:t>
+            </a:r>
+            <a:r>
+              <a:rPr lang="en-IN" sz="1800" dirty="0">
                 <a:latin typeface="Consolas" panose="020B0609020204030204" pitchFamily="49" charset="0"/>
-                <a:ea typeface="Tahoma" panose="020B0604030504040204" pitchFamily="34" charset="0"/>
-                <a:cs typeface="Tahoma" panose="020B0604030504040204" pitchFamily="34" charset="0"/>
-              </a:rPr>
-              <a:t>//</a:t>
-            </a:r>
-            <a:r>
-              <a:rPr lang="en-IN" sz="1800" dirty="0" smtClean="0">
-                <a:solidFill>
-                  <a:srgbClr val="92D050"/>
-                </a:solidFill>
-                <a:latin typeface="Consolas" panose="020B0609020204030204" pitchFamily="49" charset="0"/>
-                <a:ea typeface="Tahoma" panose="020B0604030504040204" pitchFamily="34" charset="0"/>
-                <a:cs typeface="Tahoma" panose="020B0604030504040204" pitchFamily="34" charset="0"/>
-              </a:rPr>
-              <a:t>start server</a:t>
-            </a:r>
-            <a:endParaRPr lang="en-IN" sz="2200" dirty="0">
-              <a:solidFill>
-                <a:srgbClr val="92D050"/>
-              </a:solidFill>
-              <a:latin typeface="Consolas" panose="020B0609020204030204" pitchFamily="49" charset="0"/>
-              <a:ea typeface="Tahoma" panose="020B0604030504040204" pitchFamily="34" charset="0"/>
-              <a:cs typeface="Tahoma" panose="020B0604030504040204" pitchFamily="34" charset="0"/>
-            </a:endParaRPr>
-          </a:p>
-          <a:p>
-            <a:pPr marL="342900" indent="-342900">
-              <a:buFont typeface="Wingdings" panose="05000000000000000000" pitchFamily="2" charset="2"/>
-              <a:buChar char="§"/>
-            </a:pPr>
-            <a:endParaRPr lang="en-IN" sz="2200" dirty="0">
-              <a:solidFill>
-                <a:schemeClr val="bg2">
-                  <a:lumMod val="50000"/>
-                </a:schemeClr>
-              </a:solidFill>
-              <a:latin typeface="Consolas" panose="020B0609020204030204" pitchFamily="49" charset="0"/>
-              <a:ea typeface="Tahoma" panose="020B0604030504040204" pitchFamily="34" charset="0"/>
-              <a:cs typeface="Tahoma" panose="020B0604030504040204" pitchFamily="34" charset="0"/>
-            </a:endParaRPr>
-          </a:p>
-          <a:p>
-            <a:pPr marL="342900" indent="-342900">
-              <a:buFont typeface="Wingdings" panose="05000000000000000000" pitchFamily="2" charset="2"/>
-              <a:buChar char="§"/>
-            </a:pPr>
-            <a:r>
-              <a:rPr lang="en-IN" sz="2200" dirty="0" smtClean="0">
-                <a:solidFill>
-                  <a:schemeClr val="bg2">
-                    <a:lumMod val="50000"/>
-                  </a:schemeClr>
-                </a:solidFill>
-                <a:latin typeface="Consolas" panose="020B0609020204030204" pitchFamily="49" charset="0"/>
-                <a:ea typeface="Tahoma" panose="020B0604030504040204" pitchFamily="34" charset="0"/>
-                <a:cs typeface="Tahoma" panose="020B0604030504040204" pitchFamily="34" charset="0"/>
-              </a:rPr>
-              <a:t>redis-cli </a:t>
-            </a:r>
-            <a:r>
-              <a:rPr lang="en-IN" sz="1800" dirty="0">
-                <a:solidFill>
-                  <a:srgbClr val="92D050"/>
-                </a:solidFill>
-                <a:latin typeface="Consolas" panose="020B0609020204030204" pitchFamily="49" charset="0"/>
-                <a:ea typeface="Tahoma" panose="020B0604030504040204" pitchFamily="34" charset="0"/>
-                <a:cs typeface="Tahoma" panose="020B0604030504040204" pitchFamily="34" charset="0"/>
-              </a:rPr>
-              <a:t>//</a:t>
-            </a:r>
-            <a:r>
-              <a:rPr lang="en-IN" sz="1800" dirty="0" smtClean="0">
-                <a:solidFill>
-                  <a:schemeClr val="bg2">
-                    <a:lumMod val="50000"/>
-                  </a:schemeClr>
-                </a:solidFill>
-                <a:latin typeface="Consolas" panose="020B0609020204030204" pitchFamily="49" charset="0"/>
-                <a:ea typeface="Tahoma" panose="020B0604030504040204" pitchFamily="34" charset="0"/>
-                <a:cs typeface="Tahoma" panose="020B0604030504040204" pitchFamily="34" charset="0"/>
+                <a:ea typeface="SimSun" panose="02010600030101010101" pitchFamily="2" charset="-122"/>
+                <a:cs typeface="Segoe UI Light" panose="020B0502040204020203" pitchFamily="34" charset="0"/>
               </a:rPr>
               <a:t> </a:t>
             </a:r>
             <a:r>
-              <a:rPr lang="en-IN" sz="1800" dirty="0" smtClean="0">
-                <a:solidFill>
-                  <a:srgbClr val="92D050"/>
+              <a:rPr lang="en-IN" sz="1800" dirty="0">
+                <a:solidFill>
+                  <a:srgbClr val="FF5733"/>
                 </a:solidFill>
                 <a:latin typeface="Consolas" panose="020B0609020204030204" pitchFamily="49" charset="0"/>
-                <a:ea typeface="Tahoma" panose="020B0604030504040204" pitchFamily="34" charset="0"/>
-                <a:cs typeface="Tahoma" panose="020B0604030504040204" pitchFamily="34" charset="0"/>
+                <a:ea typeface="SimSun" panose="02010600030101010101" pitchFamily="2" charset="-122"/>
+                <a:cs typeface="Segoe UI Light" panose="020B0502040204020203" pitchFamily="34" charset="0"/>
               </a:rPr>
-              <a:t>redis-cli </a:t>
-            </a:r>
-            <a:r>
-              <a:rPr lang="en-IN" sz="1800" dirty="0">
-                <a:solidFill>
-                  <a:srgbClr val="92D050"/>
-                </a:solidFill>
-                <a:latin typeface="Consolas" panose="020B0609020204030204" pitchFamily="49" charset="0"/>
-                <a:ea typeface="Tahoma" panose="020B0604030504040204" pitchFamily="34" charset="0"/>
-                <a:cs typeface="Tahoma" panose="020B0604030504040204" pitchFamily="34" charset="0"/>
-              </a:rPr>
-              <a:t>is the Redis command line interface, a simple program that allows to send commands to Redis, and read the replies sent by the server, directly from the terminal.</a:t>
-            </a:r>
-          </a:p>
-        </p:txBody>
-      </p:sp>
-      <p:sp>
-        <p:nvSpPr>
-          <p:cNvPr id="3" name="Rectangle 2"/>
+              <a:t>ttl firstName</a:t>
+            </a:r>
+          </a:p>
+        </p:txBody>
+      </p:sp>
+      <p:sp>
+        <p:nvSpPr>
+          <p:cNvPr id="7" name="Rectangle 6">
+            <a:extLst>
+              <a:ext uri="{FF2B5EF4-FFF2-40B4-BE49-F238E27FC236}">
+                <a16:creationId xmlns:a16="http://schemas.microsoft.com/office/drawing/2014/main" id="{C4AD5E2E-CDCD-4295-866C-6B297188B2A0}"/>
+              </a:ext>
+            </a:extLst>
+          </p:cNvPr>
           <p:cNvSpPr/>
           <p:nvPr/>
         </p:nvSpPr>
         <p:spPr>
           <a:xfrm>
-            <a:off x="152400" y="2016105"/>
-            <a:ext cx="3477234" cy="369332"/>
+            <a:off x="152400" y="152400"/>
+            <a:ext cx="1106606" cy="461665"/>
           </a:xfrm>
           <a:prstGeom prst="rect">
             <a:avLst/>
           </a:prstGeom>
         </p:spPr>
         <p:txBody>
-          <a:bodyPr wrap="none">
+          <a:bodyPr wrap="square">
             <a:spAutoFit/>
           </a:bodyPr>
           <a:lstStyle/>
           <a:p>
-            <a:r>
-              <a:rPr lang="en-US" sz="1800" dirty="0">
-                <a:solidFill>
-                  <a:srgbClr val="00B0F0"/>
-                </a:solidFill>
-                <a:latin typeface="Consolas" panose="020B0609020204030204" pitchFamily="49" charset="0"/>
+            <a:pPr algn="just"/>
+            <a:r>
+              <a:rPr lang="en-IN" dirty="0">
+                <a:solidFill>
+                  <a:srgbClr val="FF0000"/>
+                </a:solidFill>
+                <a:cs typeface="Times New Roman" panose="02020603050405020304" pitchFamily="18" charset="0"/>
               </a:rPr>
-              <a:t> redis-cli -h host -p port</a:t>
-            </a:r>
-          </a:p>
-        </p:txBody>
-      </p:sp>
-      <p:sp>
-        <p:nvSpPr>
-          <p:cNvPr id="7" name="Rectangle 6"/>
-          <p:cNvSpPr/>
+              <a:t>TODO</a:t>
+            </a:r>
+          </a:p>
+        </p:txBody>
+      </p:sp>
+      <p:sp>
+        <p:nvSpPr>
+          <p:cNvPr id="11" name="Rectangle 1">
+            <a:extLst>
+              <a:ext uri="{FF2B5EF4-FFF2-40B4-BE49-F238E27FC236}">
+                <a16:creationId xmlns:a16="http://schemas.microsoft.com/office/drawing/2014/main" id="{0AF3E385-B13B-4401-BD90-FACD8463E37B}"/>
+              </a:ext>
+            </a:extLst>
+          </p:cNvPr>
+          <p:cNvSpPr>
+            <a:spLocks noChangeArrowheads="1"/>
+          </p:cNvSpPr>
           <p:nvPr/>
         </p:nvSpPr>
-        <p:spPr>
-          <a:xfrm>
-            <a:off x="76200" y="762000"/>
-            <a:ext cx="8991600" cy="707886"/>
+        <p:spPr bwMode="auto">
+          <a:xfrm>
+            <a:off x="1601337" y="2221468"/>
+            <a:ext cx="8990463" cy="369332"/>
           </a:xfrm>
           <a:prstGeom prst="rect">
             <a:avLst/>
@@ -6494,44 +6280,321 @@
           </a:bodyPr>
           <a:lstStyle/>
           <a:p>
-            <a:pPr algn="just"/>
-            <a:r>
-              <a:rPr lang="en-US" sz="2000" dirty="0"/>
-              <a:t>To run commands on Redis remote server, you need to connect to the server by the same client </a:t>
-            </a:r>
-            <a:r>
-              <a:rPr lang="en-US" sz="2000" b="1" dirty="0"/>
-              <a:t>redis-cli</a:t>
-            </a:r>
-            <a:endParaRPr lang="en-IN" sz="2200" dirty="0">
-              <a:latin typeface="Segoe UI Light" panose="020B0502040204020203" pitchFamily="34" charset="0"/>
-              <a:cs typeface="Segoe UI Light" panose="020B0502040204020203" pitchFamily="34" charset="0"/>
-            </a:endParaRPr>
+            <a:r>
+              <a:rPr lang="en-US" sz="1800" dirty="0">
+                <a:solidFill>
+                  <a:srgbClr val="00B0F0"/>
+                </a:solidFill>
+                <a:latin typeface="Consolas" panose="020B0609020204030204" pitchFamily="49" charset="0"/>
+              </a:rPr>
+              <a:t>TTL KEY</a:t>
+            </a:r>
           </a:p>
         </p:txBody>
       </p:sp>
     </p:spTree>
     <p:extLst>
       <p:ext uri="{BB962C8B-B14F-4D97-AF65-F5344CB8AC3E}">
-        <p14:creationId xmlns:p14="http://schemas.microsoft.com/office/powerpoint/2010/main" val="4051119068"/>
+        <p14:creationId xmlns:p14="http://schemas.microsoft.com/office/powerpoint/2010/main" val="2112828566"/>
       </p:ext>
     </p:extLst>
   </p:cSld>
   <p:clrMapOvr>
     <a:masterClrMapping/>
   </p:clrMapOvr>
-  <p:timing>
-    <p:tnLst>
-      <p:par>
-        <p:cTn id="1" dur="indefinite" restart="never" nodeType="tmRoot"/>
-      </p:par>
-    </p:tnLst>
-  </p:timing>
 </p:sld>
 </file>
 
-<file path=ppt/slides/slide5.xml><?xml version="1.0" encoding="utf-8"?>
-<p:sld xmlns:a="http://schemas.openxmlformats.org/drawingml/2006/main" xmlns:r="http://schemas.openxmlformats.org/officeDocument/2006/relationships" xmlns:p="http://schemas.openxmlformats.org/presentationml/2006/main">
+<file path=ppt/slides/slide11.xml><?xml version="1.0" encoding="utf-8"?>
+<p:sld xmlns:a="http://schemas.openxmlformats.org/drawingml/2006/main" xmlns:r="http://schemas.openxmlformats.org/officeDocument/2006/relationships" xmlns:p="http://schemas.openxmlformats.org/presentationml/2006/main" showMasterSp="0">
+  <p:cSld>
+    <p:spTree>
+      <p:nvGrpSpPr>
+        <p:cNvPr id="1" name=""/>
+        <p:cNvGrpSpPr/>
+        <p:nvPr/>
+      </p:nvGrpSpPr>
+      <p:grpSpPr>
+        <a:xfrm>
+          <a:off x="0" y="0"/>
+          <a:ext cx="0" cy="0"/>
+          <a:chOff x="0" y="0"/>
+          <a:chExt cx="0" cy="0"/>
+        </a:xfrm>
+      </p:grpSpPr>
+      <p:pic>
+        <p:nvPicPr>
+          <p:cNvPr id="1026" name="Picture 2" descr="http://www.bvctch.vn/vnt_upload/weblink/thks.jpg"/>
+          <p:cNvPicPr>
+            <a:picLocks noChangeAspect="1" noChangeArrowheads="1"/>
+          </p:cNvPicPr>
+          <p:nvPr/>
+        </p:nvPicPr>
+        <p:blipFill>
+          <a:blip r:embed="rId2">
+            <a:extLst>
+              <a:ext uri="{28A0092B-C50C-407E-A947-70E740481C1C}">
+                <a14:useLocalDpi xmlns:a14="http://schemas.microsoft.com/office/drawing/2010/main" val="0"/>
+              </a:ext>
+            </a:extLst>
+          </a:blip>
+          <a:srcRect/>
+          <a:stretch>
+            <a:fillRect/>
+          </a:stretch>
+        </p:blipFill>
+        <p:spPr bwMode="auto">
+          <a:xfrm>
+            <a:off x="4295800" y="2030261"/>
+            <a:ext cx="3141862" cy="4827739"/>
+          </a:xfrm>
+          <a:prstGeom prst="rect">
+            <a:avLst/>
+          </a:prstGeom>
+          <a:noFill/>
+          <a:extLst>
+            <a:ext uri="{909E8E84-426E-40DD-AFC4-6F175D3DCCD1}">
+              <a14:hiddenFill xmlns:a14="http://schemas.microsoft.com/office/drawing/2010/main">
+                <a:solidFill>
+                  <a:srgbClr val="FFFFFF"/>
+                </a:solidFill>
+              </a14:hiddenFill>
+            </a:ext>
+          </a:extLst>
+        </p:spPr>
+      </p:pic>
+      <p:sp>
+        <p:nvSpPr>
+          <p:cNvPr id="3" name="Rectangle 2"/>
+          <p:cNvSpPr/>
+          <p:nvPr/>
+        </p:nvSpPr>
+        <p:spPr>
+          <a:xfrm>
+            <a:off x="1365920" y="188640"/>
+            <a:ext cx="9683080" cy="2215991"/>
+          </a:xfrm>
+          <a:prstGeom prst="rect">
+            <a:avLst/>
+          </a:prstGeom>
+        </p:spPr>
+        <p:txBody>
+          <a:bodyPr wrap="square">
+            <a:spAutoFit/>
+          </a:bodyPr>
+          <a:lstStyle/>
+          <a:p>
+            <a:pPr algn="ctr"/>
+            <a:r>
+              <a:rPr lang="en-IN" sz="4000" dirty="0">
+                <a:solidFill>
+                  <a:srgbClr val="FF5733"/>
+                </a:solidFill>
+                <a:latin typeface="Segoe Print" panose="02000600000000000000" pitchFamily="2" charset="0"/>
+              </a:rPr>
+              <a:t>“</a:t>
+            </a:r>
+            <a:r>
+              <a:rPr lang="en-US" sz="4000" dirty="0">
+                <a:solidFill>
+                  <a:srgbClr val="FF5733"/>
+                </a:solidFill>
+                <a:latin typeface="Segoe Print" panose="02000600000000000000" pitchFamily="2" charset="0"/>
+              </a:rPr>
+              <a:t>Accept your past without regret, handle our present with confidence and face your future without fear.</a:t>
+            </a:r>
+            <a:r>
+              <a:rPr lang="en-IN" sz="4000" dirty="0">
+                <a:solidFill>
+                  <a:srgbClr val="FF5733"/>
+                </a:solidFill>
+                <a:latin typeface="Segoe Print" panose="02000600000000000000" pitchFamily="2" charset="0"/>
+              </a:rPr>
+              <a:t>”</a:t>
+            </a:r>
+            <a:endParaRPr lang="en-US" sz="4000" dirty="0">
+              <a:solidFill>
+                <a:srgbClr val="FF5733"/>
+              </a:solidFill>
+              <a:latin typeface="Segoe Print" panose="02000600000000000000" pitchFamily="2" charset="0"/>
+            </a:endParaRPr>
+          </a:p>
+          <a:p>
+            <a:pPr algn="r"/>
+            <a:r>
+              <a:rPr lang="en-IN" sz="1800" dirty="0">
+                <a:solidFill>
+                  <a:srgbClr val="111111"/>
+                </a:solidFill>
+                <a:latin typeface="-apple-system"/>
+              </a:rPr>
+              <a:t>~ Dr. APJ. Abdul Kalam</a:t>
+            </a:r>
+          </a:p>
+        </p:txBody>
+      </p:sp>
+    </p:spTree>
+    <p:extLst>
+      <p:ext uri="{BB962C8B-B14F-4D97-AF65-F5344CB8AC3E}">
+        <p14:creationId xmlns:p14="http://schemas.microsoft.com/office/powerpoint/2010/main" val="1148130326"/>
+      </p:ext>
+    </p:extLst>
+  </p:cSld>
+  <p:clrMapOvr>
+    <a:masterClrMapping/>
+  </p:clrMapOvr>
+</p:sld>
+</file>
+
+<file path=ppt/slides/slide2.xml><?xml version="1.0" encoding="utf-8"?>
+<p:sld xmlns:a="http://schemas.openxmlformats.org/drawingml/2006/main" xmlns:r="http://schemas.openxmlformats.org/officeDocument/2006/relationships" xmlns:p="http://schemas.openxmlformats.org/presentationml/2006/main" showMasterSp="0">
+  <p:cSld>
+    <p:spTree>
+      <p:nvGrpSpPr>
+        <p:cNvPr id="1" name=""/>
+        <p:cNvGrpSpPr/>
+        <p:nvPr/>
+      </p:nvGrpSpPr>
+      <p:grpSpPr>
+        <a:xfrm>
+          <a:off x="0" y="0"/>
+          <a:ext cx="0" cy="0"/>
+          <a:chOff x="0" y="0"/>
+          <a:chExt cx="0" cy="0"/>
+        </a:xfrm>
+      </p:grpSpPr>
+      <p:sp>
+        <p:nvSpPr>
+          <p:cNvPr id="2" name="Title 1"/>
+          <p:cNvSpPr txBox="1">
+            <a:spLocks/>
+          </p:cNvSpPr>
+          <p:nvPr/>
+        </p:nvSpPr>
+        <p:spPr>
+          <a:xfrm>
+            <a:off x="1676400" y="2362201"/>
+            <a:ext cx="8839200" cy="1200329"/>
+          </a:xfrm>
+          <a:prstGeom prst="rect">
+            <a:avLst/>
+          </a:prstGeom>
+          <a:noFill/>
+        </p:spPr>
+        <p:txBody>
+          <a:bodyPr wrap="square">
+            <a:spAutoFit/>
+          </a:bodyPr>
+          <a:lstStyle>
+            <a:defPPr>
+              <a:defRPr lang="en-US"/>
+            </a:defPPr>
+            <a:lvl1pPr algn="ctr">
+              <a:defRPr sz="6000" i="1">
+                <a:solidFill>
+                  <a:srgbClr val="C10374"/>
+                </a:solidFill>
+                <a:latin typeface="Century" panose="02040604050505020304" pitchFamily="18" charset="0"/>
+              </a:defRPr>
+            </a:lvl1pPr>
+          </a:lstStyle>
+          <a:p>
+            <a:r>
+              <a:rPr lang="en-IN" sz="7200" dirty="0">
+                <a:solidFill>
+                  <a:schemeClr val="accent4">
+                    <a:lumMod val="75000"/>
+                  </a:schemeClr>
+                </a:solidFill>
+              </a:rPr>
+              <a:t>redis</a:t>
+            </a:r>
+          </a:p>
+        </p:txBody>
+      </p:sp>
+      <p:sp>
+        <p:nvSpPr>
+          <p:cNvPr id="3" name="Rectangle 2"/>
+          <p:cNvSpPr/>
+          <p:nvPr/>
+        </p:nvSpPr>
+        <p:spPr>
+          <a:xfrm>
+            <a:off x="1676400" y="3531600"/>
+            <a:ext cx="8839201" cy="769441"/>
+          </a:xfrm>
+          <a:prstGeom prst="rect">
+            <a:avLst/>
+          </a:prstGeom>
+          <a:solidFill>
+            <a:schemeClr val="bg1"/>
+          </a:solidFill>
+        </p:spPr>
+        <p:txBody>
+          <a:bodyPr wrap="square">
+            <a:spAutoFit/>
+          </a:bodyPr>
+          <a:lstStyle/>
+          <a:p>
+            <a:r>
+              <a:rPr lang="en-IN" sz="2200" dirty="0">
+                <a:solidFill>
+                  <a:srgbClr val="BB0643"/>
+                </a:solidFill>
+                <a:latin typeface="Segoe UI" panose="020B0502040204020203" pitchFamily="34" charset="0"/>
+                <a:cs typeface="Segoe UI" panose="020B0502040204020203" pitchFamily="34" charset="0"/>
+              </a:rPr>
+              <a:t>Redis is an open-source in-memory database project implementing a distributed, in-memory key-value store with optional durability.</a:t>
+            </a:r>
+          </a:p>
+        </p:txBody>
+      </p:sp>
+      <p:sp>
+        <p:nvSpPr>
+          <p:cNvPr id="4" name="Rectangle 3"/>
+          <p:cNvSpPr/>
+          <p:nvPr/>
+        </p:nvSpPr>
+        <p:spPr>
+          <a:xfrm>
+            <a:off x="1666741" y="609600"/>
+            <a:ext cx="8839200" cy="400110"/>
+          </a:xfrm>
+          <a:prstGeom prst="rect">
+            <a:avLst/>
+          </a:prstGeom>
+        </p:spPr>
+        <p:txBody>
+          <a:bodyPr wrap="square">
+            <a:spAutoFit/>
+          </a:bodyPr>
+          <a:lstStyle/>
+          <a:p>
+            <a:pPr algn="just"/>
+            <a:r>
+              <a:rPr lang="en-IN" sz="2000" dirty="0">
+                <a:solidFill>
+                  <a:schemeClr val="accent2">
+                    <a:lumMod val="50000"/>
+                  </a:schemeClr>
+                </a:solidFill>
+                <a:cs typeface="Times New Roman" panose="02020603050405020304" pitchFamily="18" charset="0"/>
+              </a:rPr>
+              <a:t>TODO</a:t>
+            </a:r>
+          </a:p>
+        </p:txBody>
+      </p:sp>
+    </p:spTree>
+  </p:cSld>
+  <p:clrMapOvr>
+    <a:masterClrMapping/>
+  </p:clrMapOvr>
+</p:sld>
+</file>
+
+<file path=ppt/slides/slide3.xml><?xml version="1.0" encoding="utf-8"?>
+<p:sld xmlns:a="http://schemas.openxmlformats.org/drawingml/2006/main" xmlns:r="http://schemas.openxmlformats.org/officeDocument/2006/relationships" xmlns:p="http://schemas.openxmlformats.org/presentationml/2006/main" showMasterSp="0">
   <p:cSld>
     <p:spTree>
       <p:nvGrpSpPr>
@@ -6555,7 +6618,7 @@
         </p:nvCxnSpPr>
         <p:spPr>
           <a:xfrm>
-            <a:off x="0" y="1981200"/>
+            <a:off x="1524000" y="1752600"/>
             <a:ext cx="9144000" cy="1588"/>
           </a:xfrm>
           <a:prstGeom prst="line">
@@ -6588,7 +6651,7 @@
         </p:nvSpPr>
         <p:spPr>
           <a:xfrm>
-            <a:off x="0" y="0"/>
+            <a:off x="1524000" y="0"/>
             <a:ext cx="9144000" cy="707886"/>
           </a:xfrm>
           <a:prstGeom prst="rect">
@@ -6608,7 +6671,7 @@
           <a:p>
             <a:pPr algn="ctr"/>
             <a:r>
-              <a:rPr lang="en-IN" sz="4000" dirty="0" smtClean="0">
+              <a:rPr lang="en-IN" sz="4000" dirty="0">
                 <a:solidFill>
                   <a:schemeClr val="accent4">
                     <a:lumMod val="75000"/>
@@ -6616,16 +6679,178 @@
                 </a:solidFill>
                 <a:latin typeface="Open Sans"/>
               </a:rPr>
-              <a:t>set keys</a:t>
-            </a:r>
-            <a:endParaRPr lang="en-IN" sz="4000" dirty="0">
+              <a:t>Getting</a:t>
+            </a:r>
+            <a:r>
+              <a:rPr lang="en-IN" sz="4000" dirty="0">
+                <a:solidFill>
+                  <a:schemeClr val="accent4">
+                    <a:lumMod val="75000"/>
+                  </a:schemeClr>
+                </a:solidFill>
+              </a:rPr>
+              <a:t> </a:t>
+            </a:r>
+            <a:r>
+              <a:rPr lang="en-IN" sz="4000" dirty="0">
+                <a:solidFill>
+                  <a:schemeClr val="accent4">
+                    <a:lumMod val="75000"/>
+                  </a:schemeClr>
+                </a:solidFill>
+                <a:latin typeface="Open Sans"/>
+              </a:rPr>
+              <a:t>Started</a:t>
+            </a:r>
+          </a:p>
+        </p:txBody>
+      </p:sp>
+      <p:sp>
+        <p:nvSpPr>
+          <p:cNvPr id="2" name="Rectangle 1"/>
+          <p:cNvSpPr/>
+          <p:nvPr/>
+        </p:nvSpPr>
+        <p:spPr>
+          <a:xfrm>
+            <a:off x="1676400" y="2743201"/>
+            <a:ext cx="8839200" cy="954107"/>
+          </a:xfrm>
+          <a:prstGeom prst="rect">
+            <a:avLst/>
+          </a:prstGeom>
+          <a:solidFill>
+            <a:srgbClr val="FEFEFE"/>
+          </a:solidFill>
+        </p:spPr>
+        <p:txBody>
+          <a:bodyPr wrap="square">
+            <a:spAutoFit/>
+          </a:bodyPr>
+          <a:lstStyle/>
+          <a:p>
+            <a:pPr marL="342900" indent="-342900">
+              <a:buFont typeface="Wingdings" panose="05000000000000000000" pitchFamily="2" charset="2"/>
+              <a:buChar char="§"/>
+            </a:pPr>
+            <a:r>
+              <a:rPr lang="en-IN" sz="1800" dirty="0">
+                <a:latin typeface="Consolas" panose="020B0609020204030204" pitchFamily="49" charset="0"/>
+                <a:ea typeface="Tahoma" panose="020B0604030504040204" pitchFamily="34" charset="0"/>
+                <a:cs typeface="Tahoma" panose="020B0604030504040204" pitchFamily="34" charset="0"/>
+              </a:rPr>
+              <a:t>c:\&gt;</a:t>
+            </a:r>
+            <a:r>
+              <a:rPr lang="en-IN" sz="1800" dirty="0">
+                <a:solidFill>
+                  <a:schemeClr val="bg2">
+                    <a:lumMod val="50000"/>
+                  </a:schemeClr>
+                </a:solidFill>
+                <a:latin typeface="Consolas" panose="020B0609020204030204" pitchFamily="49" charset="0"/>
+                <a:ea typeface="Tahoma" panose="020B0604030504040204" pitchFamily="34" charset="0"/>
+                <a:cs typeface="Tahoma" panose="020B0604030504040204" pitchFamily="34" charset="0"/>
+              </a:rPr>
+              <a:t> redis-server --protected-mode no   </a:t>
+            </a:r>
+            <a:r>
+              <a:rPr lang="en-IN" sz="1400" dirty="0">
+                <a:solidFill>
+                  <a:srgbClr val="92D050"/>
+                </a:solidFill>
+                <a:latin typeface="Consolas" panose="020B0609020204030204" pitchFamily="49" charset="0"/>
+                <a:ea typeface="Tahoma" panose="020B0604030504040204" pitchFamily="34" charset="0"/>
+                <a:cs typeface="Tahoma" panose="020B0604030504040204" pitchFamily="34" charset="0"/>
+              </a:rPr>
+              <a:t>//start server</a:t>
+            </a:r>
+            <a:endParaRPr lang="en-IN" sz="1800" dirty="0">
               <a:solidFill>
-                <a:schemeClr val="accent4">
-                  <a:lumMod val="75000"/>
+                <a:srgbClr val="92D050"/>
+              </a:solidFill>
+              <a:latin typeface="Consolas" panose="020B0609020204030204" pitchFamily="49" charset="0"/>
+              <a:ea typeface="Tahoma" panose="020B0604030504040204" pitchFamily="34" charset="0"/>
+              <a:cs typeface="Tahoma" panose="020B0604030504040204" pitchFamily="34" charset="0"/>
+            </a:endParaRPr>
+          </a:p>
+          <a:p>
+            <a:pPr marL="342900" indent="-342900">
+              <a:buFont typeface="Wingdings" panose="05000000000000000000" pitchFamily="2" charset="2"/>
+              <a:buChar char="§"/>
+            </a:pPr>
+            <a:endParaRPr lang="en-IN" sz="600" dirty="0">
+              <a:solidFill>
+                <a:schemeClr val="bg2">
+                  <a:lumMod val="50000"/>
                 </a:schemeClr>
               </a:solidFill>
-              <a:latin typeface="Open Sans"/>
+              <a:latin typeface="Consolas" panose="020B0609020204030204" pitchFamily="49" charset="0"/>
+              <a:ea typeface="Tahoma" panose="020B0604030504040204" pitchFamily="34" charset="0"/>
+              <a:cs typeface="Tahoma" panose="020B0604030504040204" pitchFamily="34" charset="0"/>
             </a:endParaRPr>
+          </a:p>
+          <a:p>
+            <a:pPr marL="342900" indent="-342900">
+              <a:buFont typeface="Wingdings" panose="05000000000000000000" pitchFamily="2" charset="2"/>
+              <a:buChar char="§"/>
+            </a:pPr>
+            <a:r>
+              <a:rPr lang="en-IN" sz="1800" dirty="0">
+                <a:latin typeface="Consolas" panose="020B0609020204030204" pitchFamily="49" charset="0"/>
+                <a:ea typeface="Tahoma" panose="020B0604030504040204" pitchFamily="34" charset="0"/>
+                <a:cs typeface="Tahoma" panose="020B0604030504040204" pitchFamily="34" charset="0"/>
+              </a:rPr>
+              <a:t>c:\&gt;</a:t>
+            </a:r>
+            <a:r>
+              <a:rPr lang="en-IN" sz="1800" dirty="0">
+                <a:solidFill>
+                  <a:schemeClr val="bg2">
+                    <a:lumMod val="50000"/>
+                  </a:schemeClr>
+                </a:solidFill>
+                <a:latin typeface="Consolas" panose="020B0609020204030204" pitchFamily="49" charset="0"/>
+                <a:ea typeface="Tahoma" panose="020B0604030504040204" pitchFamily="34" charset="0"/>
+                <a:cs typeface="Tahoma" panose="020B0604030504040204" pitchFamily="34" charset="0"/>
+              </a:rPr>
+              <a:t> redis-cli –h 127.0.0.1 –p6379 –n 1 </a:t>
+            </a:r>
+            <a:r>
+              <a:rPr lang="en-IN" sz="1400" dirty="0">
+                <a:solidFill>
+                  <a:srgbClr val="92D050"/>
+                </a:solidFill>
+                <a:latin typeface="Consolas" panose="020B0609020204030204" pitchFamily="49" charset="0"/>
+                <a:ea typeface="Tahoma" panose="020B0604030504040204" pitchFamily="34" charset="0"/>
+                <a:cs typeface="Tahoma" panose="020B0604030504040204" pitchFamily="34" charset="0"/>
+              </a:rPr>
+              <a:t>//</a:t>
+            </a:r>
+            <a:r>
+              <a:rPr lang="en-IN" sz="1400" dirty="0">
+                <a:solidFill>
+                  <a:schemeClr val="bg2">
+                    <a:lumMod val="50000"/>
+                  </a:schemeClr>
+                </a:solidFill>
+                <a:latin typeface="Consolas" panose="020B0609020204030204" pitchFamily="49" charset="0"/>
+                <a:ea typeface="Tahoma" panose="020B0604030504040204" pitchFamily="34" charset="0"/>
+                <a:cs typeface="Tahoma" panose="020B0604030504040204" pitchFamily="34" charset="0"/>
+              </a:rPr>
+              <a:t> </a:t>
+            </a:r>
+            <a:r>
+              <a:rPr lang="en-IN" sz="1400" dirty="0">
+                <a:solidFill>
+                  <a:srgbClr val="92D050"/>
+                </a:solidFill>
+                <a:latin typeface="Consolas" panose="020B0609020204030204" pitchFamily="49" charset="0"/>
+                <a:ea typeface="Tahoma" panose="020B0604030504040204" pitchFamily="34" charset="0"/>
+                <a:cs typeface="Tahoma" panose="020B0604030504040204" pitchFamily="34" charset="0"/>
+              </a:rPr>
+              <a:t>redis-cli is the Redis command line interface</a:t>
+            </a:r>
           </a:p>
         </p:txBody>
       </p:sp>
@@ -6637,14 +6862,47 @@
         </p:nvSpPr>
         <p:spPr>
           <a:xfrm>
-            <a:off x="76200" y="762000"/>
-            <a:ext cx="8991600" cy="1015663"/>
+            <a:off x="1676400" y="2016105"/>
+            <a:ext cx="6250429" cy="400110"/>
           </a:xfrm>
           <a:prstGeom prst="rect">
             <a:avLst/>
           </a:prstGeom>
         </p:spPr>
         <p:txBody>
+          <a:bodyPr wrap="none">
+            <a:spAutoFit/>
+          </a:bodyPr>
+          <a:lstStyle/>
+          <a:p>
+            <a:r>
+              <a:rPr lang="en-US" sz="2000" dirty="0">
+                <a:solidFill>
+                  <a:srgbClr val="00B0F0"/>
+                </a:solidFill>
+                <a:latin typeface="Consolas" panose="020B0609020204030204" pitchFamily="49" charset="0"/>
+              </a:rPr>
+              <a:t> redis-cli -h host -p port –n dbIndexNumber</a:t>
+            </a:r>
+          </a:p>
+        </p:txBody>
+      </p:sp>
+      <p:sp>
+        <p:nvSpPr>
+          <p:cNvPr id="7" name="Rectangle 6"/>
+          <p:cNvSpPr/>
+          <p:nvPr/>
+        </p:nvSpPr>
+        <p:spPr>
+          <a:xfrm>
+            <a:off x="1600200" y="762000"/>
+            <a:ext cx="8991600" cy="707886"/>
+          </a:xfrm>
+          <a:prstGeom prst="rect">
+            <a:avLst/>
+          </a:prstGeom>
+        </p:spPr>
+        <p:txBody>
           <a:bodyPr wrap="square">
             <a:spAutoFit/>
           </a:bodyPr>
@@ -6652,104 +6910,222 @@
           <a:p>
             <a:pPr algn="just"/>
             <a:r>
-              <a:rPr lang="en-IN" sz="2000" dirty="0"/>
-              <a:t>Set key to hold the string value. If key already holds a value, it is overwritten, regardless of its type. Any previous time to live associated with the key is discarded on successful SET operation.</a:t>
-            </a:r>
-          </a:p>
-        </p:txBody>
-      </p:sp>
-      <p:sp>
-        <p:nvSpPr>
-          <p:cNvPr id="4" name="Rectangle 3"/>
-          <p:cNvSpPr/>
+              <a:rPr lang="en-US" sz="2000" dirty="0"/>
+              <a:t>To run commands on Redis remote server, you need to connect to the server by the same client </a:t>
+            </a:r>
+            <a:r>
+              <a:rPr lang="en-US" sz="2000" b="1" dirty="0"/>
+              <a:t>redis-cli</a:t>
+            </a:r>
+            <a:endParaRPr lang="en-IN" sz="2200" dirty="0">
+              <a:latin typeface="Segoe UI Light" panose="020B0502040204020203" pitchFamily="34" charset="0"/>
+              <a:cs typeface="Segoe UI Light" panose="020B0502040204020203" pitchFamily="34" charset="0"/>
+            </a:endParaRPr>
+          </a:p>
+        </p:txBody>
+      </p:sp>
+      <p:sp>
+        <p:nvSpPr>
+          <p:cNvPr id="10" name="TextBox 9">
+            <a:extLst>
+              <a:ext uri="{FF2B5EF4-FFF2-40B4-BE49-F238E27FC236}">
+                <a16:creationId xmlns:a16="http://schemas.microsoft.com/office/drawing/2014/main" id="{8849E5D7-4A54-4FAC-9B5B-3B9560EF09AA}"/>
+              </a:ext>
+            </a:extLst>
+          </p:cNvPr>
+          <p:cNvSpPr txBox="1"/>
           <p:nvPr/>
         </p:nvSpPr>
         <p:spPr>
           <a:xfrm>
-            <a:off x="76200" y="2590800"/>
-            <a:ext cx="8915400" cy="1200329"/>
+            <a:off x="1524000" y="4419600"/>
+            <a:ext cx="9144000" cy="800219"/>
           </a:xfrm>
           <a:prstGeom prst="rect">
             <a:avLst/>
           </a:prstGeom>
+          <a:noFill/>
         </p:spPr>
         <p:txBody>
           <a:bodyPr wrap="square">
             <a:spAutoFit/>
           </a:bodyPr>
           <a:lstStyle/>
+          <a:p>
+            <a:r>
+              <a:rPr lang="en-IN" sz="2000" b="1" dirty="0">
+                <a:solidFill>
+                  <a:srgbClr val="C00000"/>
+                </a:solidFill>
+                <a:latin typeface="Open Sans" panose="020B0606030504020204" pitchFamily="34" charset="0"/>
+                <a:ea typeface="Open Sans" panose="020B0606030504020204" pitchFamily="34" charset="0"/>
+                <a:cs typeface="Open Sans" panose="020B0606030504020204" pitchFamily="34" charset="0"/>
+              </a:rPr>
+              <a:t>Note:</a:t>
+            </a:r>
+          </a:p>
+          <a:p>
+            <a:endParaRPr lang="en-IN" sz="800" b="1" dirty="0">
+              <a:latin typeface="Open Sans" panose="020B0606030504020204" pitchFamily="34" charset="0"/>
+              <a:ea typeface="Open Sans" panose="020B0606030504020204" pitchFamily="34" charset="0"/>
+              <a:cs typeface="Open Sans" panose="020B0606030504020204" pitchFamily="34" charset="0"/>
+            </a:endParaRPr>
+          </a:p>
           <a:p>
             <a:pPr marL="285750" indent="-285750">
               <a:buFont typeface="Arial" panose="020B0604020202020204" pitchFamily="34" charset="0"/>
               <a:buChar char="•"/>
             </a:pPr>
             <a:r>
+              <a:rPr lang="en-IN" sz="1800" b="1" dirty="0">
+                <a:latin typeface="Open Sans" panose="020B0606030504020204" pitchFamily="34" charset="0"/>
+                <a:ea typeface="Open Sans" panose="020B0606030504020204" pitchFamily="34" charset="0"/>
+                <a:cs typeface="Open Sans" panose="020B0606030504020204" pitchFamily="34" charset="0"/>
+              </a:rPr>
+              <a:t>By default </a:t>
+            </a:r>
+            <a:r>
               <a:rPr lang="en-IN" sz="1800" dirty="0">
-                <a:solidFill>
-                  <a:srgbClr val="48A1C0"/>
-                </a:solidFill>
-                <a:latin typeface="Open Sans"/>
+                <a:latin typeface="Open Sans" panose="020B0606030504020204" pitchFamily="34" charset="0"/>
+                <a:ea typeface="Open Sans" panose="020B0606030504020204" pitchFamily="34" charset="0"/>
+                <a:cs typeface="Open Sans" panose="020B0606030504020204" pitchFamily="34" charset="0"/>
               </a:rPr>
-              <a:t>EX seconds -- Set the specified expire time, in seconds.   </a:t>
-            </a:r>
-          </a:p>
-          <a:p>
-            <a:pPr marL="285750" indent="-285750">
-              <a:buFont typeface="Arial" panose="020B0604020202020204" pitchFamily="34" charset="0"/>
-              <a:buChar char="•"/>
-            </a:pPr>
-            <a:r>
-              <a:rPr lang="en-IN" sz="1800" dirty="0">
-                <a:solidFill>
-                  <a:srgbClr val="48A1C0"/>
-                </a:solidFill>
-                <a:latin typeface="Open Sans"/>
+              <a:t>redis-cli connects to the server at 127.0.0.1 port 6379</a:t>
+            </a:r>
+          </a:p>
+        </p:txBody>
+      </p:sp>
+    </p:spTree>
+    <p:extLst>
+      <p:ext uri="{BB962C8B-B14F-4D97-AF65-F5344CB8AC3E}">
+        <p14:creationId xmlns:p14="http://schemas.microsoft.com/office/powerpoint/2010/main" val="4051119068"/>
+      </p:ext>
+    </p:extLst>
+  </p:cSld>
+  <p:clrMapOvr>
+    <a:masterClrMapping/>
+  </p:clrMapOvr>
+</p:sld>
+</file>
+
+<file path=ppt/slides/slide4.xml><?xml version="1.0" encoding="utf-8"?>
+<p:sld xmlns:a="http://schemas.openxmlformats.org/drawingml/2006/main" xmlns:r="http://schemas.openxmlformats.org/officeDocument/2006/relationships" xmlns:p="http://schemas.openxmlformats.org/presentationml/2006/main" showMasterSp="0">
+  <p:cSld>
+    <p:spTree>
+      <p:nvGrpSpPr>
+        <p:cNvPr id="1" name=""/>
+        <p:cNvGrpSpPr/>
+        <p:nvPr/>
+      </p:nvGrpSpPr>
+      <p:grpSpPr>
+        <a:xfrm>
+          <a:off x="0" y="0"/>
+          <a:ext cx="0" cy="0"/>
+          <a:chOff x="0" y="0"/>
+          <a:chExt cx="0" cy="0"/>
+        </a:xfrm>
+      </p:grpSpPr>
+      <p:sp>
+        <p:nvSpPr>
+          <p:cNvPr id="2" name="Title 1"/>
+          <p:cNvSpPr txBox="1">
+            <a:spLocks/>
+          </p:cNvSpPr>
+          <p:nvPr/>
+        </p:nvSpPr>
+        <p:spPr>
+          <a:xfrm>
+            <a:off x="1676400" y="2362201"/>
+            <a:ext cx="8839200" cy="1200329"/>
+          </a:xfrm>
+          <a:prstGeom prst="rect">
+            <a:avLst/>
+          </a:prstGeom>
+          <a:noFill/>
+        </p:spPr>
+        <p:txBody>
+          <a:bodyPr wrap="square">
+            <a:spAutoFit/>
+          </a:bodyPr>
+          <a:lstStyle>
+            <a:defPPr>
+              <a:defRPr lang="en-US"/>
+            </a:defPPr>
+            <a:lvl1pPr algn="ctr">
+              <a:defRPr sz="6000" i="1">
+                <a:solidFill>
+                  <a:srgbClr val="C10374"/>
+                </a:solidFill>
+                <a:latin typeface="Century" panose="02040604050505020304" pitchFamily="18" charset="0"/>
+              </a:defRPr>
+            </a:lvl1pPr>
+          </a:lstStyle>
+          <a:p>
+            <a:r>
+              <a:rPr lang="en-IN" sz="7200" dirty="0">
+                <a:solidFill>
+                  <a:schemeClr val="accent4">
+                    <a:lumMod val="75000"/>
+                  </a:schemeClr>
+                </a:solidFill>
               </a:rPr>
-              <a:t>PX milliseconds -- Set the specified expire time, in milliseconds.    </a:t>
-            </a:r>
-          </a:p>
-          <a:p>
-            <a:pPr marL="285750" indent="-285750">
-              <a:buFont typeface="Arial" panose="020B0604020202020204" pitchFamily="34" charset="0"/>
-              <a:buChar char="•"/>
-            </a:pPr>
-            <a:r>
-              <a:rPr lang="en-IN" sz="1800" dirty="0">
-                <a:solidFill>
-                  <a:srgbClr val="48A1C0"/>
-                </a:solidFill>
-                <a:latin typeface="Open Sans"/>
-              </a:rPr>
-              <a:t>NX -- Only set the key if it does not already exist.    </a:t>
-            </a:r>
-          </a:p>
-          <a:p>
-            <a:pPr marL="285750" indent="-285750">
-              <a:buFont typeface="Arial" panose="020B0604020202020204" pitchFamily="34" charset="0"/>
-              <a:buChar char="•"/>
-            </a:pPr>
-            <a:r>
-              <a:rPr lang="en-IN" sz="1800" dirty="0">
-                <a:solidFill>
-                  <a:srgbClr val="48A1C0"/>
-                </a:solidFill>
-                <a:latin typeface="Open Sans"/>
-              </a:rPr>
-              <a:t>XX -- Only set the key if it already exist.</a:t>
-            </a:r>
-          </a:p>
-        </p:txBody>
-      </p:sp>
-      <p:sp>
-        <p:nvSpPr>
-          <p:cNvPr id="5" name="Rectangle 4"/>
+              <a:t>redis strings</a:t>
+            </a:r>
+          </a:p>
+        </p:txBody>
+      </p:sp>
+      <p:sp>
+        <p:nvSpPr>
+          <p:cNvPr id="4" name="Rectangle 3"/>
           <p:cNvSpPr/>
           <p:nvPr/>
         </p:nvSpPr>
         <p:spPr>
           <a:xfrm>
-            <a:off x="101600" y="3789403"/>
-            <a:ext cx="8890000" cy="1754326"/>
+            <a:off x="1666741" y="609600"/>
+            <a:ext cx="8839200" cy="400110"/>
+          </a:xfrm>
+          <a:prstGeom prst="rect">
+            <a:avLst/>
+          </a:prstGeom>
+        </p:spPr>
+        <p:txBody>
+          <a:bodyPr wrap="square">
+            <a:spAutoFit/>
+          </a:bodyPr>
+          <a:lstStyle/>
+          <a:p>
+            <a:pPr algn="just"/>
+            <a:r>
+              <a:rPr lang="en-IN" sz="2000" dirty="0">
+                <a:solidFill>
+                  <a:schemeClr val="accent2">
+                    <a:lumMod val="50000"/>
+                  </a:schemeClr>
+                </a:solidFill>
+                <a:cs typeface="Times New Roman" panose="02020603050405020304" pitchFamily="18" charset="0"/>
+              </a:rPr>
+              <a:t>TODO</a:t>
+            </a:r>
+          </a:p>
+        </p:txBody>
+      </p:sp>
+      <p:sp>
+        <p:nvSpPr>
+          <p:cNvPr id="5" name="Rectangle 4">
+            <a:extLst>
+              <a:ext uri="{FF2B5EF4-FFF2-40B4-BE49-F238E27FC236}">
+                <a16:creationId xmlns:a16="http://schemas.microsoft.com/office/drawing/2014/main" id="{ED0012BF-05D1-4688-BBF1-F5D780E61FE2}"/>
+              </a:ext>
+            </a:extLst>
+          </p:cNvPr>
+          <p:cNvSpPr/>
+          <p:nvPr/>
+        </p:nvSpPr>
+        <p:spPr>
+          <a:xfrm>
+            <a:off x="1676400" y="3531513"/>
+            <a:ext cx="8839201" cy="430887"/>
           </a:xfrm>
           <a:prstGeom prst="rect">
             <a:avLst/>
@@ -6757,9 +7133,6 @@
           <a:solidFill>
             <a:schemeClr val="bg1"/>
           </a:solidFill>
-          <a:ln>
-            <a:noFill/>
-          </a:ln>
         </p:spPr>
         <p:txBody>
           <a:bodyPr wrap="square">
@@ -6767,323 +7140,170 @@
           </a:bodyPr>
           <a:lstStyle/>
           <a:p>
-            <a:pPr>
-              <a:lnSpc>
-                <a:spcPct val="150000"/>
-              </a:lnSpc>
-            </a:pPr>
-            <a:r>
-              <a:rPr lang="en-IN" sz="1800" dirty="0">
-                <a:solidFill>
-                  <a:schemeClr val="bg1">
-                    <a:lumMod val="50000"/>
-                  </a:schemeClr>
-                </a:solidFill>
-                <a:latin typeface="Consolas" panose="020B0609020204030204" pitchFamily="49" charset="0"/>
-                <a:ea typeface="SimSun" panose="02010600030101010101" pitchFamily="2" charset="-122"/>
-                <a:cs typeface="Segoe UI Light" panose="020B0502040204020203" pitchFamily="34" charset="0"/>
+            <a:r>
+              <a:rPr lang="en-US" sz="2200" dirty="0">
+                <a:solidFill>
+                  <a:srgbClr val="BB0643"/>
+                </a:solidFill>
+                <a:latin typeface="Segoe UI" panose="020B0502040204020203" pitchFamily="34" charset="0"/>
+                <a:cs typeface="Segoe UI" panose="020B0502040204020203" pitchFamily="34" charset="0"/>
               </a:rPr>
-              <a:t>127.0.0.1:6379&gt;</a:t>
-            </a:r>
-            <a:r>
-              <a:rPr lang="en-IN" sz="1800" dirty="0">
-                <a:latin typeface="Consolas" panose="020B0609020204030204" pitchFamily="49" charset="0"/>
-                <a:ea typeface="SimSun" panose="02010600030101010101" pitchFamily="2" charset="-122"/>
-                <a:cs typeface="Segoe UI Light" panose="020B0502040204020203" pitchFamily="34" charset="0"/>
-              </a:rPr>
-              <a:t> </a:t>
-            </a:r>
-            <a:r>
-              <a:rPr lang="en-IN" sz="1800" dirty="0" smtClean="0">
-                <a:solidFill>
-                  <a:srgbClr val="FF5733"/>
-                </a:solidFill>
-                <a:latin typeface="Consolas" panose="020B0609020204030204" pitchFamily="49" charset="0"/>
-                <a:ea typeface="SimSun" panose="02010600030101010101" pitchFamily="2" charset="-122"/>
-                <a:cs typeface="Segoe UI Light" panose="020B0502040204020203" pitchFamily="34" charset="0"/>
-              </a:rPr>
-              <a:t>set id 1001 </a:t>
-            </a:r>
-            <a:r>
-              <a:rPr lang="en-IN" sz="1800" dirty="0">
-                <a:solidFill>
-                  <a:srgbClr val="FF5733"/>
-                </a:solidFill>
-                <a:latin typeface="Consolas" panose="020B0609020204030204" pitchFamily="49" charset="0"/>
-                <a:ea typeface="SimSun" panose="02010600030101010101" pitchFamily="2" charset="-122"/>
-                <a:cs typeface="Segoe UI Light" panose="020B0502040204020203" pitchFamily="34" charset="0"/>
-              </a:rPr>
-              <a:t>ex 10</a:t>
-            </a:r>
-          </a:p>
-          <a:p>
-            <a:pPr>
-              <a:lnSpc>
-                <a:spcPct val="150000"/>
-              </a:lnSpc>
-            </a:pPr>
-            <a:r>
-              <a:rPr lang="en-IN" sz="1800" dirty="0">
-                <a:solidFill>
-                  <a:schemeClr val="bg1">
-                    <a:lumMod val="50000"/>
-                  </a:schemeClr>
-                </a:solidFill>
-                <a:latin typeface="Consolas" panose="020B0609020204030204" pitchFamily="49" charset="0"/>
-                <a:ea typeface="SimSun" panose="02010600030101010101" pitchFamily="2" charset="-122"/>
-                <a:cs typeface="Segoe UI Light" panose="020B0502040204020203" pitchFamily="34" charset="0"/>
-              </a:rPr>
-              <a:t>127.0.0.1:6379&gt;</a:t>
-            </a:r>
-            <a:r>
-              <a:rPr lang="en-IN" sz="1800" dirty="0">
-                <a:latin typeface="Consolas" panose="020B0609020204030204" pitchFamily="49" charset="0"/>
-                <a:ea typeface="SimSun" panose="02010600030101010101" pitchFamily="2" charset="-122"/>
-                <a:cs typeface="Segoe UI Light" panose="020B0502040204020203" pitchFamily="34" charset="0"/>
-              </a:rPr>
-              <a:t> </a:t>
-            </a:r>
-            <a:r>
-              <a:rPr lang="en-IN" sz="1800" dirty="0" smtClean="0">
-                <a:solidFill>
-                  <a:srgbClr val="FF5733"/>
-                </a:solidFill>
-                <a:latin typeface="Consolas" panose="020B0609020204030204" pitchFamily="49" charset="0"/>
-                <a:ea typeface="SimSun" panose="02010600030101010101" pitchFamily="2" charset="-122"/>
-                <a:cs typeface="Segoe UI Light" panose="020B0502040204020203" pitchFamily="34" charset="0"/>
-              </a:rPr>
-              <a:t>set </a:t>
-            </a:r>
-            <a:r>
-              <a:rPr lang="en-IN" sz="1800" dirty="0">
-                <a:solidFill>
-                  <a:srgbClr val="FF5733"/>
-                </a:solidFill>
-                <a:latin typeface="Consolas" panose="020B0609020204030204" pitchFamily="49" charset="0"/>
-                <a:ea typeface="SimSun" panose="02010600030101010101" pitchFamily="2" charset="-122"/>
-                <a:cs typeface="Segoe UI Light" panose="020B0502040204020203" pitchFamily="34" charset="0"/>
-              </a:rPr>
-              <a:t>firstName</a:t>
-            </a:r>
-            <a:r>
-              <a:rPr lang="en-IN" sz="1800" dirty="0" smtClean="0">
-                <a:solidFill>
-                  <a:srgbClr val="FF5733"/>
-                </a:solidFill>
-                <a:latin typeface="Consolas" panose="020B0609020204030204" pitchFamily="49" charset="0"/>
-                <a:ea typeface="SimSun" panose="02010600030101010101" pitchFamily="2" charset="-122"/>
-                <a:cs typeface="Segoe UI Light" panose="020B0502040204020203" pitchFamily="34" charset="0"/>
-              </a:rPr>
-              <a:t> "Saleel</a:t>
-            </a:r>
-            <a:r>
-              <a:rPr lang="en-IN" sz="1800" dirty="0">
-                <a:solidFill>
-                  <a:srgbClr val="FF5733"/>
-                </a:solidFill>
-                <a:latin typeface="Consolas" panose="020B0609020204030204" pitchFamily="49" charset="0"/>
-                <a:ea typeface="SimSun" panose="02010600030101010101" pitchFamily="2" charset="-122"/>
-                <a:cs typeface="Segoe UI Light" panose="020B0502040204020203" pitchFamily="34" charset="0"/>
-              </a:rPr>
-              <a:t>" px  8000</a:t>
-            </a:r>
-          </a:p>
-          <a:p>
-            <a:pPr>
-              <a:lnSpc>
-                <a:spcPct val="150000"/>
-              </a:lnSpc>
-            </a:pPr>
-            <a:r>
-              <a:rPr lang="en-IN" sz="1800" dirty="0">
-                <a:solidFill>
-                  <a:schemeClr val="bg1">
-                    <a:lumMod val="50000"/>
-                  </a:schemeClr>
-                </a:solidFill>
-                <a:latin typeface="Consolas" panose="020B0609020204030204" pitchFamily="49" charset="0"/>
-                <a:ea typeface="SimSun" panose="02010600030101010101" pitchFamily="2" charset="-122"/>
-                <a:cs typeface="Segoe UI Light" panose="020B0502040204020203" pitchFamily="34" charset="0"/>
-              </a:rPr>
-              <a:t>127.0.0.1:6379&gt;</a:t>
-            </a:r>
-            <a:r>
-              <a:rPr lang="en-IN" sz="1800" dirty="0">
-                <a:latin typeface="Consolas" panose="020B0609020204030204" pitchFamily="49" charset="0"/>
-                <a:ea typeface="SimSun" panose="02010600030101010101" pitchFamily="2" charset="-122"/>
-                <a:cs typeface="Segoe UI Light" panose="020B0502040204020203" pitchFamily="34" charset="0"/>
-              </a:rPr>
-              <a:t> </a:t>
-            </a:r>
-            <a:r>
-              <a:rPr lang="en-IN" sz="1800" dirty="0" smtClean="0">
-                <a:solidFill>
-                  <a:srgbClr val="FF5733"/>
-                </a:solidFill>
-                <a:latin typeface="Consolas" panose="020B0609020204030204" pitchFamily="49" charset="0"/>
-                <a:ea typeface="SimSun" panose="02010600030101010101" pitchFamily="2" charset="-122"/>
-                <a:cs typeface="Segoe UI Light" panose="020B0502040204020203" pitchFamily="34" charset="0"/>
-              </a:rPr>
-              <a:t>set lastName "Bagde" </a:t>
-            </a:r>
-            <a:r>
-              <a:rPr lang="en-IN" sz="1800" dirty="0">
-                <a:solidFill>
-                  <a:srgbClr val="FF5733"/>
-                </a:solidFill>
-                <a:latin typeface="Consolas" panose="020B0609020204030204" pitchFamily="49" charset="0"/>
-                <a:ea typeface="SimSun" panose="02010600030101010101" pitchFamily="2" charset="-122"/>
-                <a:cs typeface="Segoe UI Light" panose="020B0502040204020203" pitchFamily="34" charset="0"/>
-              </a:rPr>
-              <a:t>nx</a:t>
-            </a:r>
-          </a:p>
-          <a:p>
-            <a:pPr>
-              <a:lnSpc>
-                <a:spcPct val="150000"/>
-              </a:lnSpc>
-            </a:pPr>
-            <a:r>
-              <a:rPr lang="en-IN" sz="1800" dirty="0">
-                <a:solidFill>
-                  <a:schemeClr val="bg1">
-                    <a:lumMod val="50000"/>
-                  </a:schemeClr>
-                </a:solidFill>
-                <a:latin typeface="Consolas" panose="020B0609020204030204" pitchFamily="49" charset="0"/>
-                <a:ea typeface="SimSun" panose="02010600030101010101" pitchFamily="2" charset="-122"/>
-                <a:cs typeface="Segoe UI Light" panose="020B0502040204020203" pitchFamily="34" charset="0"/>
-              </a:rPr>
-              <a:t>127.0.0.1:6379&gt; </a:t>
-            </a:r>
-            <a:r>
-              <a:rPr lang="en-IN" sz="1800" dirty="0" smtClean="0">
-                <a:solidFill>
-                  <a:srgbClr val="FF5733"/>
-                </a:solidFill>
-                <a:latin typeface="Consolas" panose="020B0609020204030204" pitchFamily="49" charset="0"/>
-                <a:ea typeface="SimSun" panose="02010600030101010101" pitchFamily="2" charset="-122"/>
-                <a:cs typeface="Segoe UI Light" panose="020B0502040204020203" pitchFamily="34" charset="0"/>
-              </a:rPr>
-              <a:t>set </a:t>
-            </a:r>
-            <a:r>
-              <a:rPr lang="en-IN" sz="1800" dirty="0">
-                <a:solidFill>
-                  <a:srgbClr val="FF5733"/>
-                </a:solidFill>
-                <a:latin typeface="Consolas" panose="020B0609020204030204" pitchFamily="49" charset="0"/>
-                <a:ea typeface="SimSun" panose="02010600030101010101" pitchFamily="2" charset="-122"/>
-                <a:cs typeface="Segoe UI Light" panose="020B0502040204020203" pitchFamily="34" charset="0"/>
-              </a:rPr>
-              <a:t>firstName</a:t>
-            </a:r>
-            <a:r>
-              <a:rPr lang="en-IN" sz="1800" dirty="0" smtClean="0">
-                <a:solidFill>
-                  <a:srgbClr val="FF5733"/>
-                </a:solidFill>
-                <a:latin typeface="Consolas" panose="020B0609020204030204" pitchFamily="49" charset="0"/>
-                <a:ea typeface="SimSun" panose="02010600030101010101" pitchFamily="2" charset="-122"/>
-                <a:cs typeface="Segoe UI Light" panose="020B0502040204020203" pitchFamily="34" charset="0"/>
-              </a:rPr>
-              <a:t> "</a:t>
-            </a:r>
-            <a:r>
-              <a:rPr lang="en-IN" sz="1800" dirty="0">
-                <a:solidFill>
-                  <a:srgbClr val="FF5733"/>
-                </a:solidFill>
-                <a:latin typeface="Consolas" panose="020B0609020204030204" pitchFamily="49" charset="0"/>
-                <a:ea typeface="SimSun" panose="02010600030101010101" pitchFamily="2" charset="-122"/>
-                <a:cs typeface="Segoe UI Light" panose="020B0502040204020203" pitchFamily="34" charset="0"/>
-              </a:rPr>
-              <a:t>saleel"</a:t>
-            </a:r>
-            <a:r>
-              <a:rPr lang="en-IN" sz="1800" dirty="0" smtClean="0">
-                <a:solidFill>
-                  <a:srgbClr val="FF5733"/>
-                </a:solidFill>
-                <a:latin typeface="Consolas" panose="020B0609020204030204" pitchFamily="49" charset="0"/>
-                <a:ea typeface="SimSun" panose="02010600030101010101" pitchFamily="2" charset="-122"/>
-                <a:cs typeface="Segoe UI Light" panose="020B0502040204020203" pitchFamily="34" charset="0"/>
-              </a:rPr>
-              <a:t> </a:t>
-            </a:r>
-            <a:r>
-              <a:rPr lang="en-IN" sz="1800" dirty="0">
-                <a:solidFill>
-                  <a:srgbClr val="FF5733"/>
-                </a:solidFill>
-                <a:latin typeface="Consolas" panose="020B0609020204030204" pitchFamily="49" charset="0"/>
-                <a:ea typeface="SimSun" panose="02010600030101010101" pitchFamily="2" charset="-122"/>
-                <a:cs typeface="Segoe UI Light" panose="020B0502040204020203" pitchFamily="34" charset="0"/>
-              </a:rPr>
-              <a:t>xx</a:t>
-            </a:r>
-          </a:p>
-        </p:txBody>
-      </p:sp>
-      <p:sp>
-        <p:nvSpPr>
-          <p:cNvPr id="8" name="Rectangle 1"/>
-          <p:cNvSpPr>
-            <a:spLocks noChangeArrowheads="1"/>
-          </p:cNvSpPr>
-          <p:nvPr/>
-        </p:nvSpPr>
-        <p:spPr bwMode="auto">
-          <a:xfrm>
-            <a:off x="152401" y="2145268"/>
-            <a:ext cx="8839200" cy="369332"/>
-          </a:xfrm>
-          <a:prstGeom prst="rect">
-            <a:avLst/>
-          </a:prstGeom>
-          <a:extLst/>
-        </p:spPr>
-        <p:txBody>
-          <a:bodyPr wrap="square">
-            <a:spAutoFit/>
-          </a:bodyPr>
-          <a:lstStyle/>
-          <a:p>
-            <a:r>
-              <a:rPr lang="en-US" sz="1800" dirty="0">
-                <a:solidFill>
-                  <a:srgbClr val="00B0F0"/>
-                </a:solidFill>
-                <a:latin typeface="Consolas" panose="020B0609020204030204" pitchFamily="49" charset="0"/>
-              </a:rPr>
-              <a:t>127.0.0.1:6379&gt; SET KEY VALUE [EX seconds] [PX milliseconds] [NX|XX] </a:t>
-            </a:r>
+              <a:t>Redis strings commands are used for managing string values in Redis.</a:t>
+            </a:r>
+            <a:endParaRPr lang="en-IN" sz="2200" dirty="0">
+              <a:solidFill>
+                <a:srgbClr val="BB0643"/>
+              </a:solidFill>
+              <a:latin typeface="Segoe UI" panose="020B0502040204020203" pitchFamily="34" charset="0"/>
+              <a:cs typeface="Segoe UI" panose="020B0502040204020203" pitchFamily="34" charset="0"/>
+            </a:endParaRPr>
           </a:p>
         </p:txBody>
       </p:sp>
     </p:spTree>
     <p:extLst>
       <p:ext uri="{BB962C8B-B14F-4D97-AF65-F5344CB8AC3E}">
-        <p14:creationId xmlns:p14="http://schemas.microsoft.com/office/powerpoint/2010/main" val="931646599"/>
+        <p14:creationId xmlns:p14="http://schemas.microsoft.com/office/powerpoint/2010/main" val="2693812130"/>
       </p:ext>
     </p:extLst>
   </p:cSld>
   <p:clrMapOvr>
     <a:masterClrMapping/>
   </p:clrMapOvr>
-  <p:timing>
-    <p:tnLst>
-      <p:par>
-        <p:cTn id="1" dur="indefinite" restart="never" nodeType="tmRoot"/>
-      </p:par>
-    </p:tnLst>
-  </p:timing>
+</p:sld>
+</file>
+
+<file path=ppt/slides/slide5.xml><?xml version="1.0" encoding="utf-8"?>
+<p:sld xmlns:a="http://schemas.openxmlformats.org/drawingml/2006/main" xmlns:r="http://schemas.openxmlformats.org/officeDocument/2006/relationships" xmlns:p="http://schemas.openxmlformats.org/presentationml/2006/main" showMasterSp="0">
+  <p:cSld>
+    <p:spTree>
+      <p:nvGrpSpPr>
+        <p:cNvPr id="1" name=""/>
+        <p:cNvGrpSpPr/>
+        <p:nvPr/>
+      </p:nvGrpSpPr>
+      <p:grpSpPr>
+        <a:xfrm>
+          <a:off x="0" y="0"/>
+          <a:ext cx="0" cy="0"/>
+          <a:chOff x="0" y="0"/>
+          <a:chExt cx="0" cy="0"/>
+        </a:xfrm>
+      </p:grpSpPr>
+      <p:sp>
+        <p:nvSpPr>
+          <p:cNvPr id="2" name="Title 1"/>
+          <p:cNvSpPr txBox="1">
+            <a:spLocks/>
+          </p:cNvSpPr>
+          <p:nvPr/>
+        </p:nvSpPr>
+        <p:spPr>
+          <a:xfrm>
+            <a:off x="1676400" y="2362201"/>
+            <a:ext cx="8839200" cy="1200329"/>
+          </a:xfrm>
+          <a:prstGeom prst="rect">
+            <a:avLst/>
+          </a:prstGeom>
+          <a:noFill/>
+        </p:spPr>
+        <p:txBody>
+          <a:bodyPr wrap="square">
+            <a:spAutoFit/>
+          </a:bodyPr>
+          <a:lstStyle>
+            <a:defPPr>
+              <a:defRPr lang="en-US"/>
+            </a:defPPr>
+            <a:lvl1pPr algn="ctr">
+              <a:defRPr sz="6000" i="1">
+                <a:solidFill>
+                  <a:srgbClr val="C10374"/>
+                </a:solidFill>
+                <a:latin typeface="Century" panose="02040604050505020304" pitchFamily="18" charset="0"/>
+              </a:defRPr>
+            </a:lvl1pPr>
+          </a:lstStyle>
+          <a:p>
+            <a:r>
+              <a:rPr lang="en-IN" sz="7200" dirty="0">
+                <a:solidFill>
+                  <a:schemeClr val="accent4">
+                    <a:lumMod val="75000"/>
+                  </a:schemeClr>
+                </a:solidFill>
+              </a:rPr>
+              <a:t>set key</a:t>
+            </a:r>
+          </a:p>
+        </p:txBody>
+      </p:sp>
+      <p:sp>
+        <p:nvSpPr>
+          <p:cNvPr id="5" name="Rectangle 4">
+            <a:extLst>
+              <a:ext uri="{FF2B5EF4-FFF2-40B4-BE49-F238E27FC236}">
+                <a16:creationId xmlns:a16="http://schemas.microsoft.com/office/drawing/2014/main" id="{ED0012BF-05D1-4688-BBF1-F5D780E61FE2}"/>
+              </a:ext>
+            </a:extLst>
+          </p:cNvPr>
+          <p:cNvSpPr/>
+          <p:nvPr/>
+        </p:nvSpPr>
+        <p:spPr>
+          <a:xfrm>
+            <a:off x="1676400" y="3531513"/>
+            <a:ext cx="8839201" cy="430887"/>
+          </a:xfrm>
+          <a:prstGeom prst="rect">
+            <a:avLst/>
+          </a:prstGeom>
+          <a:solidFill>
+            <a:schemeClr val="bg1"/>
+          </a:solidFill>
+        </p:spPr>
+        <p:txBody>
+          <a:bodyPr wrap="square">
+            <a:spAutoFit/>
+          </a:bodyPr>
+          <a:lstStyle/>
+          <a:p>
+            <a:r>
+              <a:rPr lang="en-US" sz="2200" dirty="0">
+                <a:solidFill>
+                  <a:srgbClr val="BB0643"/>
+                </a:solidFill>
+                <a:latin typeface="Segoe UI" panose="020B0502040204020203" pitchFamily="34" charset="0"/>
+                <a:cs typeface="Segoe UI" panose="020B0502040204020203" pitchFamily="34" charset="0"/>
+              </a:rPr>
+              <a:t>TODO</a:t>
+            </a:r>
+            <a:endParaRPr lang="en-IN" sz="2200" dirty="0">
+              <a:solidFill>
+                <a:srgbClr val="BB0643"/>
+              </a:solidFill>
+              <a:latin typeface="Segoe UI" panose="020B0502040204020203" pitchFamily="34" charset="0"/>
+              <a:cs typeface="Segoe UI" panose="020B0502040204020203" pitchFamily="34" charset="0"/>
+            </a:endParaRPr>
+          </a:p>
+        </p:txBody>
+      </p:sp>
+    </p:spTree>
+    <p:extLst>
+      <p:ext uri="{BB962C8B-B14F-4D97-AF65-F5344CB8AC3E}">
+        <p14:creationId xmlns:p14="http://schemas.microsoft.com/office/powerpoint/2010/main" val="2054764418"/>
+      </p:ext>
+    </p:extLst>
+  </p:cSld>
+  <p:clrMapOvr>
+    <a:masterClrMapping/>
+  </p:clrMapOvr>
 </p:sld>
 </file>
 
 <file path=ppt/slides/slide6.xml><?xml version="1.0" encoding="utf-8"?>
-<p:sld xmlns:a="http://schemas.openxmlformats.org/drawingml/2006/main" xmlns:r="http://schemas.openxmlformats.org/officeDocument/2006/relationships" xmlns:p="http://schemas.openxmlformats.org/presentationml/2006/main">
+<p:sld xmlns:a="http://schemas.openxmlformats.org/drawingml/2006/main" xmlns:r="http://schemas.openxmlformats.org/officeDocument/2006/relationships" xmlns:p="http://schemas.openxmlformats.org/presentationml/2006/main" showMasterSp="0">
   <p:cSld>
     <p:spTree>
       <p:nvGrpSpPr>
@@ -7107,7 +7327,7 @@
         </p:nvCxnSpPr>
         <p:spPr>
           <a:xfrm>
-            <a:off x="0" y="1981200"/>
+            <a:off x="1524000" y="1981200"/>
             <a:ext cx="9144000" cy="1588"/>
           </a:xfrm>
           <a:prstGeom prst="line">
@@ -7140,7 +7360,7 @@
         </p:nvSpPr>
         <p:spPr>
           <a:xfrm>
-            <a:off x="0" y="0"/>
+            <a:off x="1524000" y="0"/>
             <a:ext cx="9144000" cy="707886"/>
           </a:xfrm>
           <a:prstGeom prst="rect">
@@ -7160,7 +7380,7 @@
           <a:p>
             <a:pPr algn="ctr"/>
             <a:r>
-              <a:rPr lang="en-IN" sz="4000" smtClean="0">
+              <a:rPr lang="en-IN" sz="4000" dirty="0">
                 <a:solidFill>
                   <a:schemeClr val="accent4">
                     <a:lumMod val="75000"/>
@@ -7168,27 +7388,8 @@
                 </a:solidFill>
                 <a:latin typeface="Open Sans"/>
               </a:rPr>
-              <a:t>get </a:t>
-            </a:r>
-            <a:r>
-              <a:rPr lang="en-IN" sz="4000" dirty="0" smtClean="0">
-                <a:solidFill>
-                  <a:schemeClr val="accent4">
-                    <a:lumMod val="75000"/>
-                  </a:schemeClr>
-                </a:solidFill>
-                <a:latin typeface="Open Sans"/>
-              </a:rPr>
-              <a:t>keys</a:t>
-            </a:r>
-            <a:endParaRPr lang="en-IN" sz="4000" dirty="0">
-              <a:solidFill>
-                <a:schemeClr val="accent4">
-                  <a:lumMod val="75000"/>
-                </a:schemeClr>
-              </a:solidFill>
-              <a:latin typeface="Open Sans"/>
-            </a:endParaRPr>
+              <a:t>set keys</a:t>
+            </a:r>
           </a:p>
         </p:txBody>
       </p:sp>
@@ -7200,7 +7401,7 @@
         </p:nvSpPr>
         <p:spPr>
           <a:xfrm>
-            <a:off x="76200" y="762000"/>
+            <a:off x="1600200" y="762001"/>
             <a:ext cx="8991600" cy="1015663"/>
           </a:xfrm>
           <a:prstGeom prst="rect">
@@ -7229,7 +7430,7 @@
         </p:nvSpPr>
         <p:spPr>
           <a:xfrm>
-            <a:off x="101600" y="2741474"/>
+            <a:off x="1524000" y="4596368"/>
             <a:ext cx="8890000" cy="1754326"/>
           </a:xfrm>
           <a:prstGeom prst="rect">
@@ -7248,10 +7449,12 @@
           </a:bodyPr>
           <a:lstStyle/>
           <a:p>
-            <a:pPr>
+            <a:pPr marL="285750" indent="-285750">
               <a:lnSpc>
                 <a:spcPct val="150000"/>
               </a:lnSpc>
+              <a:buFont typeface="Arial" panose="020B0604020202020204" pitchFamily="34" charset="0"/>
+              <a:buChar char="•"/>
             </a:pPr>
             <a:r>
               <a:rPr lang="en-IN" sz="1800" dirty="0">
@@ -7275,7 +7478,7 @@
               <a:t> </a:t>
             </a:r>
             <a:r>
-              <a:rPr lang="en-IN" sz="1800" dirty="0" smtClean="0">
+              <a:rPr lang="en-IN" sz="1800" dirty="0">
                 <a:solidFill>
                   <a:srgbClr val="FF5733"/>
                 </a:solidFill>
@@ -7283,25 +7486,16 @@
                 <a:ea typeface="SimSun" panose="02010600030101010101" pitchFamily="2" charset="-122"/>
                 <a:cs typeface="Segoe UI Light" panose="020B0502040204020203" pitchFamily="34" charset="0"/>
               </a:rPr>
-              <a:t>set id 1001 </a:t>
-            </a:r>
-            <a:r>
-              <a:rPr lang="en-IN" sz="1800" dirty="0">
-                <a:solidFill>
-                  <a:srgbClr val="FF5733"/>
-                </a:solidFill>
-                <a:latin typeface="Consolas" panose="020B0609020204030204" pitchFamily="49" charset="0"/>
-                <a:ea typeface="SimSun" panose="02010600030101010101" pitchFamily="2" charset="-122"/>
-                <a:cs typeface="Segoe UI Light" panose="020B0502040204020203" pitchFamily="34" charset="0"/>
-              </a:rPr>
-              <a:t>ex 10</a:t>
-            </a:r>
-          </a:p>
-          <a:p>
-            <a:pPr>
+              <a:t>set ID 1001 ex 10</a:t>
+            </a:r>
+          </a:p>
+          <a:p>
+            <a:pPr marL="285750" indent="-285750">
               <a:lnSpc>
                 <a:spcPct val="150000"/>
               </a:lnSpc>
+              <a:buFont typeface="Arial" panose="020B0604020202020204" pitchFamily="34" charset="0"/>
+              <a:buChar char="•"/>
             </a:pPr>
             <a:r>
               <a:rPr lang="en-IN" sz="1800" dirty="0">
@@ -7325,7 +7519,7 @@
               <a:t> </a:t>
             </a:r>
             <a:r>
-              <a:rPr lang="en-IN" sz="1800" dirty="0" smtClean="0">
+              <a:rPr lang="en-IN" sz="1800" dirty="0">
                 <a:solidFill>
                   <a:srgbClr val="FF5733"/>
                 </a:solidFill>
@@ -7333,47 +7527,16 @@
                 <a:ea typeface="SimSun" panose="02010600030101010101" pitchFamily="2" charset="-122"/>
                 <a:cs typeface="Segoe UI Light" panose="020B0502040204020203" pitchFamily="34" charset="0"/>
               </a:rPr>
-              <a:t>set </a:t>
-            </a:r>
-            <a:r>
-              <a:rPr lang="en-IN" sz="1800" dirty="0">
-                <a:solidFill>
-                  <a:srgbClr val="FF5733"/>
-                </a:solidFill>
-                <a:latin typeface="Consolas" panose="020B0609020204030204" pitchFamily="49" charset="0"/>
-                <a:ea typeface="SimSun" panose="02010600030101010101" pitchFamily="2" charset="-122"/>
-                <a:cs typeface="Segoe UI Light" panose="020B0502040204020203" pitchFamily="34" charset="0"/>
-              </a:rPr>
-              <a:t>firstName</a:t>
-            </a:r>
-            <a:r>
-              <a:rPr lang="en-IN" sz="1800" dirty="0" smtClean="0">
-                <a:solidFill>
-                  <a:srgbClr val="FF5733"/>
-                </a:solidFill>
-                <a:latin typeface="Consolas" panose="020B0609020204030204" pitchFamily="49" charset="0"/>
-                <a:ea typeface="SimSun" panose="02010600030101010101" pitchFamily="2" charset="-122"/>
-                <a:cs typeface="Segoe UI Light" panose="020B0502040204020203" pitchFamily="34" charset="0"/>
-              </a:rPr>
-              <a:t> "Saleel</a:t>
-            </a:r>
-            <a:r>
-              <a:rPr lang="en-IN" sz="1800" dirty="0">
-                <a:solidFill>
-                  <a:srgbClr val="FF5733"/>
-                </a:solidFill>
-                <a:latin typeface="Consolas" panose="020B0609020204030204" pitchFamily="49" charset="0"/>
-                <a:ea typeface="SimSun" panose="02010600030101010101" pitchFamily="2" charset="-122"/>
-                <a:cs typeface="Segoe UI Light" panose="020B0502040204020203" pitchFamily="34" charset="0"/>
-              </a:rPr>
-              <a:t>" px  8000</a:t>
-            </a:r>
-          </a:p>
-          <a:p>
-            <a:pPr>
+              <a:t>set firstName saleel px  8000</a:t>
+            </a:r>
+          </a:p>
+          <a:p>
+            <a:pPr marL="285750" indent="-285750">
               <a:lnSpc>
                 <a:spcPct val="150000"/>
               </a:lnSpc>
+              <a:buFont typeface="Arial" panose="020B0604020202020204" pitchFamily="34" charset="0"/>
+              <a:buChar char="•"/>
             </a:pPr>
             <a:r>
               <a:rPr lang="en-IN" sz="1800" dirty="0">
@@ -7397,7 +7560,7 @@
               <a:t> </a:t>
             </a:r>
             <a:r>
-              <a:rPr lang="en-IN" sz="1800" dirty="0" smtClean="0">
+              <a:rPr lang="en-IN" sz="1800" dirty="0">
                 <a:solidFill>
                   <a:srgbClr val="FF5733"/>
                 </a:solidFill>
@@ -7405,25 +7568,16 @@
                 <a:ea typeface="SimSun" panose="02010600030101010101" pitchFamily="2" charset="-122"/>
                 <a:cs typeface="Segoe UI Light" panose="020B0502040204020203" pitchFamily="34" charset="0"/>
               </a:rPr>
-              <a:t>set lastName "Bagde" </a:t>
-            </a:r>
-            <a:r>
-              <a:rPr lang="en-IN" sz="1800" dirty="0">
-                <a:solidFill>
-                  <a:srgbClr val="FF5733"/>
-                </a:solidFill>
-                <a:latin typeface="Consolas" panose="020B0609020204030204" pitchFamily="49" charset="0"/>
-                <a:ea typeface="SimSun" panose="02010600030101010101" pitchFamily="2" charset="-122"/>
-                <a:cs typeface="Segoe UI Light" panose="020B0502040204020203" pitchFamily="34" charset="0"/>
-              </a:rPr>
-              <a:t>nx</a:t>
-            </a:r>
-          </a:p>
-          <a:p>
-            <a:pPr>
+              <a:t>set "last Name" "Bagde" nx</a:t>
+            </a:r>
+          </a:p>
+          <a:p>
+            <a:pPr marL="285750" indent="-285750">
               <a:lnSpc>
                 <a:spcPct val="150000"/>
               </a:lnSpc>
+              <a:buFont typeface="Arial" panose="020B0604020202020204" pitchFamily="34" charset="0"/>
+              <a:buChar char="•"/>
             </a:pPr>
             <a:r>
               <a:rPr lang="en-IN" sz="1800" dirty="0">
@@ -7439,7 +7593,7 @@
               <a:t>127.0.0.1:6379&gt; </a:t>
             </a:r>
             <a:r>
-              <a:rPr lang="en-IN" sz="1800" dirty="0" smtClean="0">
+              <a:rPr lang="en-IN" sz="1800" dirty="0">
                 <a:solidFill>
                   <a:srgbClr val="FF5733"/>
                 </a:solidFill>
@@ -7447,46 +7601,623 @@
                 <a:ea typeface="SimSun" panose="02010600030101010101" pitchFamily="2" charset="-122"/>
                 <a:cs typeface="Segoe UI Light" panose="020B0502040204020203" pitchFamily="34" charset="0"/>
               </a:rPr>
-              <a:t>set </a:t>
-            </a:r>
+              <a:t>set firstName "saleel" xx</a:t>
+            </a:r>
+          </a:p>
+        </p:txBody>
+      </p:sp>
+      <p:sp>
+        <p:nvSpPr>
+          <p:cNvPr id="8" name="Rectangle 1"/>
+          <p:cNvSpPr>
+            <a:spLocks noChangeArrowheads="1"/>
+          </p:cNvSpPr>
+          <p:nvPr/>
+        </p:nvSpPr>
+        <p:spPr bwMode="auto">
+          <a:xfrm>
+            <a:off x="1601337" y="2221468"/>
+            <a:ext cx="6896440" cy="369332"/>
+          </a:xfrm>
+          <a:prstGeom prst="rect">
+            <a:avLst/>
+          </a:prstGeom>
+        </p:spPr>
+        <p:txBody>
+          <a:bodyPr wrap="none">
+            <a:spAutoFit/>
+          </a:bodyPr>
+          <a:lstStyle/>
+          <a:p>
+            <a:r>
+              <a:rPr lang="en-US" sz="1800" dirty="0">
+                <a:solidFill>
+                  <a:srgbClr val="00B0F0"/>
+                </a:solidFill>
+                <a:latin typeface="Consolas" panose="020B0609020204030204" pitchFamily="49" charset="0"/>
+              </a:rPr>
+              <a:t>SET KEY VALUE [EX seconds] [PX milliseconds] [NX|XX] </a:t>
+            </a:r>
+          </a:p>
+        </p:txBody>
+      </p:sp>
+      <p:graphicFrame>
+        <p:nvGraphicFramePr>
+          <p:cNvPr id="2" name="Table 6">
+            <a:extLst>
+              <a:ext uri="{FF2B5EF4-FFF2-40B4-BE49-F238E27FC236}">
+                <a16:creationId xmlns:a16="http://schemas.microsoft.com/office/drawing/2014/main" id="{3C904855-75E2-457D-B5CE-D7C7232952B0}"/>
+              </a:ext>
+            </a:extLst>
+          </p:cNvPr>
+          <p:cNvGraphicFramePr>
+            <a:graphicFrameLocks noGrp="1"/>
+          </p:cNvGraphicFramePr>
+          <p:nvPr>
+            <p:extLst>
+              <p:ext uri="{D42A27DB-BD31-4B8C-83A1-F6EECF244321}">
+                <p14:modId xmlns:p14="http://schemas.microsoft.com/office/powerpoint/2010/main" val="3019381309"/>
+              </p:ext>
+            </p:extLst>
+          </p:nvPr>
+        </p:nvGraphicFramePr>
+        <p:xfrm>
+          <a:off x="1524000" y="2829193"/>
+          <a:ext cx="9067800" cy="1483360"/>
+        </p:xfrm>
+        <a:graphic>
+          <a:graphicData uri="http://schemas.openxmlformats.org/drawingml/2006/table">
+            <a:tbl>
+              <a:tblPr firstRow="1" bandRow="1">
+                <a:tableStyleId>{5940675A-B579-460E-94D1-54222C63F5DA}</a:tableStyleId>
+              </a:tblPr>
+              <a:tblGrid>
+                <a:gridCol w="1981200">
+                  <a:extLst>
+                    <a:ext uri="{9D8B030D-6E8A-4147-A177-3AD203B41FA5}">
+                      <a16:colId xmlns:a16="http://schemas.microsoft.com/office/drawing/2014/main" val="2998404656"/>
+                    </a:ext>
+                  </a:extLst>
+                </a:gridCol>
+                <a:gridCol w="7086600">
+                  <a:extLst>
+                    <a:ext uri="{9D8B030D-6E8A-4147-A177-3AD203B41FA5}">
+                      <a16:colId xmlns:a16="http://schemas.microsoft.com/office/drawing/2014/main" val="3563588224"/>
+                    </a:ext>
+                  </a:extLst>
+                </a:gridCol>
+              </a:tblGrid>
+              <a:tr h="370840">
+                <a:tc>
+                  <a:txBody>
+                    <a:bodyPr/>
+                    <a:lstStyle/>
+                    <a:p>
+                      <a:r>
+                        <a:rPr lang="en-IN" sz="1800" dirty="0">
+                          <a:solidFill>
+                            <a:schemeClr val="tx1">
+                              <a:lumMod val="75000"/>
+                              <a:lumOff val="25000"/>
+                            </a:schemeClr>
+                          </a:solidFill>
+                          <a:latin typeface="Open Sans"/>
+                        </a:rPr>
+                        <a:t> EX seconds </a:t>
+                      </a:r>
+                      <a:endParaRPr lang="en-IN" dirty="0"/>
+                    </a:p>
+                  </a:txBody>
+                  <a:tcPr/>
+                </a:tc>
+                <a:tc>
+                  <a:txBody>
+                    <a:bodyPr/>
+                    <a:lstStyle/>
+                    <a:p>
+                      <a:r>
+                        <a:rPr lang="en-IN" sz="1800" dirty="0">
+                          <a:solidFill>
+                            <a:schemeClr val="tx1">
+                              <a:lumMod val="75000"/>
+                              <a:lumOff val="25000"/>
+                            </a:schemeClr>
+                          </a:solidFill>
+                          <a:latin typeface="Open Sans"/>
+                        </a:rPr>
+                        <a:t> Set the specified expire time, in seconds.</a:t>
+                      </a:r>
+                      <a:endParaRPr lang="en-IN" dirty="0"/>
+                    </a:p>
+                  </a:txBody>
+                  <a:tcPr/>
+                </a:tc>
+                <a:extLst>
+                  <a:ext uri="{0D108BD9-81ED-4DB2-BD59-A6C34878D82A}">
+                    <a16:rowId xmlns:a16="http://schemas.microsoft.com/office/drawing/2014/main" val="1845198657"/>
+                  </a:ext>
+                </a:extLst>
+              </a:tr>
+              <a:tr h="370840">
+                <a:tc>
+                  <a:txBody>
+                    <a:bodyPr/>
+                    <a:lstStyle/>
+                    <a:p>
+                      <a:r>
+                        <a:rPr lang="en-IN" sz="1800" dirty="0">
+                          <a:solidFill>
+                            <a:schemeClr val="tx1">
+                              <a:lumMod val="75000"/>
+                              <a:lumOff val="25000"/>
+                            </a:schemeClr>
+                          </a:solidFill>
+                          <a:latin typeface="Open Sans"/>
+                        </a:rPr>
+                        <a:t> PX milliseconds </a:t>
+                      </a:r>
+                      <a:endParaRPr lang="en-IN" dirty="0"/>
+                    </a:p>
+                  </a:txBody>
+                  <a:tcPr/>
+                </a:tc>
+                <a:tc>
+                  <a:txBody>
+                    <a:bodyPr/>
+                    <a:lstStyle/>
+                    <a:p>
+                      <a:r>
+                        <a:rPr lang="en-IN" sz="1800" dirty="0">
+                          <a:solidFill>
+                            <a:schemeClr val="tx1">
+                              <a:lumMod val="75000"/>
+                              <a:lumOff val="25000"/>
+                            </a:schemeClr>
+                          </a:solidFill>
+                          <a:latin typeface="Open Sans"/>
+                        </a:rPr>
+                        <a:t> Set the specified expire time, in milliseconds.</a:t>
+                      </a:r>
+                      <a:endParaRPr lang="en-IN" dirty="0"/>
+                    </a:p>
+                  </a:txBody>
+                  <a:tcPr/>
+                </a:tc>
+                <a:extLst>
+                  <a:ext uri="{0D108BD9-81ED-4DB2-BD59-A6C34878D82A}">
+                    <a16:rowId xmlns:a16="http://schemas.microsoft.com/office/drawing/2014/main" val="3547115123"/>
+                  </a:ext>
+                </a:extLst>
+              </a:tr>
+              <a:tr h="370840">
+                <a:tc>
+                  <a:txBody>
+                    <a:bodyPr/>
+                    <a:lstStyle/>
+                    <a:p>
+                      <a:r>
+                        <a:rPr lang="en-IN" sz="1800" dirty="0">
+                          <a:solidFill>
+                            <a:schemeClr val="tx1">
+                              <a:lumMod val="75000"/>
+                              <a:lumOff val="25000"/>
+                            </a:schemeClr>
+                          </a:solidFill>
+                          <a:latin typeface="Open Sans"/>
+                        </a:rPr>
+                        <a:t> NX</a:t>
+                      </a:r>
+                      <a:endParaRPr lang="en-IN" dirty="0"/>
+                    </a:p>
+                  </a:txBody>
+                  <a:tcPr/>
+                </a:tc>
+                <a:tc>
+                  <a:txBody>
+                    <a:bodyPr/>
+                    <a:lstStyle/>
+                    <a:p>
+                      <a:r>
+                        <a:rPr lang="en-IN" sz="1800" dirty="0">
+                          <a:solidFill>
+                            <a:schemeClr val="tx1">
+                              <a:lumMod val="75000"/>
+                              <a:lumOff val="25000"/>
+                            </a:schemeClr>
+                          </a:solidFill>
+                          <a:latin typeface="Open Sans"/>
+                        </a:rPr>
+                        <a:t> Only set the key if it does not already exist.</a:t>
+                      </a:r>
+                      <a:endParaRPr lang="en-IN" dirty="0"/>
+                    </a:p>
+                  </a:txBody>
+                  <a:tcPr/>
+                </a:tc>
+                <a:extLst>
+                  <a:ext uri="{0D108BD9-81ED-4DB2-BD59-A6C34878D82A}">
+                    <a16:rowId xmlns:a16="http://schemas.microsoft.com/office/drawing/2014/main" val="3989808780"/>
+                  </a:ext>
+                </a:extLst>
+              </a:tr>
+              <a:tr h="370840">
+                <a:tc>
+                  <a:txBody>
+                    <a:bodyPr/>
+                    <a:lstStyle/>
+                    <a:p>
+                      <a:r>
+                        <a:rPr lang="en-IN" sz="1800" dirty="0">
+                          <a:solidFill>
+                            <a:schemeClr val="tx1">
+                              <a:lumMod val="75000"/>
+                              <a:lumOff val="25000"/>
+                            </a:schemeClr>
+                          </a:solidFill>
+                          <a:latin typeface="Open Sans"/>
+                        </a:rPr>
+                        <a:t> XX</a:t>
+                      </a:r>
+                      <a:endParaRPr lang="en-IN" dirty="0"/>
+                    </a:p>
+                  </a:txBody>
+                  <a:tcPr/>
+                </a:tc>
+                <a:tc>
+                  <a:txBody>
+                    <a:bodyPr/>
+                    <a:lstStyle/>
+                    <a:p>
+                      <a:r>
+                        <a:rPr lang="en-IN" sz="1800" dirty="0">
+                          <a:solidFill>
+                            <a:schemeClr val="tx1">
+                              <a:lumMod val="75000"/>
+                              <a:lumOff val="25000"/>
+                            </a:schemeClr>
+                          </a:solidFill>
+                          <a:latin typeface="Open Sans"/>
+                        </a:rPr>
+                        <a:t> Only set the key if it already exist.</a:t>
+                      </a:r>
+                      <a:endParaRPr lang="en-IN" dirty="0"/>
+                    </a:p>
+                  </a:txBody>
+                  <a:tcPr/>
+                </a:tc>
+                <a:extLst>
+                  <a:ext uri="{0D108BD9-81ED-4DB2-BD59-A6C34878D82A}">
+                    <a16:rowId xmlns:a16="http://schemas.microsoft.com/office/drawing/2014/main" val="1048468572"/>
+                  </a:ext>
+                </a:extLst>
+              </a:tr>
+            </a:tbl>
+          </a:graphicData>
+        </a:graphic>
+      </p:graphicFrame>
+    </p:spTree>
+    <p:extLst>
+      <p:ext uri="{BB962C8B-B14F-4D97-AF65-F5344CB8AC3E}">
+        <p14:creationId xmlns:p14="http://schemas.microsoft.com/office/powerpoint/2010/main" val="981788"/>
+      </p:ext>
+    </p:extLst>
+  </p:cSld>
+  <p:clrMapOvr>
+    <a:masterClrMapping/>
+  </p:clrMapOvr>
+</p:sld>
+</file>
+
+<file path=ppt/slides/slide7.xml><?xml version="1.0" encoding="utf-8"?>
+<p:sld xmlns:a="http://schemas.openxmlformats.org/drawingml/2006/main" xmlns:r="http://schemas.openxmlformats.org/officeDocument/2006/relationships" xmlns:p="http://schemas.openxmlformats.org/presentationml/2006/main" showMasterSp="0">
+  <p:cSld>
+    <p:spTree>
+      <p:nvGrpSpPr>
+        <p:cNvPr id="1" name=""/>
+        <p:cNvGrpSpPr/>
+        <p:nvPr/>
+      </p:nvGrpSpPr>
+      <p:grpSpPr>
+        <a:xfrm>
+          <a:off x="0" y="0"/>
+          <a:ext cx="0" cy="0"/>
+          <a:chOff x="0" y="0"/>
+          <a:chExt cx="0" cy="0"/>
+        </a:xfrm>
+      </p:grpSpPr>
+      <p:sp>
+        <p:nvSpPr>
+          <p:cNvPr id="2" name="Title 1"/>
+          <p:cNvSpPr txBox="1">
+            <a:spLocks/>
+          </p:cNvSpPr>
+          <p:nvPr/>
+        </p:nvSpPr>
+        <p:spPr>
+          <a:xfrm>
+            <a:off x="1676400" y="2362201"/>
+            <a:ext cx="8839200" cy="1200329"/>
+          </a:xfrm>
+          <a:prstGeom prst="rect">
+            <a:avLst/>
+          </a:prstGeom>
+          <a:noFill/>
+        </p:spPr>
+        <p:txBody>
+          <a:bodyPr wrap="square">
+            <a:spAutoFit/>
+          </a:bodyPr>
+          <a:lstStyle>
+            <a:defPPr>
+              <a:defRPr lang="en-US"/>
+            </a:defPPr>
+            <a:lvl1pPr algn="ctr">
+              <a:defRPr sz="6000" i="1">
+                <a:solidFill>
+                  <a:srgbClr val="C10374"/>
+                </a:solidFill>
+                <a:latin typeface="Century" panose="02040604050505020304" pitchFamily="18" charset="0"/>
+              </a:defRPr>
+            </a:lvl1pPr>
+          </a:lstStyle>
+          <a:p>
+            <a:r>
+              <a:rPr lang="en-IN" sz="7200" dirty="0">
+                <a:solidFill>
+                  <a:schemeClr val="accent4">
+                    <a:lumMod val="75000"/>
+                  </a:schemeClr>
+                </a:solidFill>
+              </a:rPr>
+              <a:t>get key</a:t>
+            </a:r>
+          </a:p>
+        </p:txBody>
+      </p:sp>
+      <p:sp>
+        <p:nvSpPr>
+          <p:cNvPr id="5" name="Rectangle 4">
+            <a:extLst>
+              <a:ext uri="{FF2B5EF4-FFF2-40B4-BE49-F238E27FC236}">
+                <a16:creationId xmlns:a16="http://schemas.microsoft.com/office/drawing/2014/main" id="{ED0012BF-05D1-4688-BBF1-F5D780E61FE2}"/>
+              </a:ext>
+            </a:extLst>
+          </p:cNvPr>
+          <p:cNvSpPr/>
+          <p:nvPr/>
+        </p:nvSpPr>
+        <p:spPr>
+          <a:xfrm>
+            <a:off x="1676400" y="3531513"/>
+            <a:ext cx="8839201" cy="430887"/>
+          </a:xfrm>
+          <a:prstGeom prst="rect">
+            <a:avLst/>
+          </a:prstGeom>
+          <a:solidFill>
+            <a:schemeClr val="bg1"/>
+          </a:solidFill>
+        </p:spPr>
+        <p:txBody>
+          <a:bodyPr wrap="square">
+            <a:spAutoFit/>
+          </a:bodyPr>
+          <a:lstStyle/>
+          <a:p>
+            <a:r>
+              <a:rPr lang="en-US" sz="2200" dirty="0">
+                <a:solidFill>
+                  <a:srgbClr val="BB0643"/>
+                </a:solidFill>
+                <a:latin typeface="Segoe UI" panose="020B0502040204020203" pitchFamily="34" charset="0"/>
+                <a:cs typeface="Segoe UI" panose="020B0502040204020203" pitchFamily="34" charset="0"/>
+              </a:rPr>
+              <a:t>TODO</a:t>
+            </a:r>
+            <a:endParaRPr lang="en-IN" sz="2200" dirty="0">
+              <a:solidFill>
+                <a:srgbClr val="BB0643"/>
+              </a:solidFill>
+              <a:latin typeface="Segoe UI" panose="020B0502040204020203" pitchFamily="34" charset="0"/>
+              <a:cs typeface="Segoe UI" panose="020B0502040204020203" pitchFamily="34" charset="0"/>
+            </a:endParaRPr>
+          </a:p>
+        </p:txBody>
+      </p:sp>
+    </p:spTree>
+    <p:extLst>
+      <p:ext uri="{BB962C8B-B14F-4D97-AF65-F5344CB8AC3E}">
+        <p14:creationId xmlns:p14="http://schemas.microsoft.com/office/powerpoint/2010/main" val="1561813596"/>
+      </p:ext>
+    </p:extLst>
+  </p:cSld>
+  <p:clrMapOvr>
+    <a:masterClrMapping/>
+  </p:clrMapOvr>
+</p:sld>
+</file>
+
+<file path=ppt/slides/slide8.xml><?xml version="1.0" encoding="utf-8"?>
+<p:sld xmlns:a="http://schemas.openxmlformats.org/drawingml/2006/main" xmlns:r="http://schemas.openxmlformats.org/officeDocument/2006/relationships" xmlns:p="http://schemas.openxmlformats.org/presentationml/2006/main" showMasterSp="0">
+  <p:cSld>
+    <p:spTree>
+      <p:nvGrpSpPr>
+        <p:cNvPr id="1" name=""/>
+        <p:cNvGrpSpPr/>
+        <p:nvPr/>
+      </p:nvGrpSpPr>
+      <p:grpSpPr>
+        <a:xfrm>
+          <a:off x="0" y="0"/>
+          <a:ext cx="0" cy="0"/>
+          <a:chOff x="0" y="0"/>
+          <a:chExt cx="0" cy="0"/>
+        </a:xfrm>
+      </p:grpSpPr>
+      <p:cxnSp>
+        <p:nvCxnSpPr>
+          <p:cNvPr id="6" name="Straight Connector 5"/>
+          <p:cNvCxnSpPr/>
+          <p:nvPr/>
+        </p:nvCxnSpPr>
+        <p:spPr>
+          <a:xfrm>
+            <a:off x="1524000" y="1981200"/>
+            <a:ext cx="9144000" cy="1588"/>
+          </a:xfrm>
+          <a:prstGeom prst="line">
+            <a:avLst/>
+          </a:prstGeom>
+          <a:ln w="12700">
+            <a:prstDash val="dash"/>
+          </a:ln>
+        </p:spPr>
+        <p:style>
+          <a:lnRef idx="1">
+            <a:schemeClr val="accent1"/>
+          </a:lnRef>
+          <a:fillRef idx="0">
+            <a:schemeClr val="accent1"/>
+          </a:fillRef>
+          <a:effectRef idx="0">
+            <a:schemeClr val="accent1"/>
+          </a:effectRef>
+          <a:fontRef idx="minor">
+            <a:schemeClr val="tx1"/>
+          </a:fontRef>
+        </p:style>
+      </p:cxnSp>
+      <p:sp>
+        <p:nvSpPr>
+          <p:cNvPr id="9" name="Rectangle 8"/>
+          <p:cNvSpPr/>
+          <p:nvPr/>
+        </p:nvSpPr>
+        <p:spPr>
+          <a:xfrm>
+            <a:off x="1524000" y="0"/>
+            <a:ext cx="9144000" cy="707886"/>
+          </a:xfrm>
+          <a:prstGeom prst="rect">
+            <a:avLst/>
+          </a:prstGeom>
+          <a:solidFill>
+            <a:schemeClr val="accent6">
+              <a:lumMod val="75000"/>
+            </a:schemeClr>
+          </a:solidFill>
+        </p:spPr>
+        <p:txBody>
+          <a:bodyPr wrap="square">
+            <a:spAutoFit/>
+          </a:bodyPr>
+          <a:lstStyle/>
+          <a:p>
+            <a:pPr algn="ctr"/>
+            <a:r>
+              <a:rPr lang="en-IN" sz="4000">
+                <a:solidFill>
+                  <a:schemeClr val="accent4">
+                    <a:lumMod val="75000"/>
+                  </a:schemeClr>
+                </a:solidFill>
+                <a:latin typeface="Open Sans"/>
+              </a:rPr>
+              <a:t>get </a:t>
+            </a:r>
+            <a:r>
+              <a:rPr lang="en-IN" sz="4000" dirty="0">
+                <a:solidFill>
+                  <a:schemeClr val="accent4">
+                    <a:lumMod val="75000"/>
+                  </a:schemeClr>
+                </a:solidFill>
+                <a:latin typeface="Open Sans"/>
+              </a:rPr>
+              <a:t>keys</a:t>
+            </a:r>
+          </a:p>
+        </p:txBody>
+      </p:sp>
+      <p:sp>
+        <p:nvSpPr>
+          <p:cNvPr id="3" name="Rectangle 2"/>
+          <p:cNvSpPr/>
+          <p:nvPr/>
+        </p:nvSpPr>
+        <p:spPr>
+          <a:xfrm>
+            <a:off x="1600200" y="762001"/>
+            <a:ext cx="8991600" cy="1015663"/>
+          </a:xfrm>
+          <a:prstGeom prst="rect">
+            <a:avLst/>
+          </a:prstGeom>
+        </p:spPr>
+        <p:txBody>
+          <a:bodyPr wrap="square">
+            <a:spAutoFit/>
+          </a:bodyPr>
+          <a:lstStyle/>
+          <a:p>
+            <a:pPr algn="just"/>
+            <a:r>
+              <a:rPr lang="en-US" sz="2000" dirty="0"/>
+              <a:t>Get the value of key. If the key does not exist the special value nil is returned. An error is returned if the value stored at key is not a string, because GET only handles string values.</a:t>
+            </a:r>
+            <a:endParaRPr lang="en-IN" sz="2000" dirty="0"/>
+          </a:p>
+        </p:txBody>
+      </p:sp>
+      <p:sp>
+        <p:nvSpPr>
+          <p:cNvPr id="5" name="Rectangle 4"/>
+          <p:cNvSpPr/>
+          <p:nvPr/>
+        </p:nvSpPr>
+        <p:spPr>
+          <a:xfrm>
+            <a:off x="1600200" y="2829480"/>
+            <a:ext cx="8890000" cy="1294329"/>
+          </a:xfrm>
+          <a:prstGeom prst="rect">
+            <a:avLst/>
+          </a:prstGeom>
+          <a:solidFill>
+            <a:schemeClr val="bg1"/>
+          </a:solidFill>
+          <a:ln>
+            <a:noFill/>
+          </a:ln>
+        </p:spPr>
+        <p:txBody>
+          <a:bodyPr wrap="square">
+            <a:spAutoFit/>
+          </a:bodyPr>
+          <a:lstStyle/>
+          <a:p>
+            <a:pPr marL="285750" indent="-285750">
+              <a:lnSpc>
+                <a:spcPct val="150000"/>
+              </a:lnSpc>
+              <a:buFont typeface="Arial" panose="020B0604020202020204" pitchFamily="34" charset="0"/>
+              <a:buChar char="•"/>
+            </a:pPr>
             <a:r>
               <a:rPr lang="en-IN" sz="1800" dirty="0">
                 <a:solidFill>
-                  <a:srgbClr val="FF5733"/>
+                  <a:schemeClr val="bg1">
+                    <a:lumMod val="50000"/>
+                  </a:schemeClr>
                 </a:solidFill>
                 <a:latin typeface="Consolas" panose="020B0609020204030204" pitchFamily="49" charset="0"/>
                 <a:ea typeface="SimSun" panose="02010600030101010101" pitchFamily="2" charset="-122"/>
                 <a:cs typeface="Segoe UI Light" panose="020B0502040204020203" pitchFamily="34" charset="0"/>
               </a:rPr>
-              <a:t>firstName</a:t>
-            </a:r>
-            <a:r>
-              <a:rPr lang="en-IN" sz="1800" dirty="0" smtClean="0">
-                <a:solidFill>
-                  <a:srgbClr val="FF5733"/>
-                </a:solidFill>
-                <a:latin typeface="Consolas" panose="020B0609020204030204" pitchFamily="49" charset="0"/>
-                <a:ea typeface="SimSun" panose="02010600030101010101" pitchFamily="2" charset="-122"/>
-                <a:cs typeface="Segoe UI Light" panose="020B0502040204020203" pitchFamily="34" charset="0"/>
-              </a:rPr>
-              <a:t> "</a:t>
+              <a:t>127.0.0.1:6379&gt;</a:t>
             </a:r>
             <a:r>
               <a:rPr lang="en-IN" sz="1800" dirty="0">
-                <a:solidFill>
-                  <a:srgbClr val="FF5733"/>
-                </a:solidFill>
-                <a:latin typeface="Consolas" panose="020B0609020204030204" pitchFamily="49" charset="0"/>
-                <a:ea typeface="SimSun" panose="02010600030101010101" pitchFamily="2" charset="-122"/>
-                <a:cs typeface="Segoe UI Light" panose="020B0502040204020203" pitchFamily="34" charset="0"/>
-              </a:rPr>
-              <a:t>saleel"</a:t>
-            </a:r>
-            <a:r>
-              <a:rPr lang="en-IN" sz="1800" dirty="0" smtClean="0">
-                <a:solidFill>
-                  <a:srgbClr val="FF5733"/>
-                </a:solidFill>
                 <a:latin typeface="Consolas" panose="020B0609020204030204" pitchFamily="49" charset="0"/>
                 <a:ea typeface="SimSun" panose="02010600030101010101" pitchFamily="2" charset="-122"/>
                 <a:cs typeface="Segoe UI Light" panose="020B0502040204020203" pitchFamily="34" charset="0"/>
@@ -7502,28 +8233,113 @@
                 <a:ea typeface="SimSun" panose="02010600030101010101" pitchFamily="2" charset="-122"/>
                 <a:cs typeface="Segoe UI Light" panose="020B0502040204020203" pitchFamily="34" charset="0"/>
               </a:rPr>
-              <a:t>xx</a:t>
-            </a:r>
-          </a:p>
-        </p:txBody>
-      </p:sp>
-      <p:sp>
-        <p:nvSpPr>
-          <p:cNvPr id="8" name="Rectangle 1"/>
-          <p:cNvSpPr>
-            <a:spLocks noChangeArrowheads="1"/>
-          </p:cNvSpPr>
+              <a:t>get ID</a:t>
+            </a:r>
+          </a:p>
+          <a:p>
+            <a:pPr marL="285750" indent="-285750">
+              <a:lnSpc>
+                <a:spcPct val="150000"/>
+              </a:lnSpc>
+              <a:buFont typeface="Arial" panose="020B0604020202020204" pitchFamily="34" charset="0"/>
+              <a:buChar char="•"/>
+            </a:pPr>
+            <a:r>
+              <a:rPr lang="en-IN" sz="1800" dirty="0">
+                <a:solidFill>
+                  <a:schemeClr val="bg1">
+                    <a:lumMod val="50000"/>
+                  </a:schemeClr>
+                </a:solidFill>
+                <a:latin typeface="Consolas" panose="020B0609020204030204" pitchFamily="49" charset="0"/>
+                <a:ea typeface="SimSun" panose="02010600030101010101" pitchFamily="2" charset="-122"/>
+                <a:cs typeface="Segoe UI Light" panose="020B0502040204020203" pitchFamily="34" charset="0"/>
+              </a:rPr>
+              <a:t>127.0.0.1:6379&gt;</a:t>
+            </a:r>
+            <a:r>
+              <a:rPr lang="en-IN" sz="1800" dirty="0">
+                <a:latin typeface="Consolas" panose="020B0609020204030204" pitchFamily="49" charset="0"/>
+                <a:ea typeface="SimSun" panose="02010600030101010101" pitchFamily="2" charset="-122"/>
+                <a:cs typeface="Segoe UI Light" panose="020B0502040204020203" pitchFamily="34" charset="0"/>
+              </a:rPr>
+              <a:t> </a:t>
+            </a:r>
+            <a:r>
+              <a:rPr lang="en-IN" sz="1800" dirty="0">
+                <a:solidFill>
+                  <a:srgbClr val="FF5733"/>
+                </a:solidFill>
+                <a:latin typeface="Consolas" panose="020B0609020204030204" pitchFamily="49" charset="0"/>
+                <a:ea typeface="SimSun" panose="02010600030101010101" pitchFamily="2" charset="-122"/>
+                <a:cs typeface="Segoe UI Light" panose="020B0502040204020203" pitchFamily="34" charset="0"/>
+              </a:rPr>
+              <a:t>get firstName</a:t>
+            </a:r>
+          </a:p>
+          <a:p>
+            <a:pPr marL="285750" indent="-285750">
+              <a:lnSpc>
+                <a:spcPct val="150000"/>
+              </a:lnSpc>
+              <a:buFont typeface="Arial" panose="020B0604020202020204" pitchFamily="34" charset="0"/>
+              <a:buChar char="•"/>
+            </a:pPr>
+            <a:r>
+              <a:rPr lang="en-IN" sz="1800" dirty="0">
+                <a:solidFill>
+                  <a:schemeClr val="bg1">
+                    <a:lumMod val="50000"/>
+                  </a:schemeClr>
+                </a:solidFill>
+                <a:latin typeface="Consolas" panose="020B0609020204030204" pitchFamily="49" charset="0"/>
+                <a:ea typeface="SimSun" panose="02010600030101010101" pitchFamily="2" charset="-122"/>
+                <a:cs typeface="Segoe UI Light" panose="020B0502040204020203" pitchFamily="34" charset="0"/>
+              </a:rPr>
+              <a:t>127.0.0.1:6379&gt;</a:t>
+            </a:r>
+            <a:r>
+              <a:rPr lang="en-IN" sz="1800" dirty="0">
+                <a:latin typeface="Consolas" panose="020B0609020204030204" pitchFamily="49" charset="0"/>
+                <a:ea typeface="SimSun" panose="02010600030101010101" pitchFamily="2" charset="-122"/>
+                <a:cs typeface="Segoe UI Light" panose="020B0502040204020203" pitchFamily="34" charset="0"/>
+              </a:rPr>
+              <a:t> </a:t>
+            </a:r>
+            <a:r>
+              <a:rPr lang="en-IN" sz="1800" dirty="0">
+                <a:solidFill>
+                  <a:srgbClr val="FF5733"/>
+                </a:solidFill>
+                <a:latin typeface="Consolas" panose="020B0609020204030204" pitchFamily="49" charset="0"/>
+                <a:ea typeface="SimSun" panose="02010600030101010101" pitchFamily="2" charset="-122"/>
+                <a:cs typeface="Segoe UI Light" panose="020B0502040204020203" pitchFamily="34" charset="0"/>
+              </a:rPr>
+              <a:t>get "last Name"</a:t>
+            </a:r>
+          </a:p>
+        </p:txBody>
+      </p:sp>
+      <p:sp>
+        <p:nvSpPr>
+          <p:cNvPr id="7" name="Rectangle 6">
+            <a:extLst>
+              <a:ext uri="{FF2B5EF4-FFF2-40B4-BE49-F238E27FC236}">
+                <a16:creationId xmlns:a16="http://schemas.microsoft.com/office/drawing/2014/main" id="{C4AD5E2E-CDCD-4295-866C-6B297188B2A0}"/>
+              </a:ext>
+            </a:extLst>
+          </p:cNvPr>
+          <p:cNvSpPr/>
           <p:nvPr/>
         </p:nvSpPr>
-        <p:spPr bwMode="auto">
-          <a:xfrm>
-            <a:off x="152401" y="2145268"/>
-            <a:ext cx="8839200" cy="369332"/>
+        <p:spPr>
+          <a:xfrm>
+            <a:off x="152400" y="152400"/>
+            <a:ext cx="1106606" cy="461665"/>
           </a:xfrm>
           <a:prstGeom prst="rect">
             <a:avLst/>
           </a:prstGeom>
-          <a:extLst/>
         </p:spPr>
         <p:txBody>
           <a:bodyPr wrap="square">
@@ -7531,6 +8347,48 @@
           </a:bodyPr>
           <a:lstStyle/>
           <a:p>
+            <a:pPr algn="just"/>
+            <a:r>
+              <a:rPr lang="en-IN" dirty="0">
+                <a:solidFill>
+                  <a:srgbClr val="FF0000"/>
+                </a:solidFill>
+                <a:cs typeface="Times New Roman" panose="02020603050405020304" pitchFamily="18" charset="0"/>
+              </a:rPr>
+              <a:t>TODO</a:t>
+            </a:r>
+          </a:p>
+        </p:txBody>
+      </p:sp>
+      <p:sp>
+        <p:nvSpPr>
+          <p:cNvPr id="11" name="Rectangle 1">
+            <a:extLst>
+              <a:ext uri="{FF2B5EF4-FFF2-40B4-BE49-F238E27FC236}">
+                <a16:creationId xmlns:a16="http://schemas.microsoft.com/office/drawing/2014/main" id="{0AF3E385-B13B-4401-BD90-FACD8463E37B}"/>
+              </a:ext>
+            </a:extLst>
+          </p:cNvPr>
+          <p:cNvSpPr>
+            <a:spLocks noChangeArrowheads="1"/>
+          </p:cNvSpPr>
+          <p:nvPr/>
+        </p:nvSpPr>
+        <p:spPr bwMode="auto">
+          <a:xfrm>
+            <a:off x="1601337" y="2221468"/>
+            <a:ext cx="8990463" cy="369332"/>
+          </a:xfrm>
+          <a:prstGeom prst="rect">
+            <a:avLst/>
+          </a:prstGeom>
+        </p:spPr>
+        <p:txBody>
+          <a:bodyPr wrap="square">
+            <a:spAutoFit/>
+          </a:bodyPr>
+          <a:lstStyle/>
+          <a:p>
             <a:r>
               <a:rPr lang="en-US" sz="1800" dirty="0">
                 <a:solidFill>
@@ -7538,7 +8396,7 @@
                 </a:solidFill>
                 <a:latin typeface="Consolas" panose="020B0609020204030204" pitchFamily="49" charset="0"/>
               </a:rPr>
-              <a:t>127.0.0.1:6379&gt; get key </a:t>
+              <a:t>GET KEY</a:t>
             </a:r>
           </a:p>
         </p:txBody>
@@ -7553,13 +8411,135 @@
   <p:clrMapOvr>
     <a:masterClrMapping/>
   </p:clrMapOvr>
-  <p:timing>
-    <p:tnLst>
-      <p:par>
-        <p:cTn id="1" dur="indefinite" restart="never" nodeType="tmRoot"/>
-      </p:par>
-    </p:tnLst>
-  </p:timing>
+</p:sld>
+</file>
+
+<file path=ppt/slides/slide9.xml><?xml version="1.0" encoding="utf-8"?>
+<p:sld xmlns:a="http://schemas.openxmlformats.org/drawingml/2006/main" xmlns:r="http://schemas.openxmlformats.org/officeDocument/2006/relationships" xmlns:p="http://schemas.openxmlformats.org/presentationml/2006/main" showMasterSp="0">
+  <p:cSld>
+    <p:spTree>
+      <p:nvGrpSpPr>
+        <p:cNvPr id="1" name=""/>
+        <p:cNvGrpSpPr/>
+        <p:nvPr/>
+      </p:nvGrpSpPr>
+      <p:grpSpPr>
+        <a:xfrm>
+          <a:off x="0" y="0"/>
+          <a:ext cx="0" cy="0"/>
+          <a:chOff x="0" y="0"/>
+          <a:chExt cx="0" cy="0"/>
+        </a:xfrm>
+      </p:grpSpPr>
+      <p:sp>
+        <p:nvSpPr>
+          <p:cNvPr id="2" name="Title 1"/>
+          <p:cNvSpPr txBox="1">
+            <a:spLocks/>
+          </p:cNvSpPr>
+          <p:nvPr/>
+        </p:nvSpPr>
+        <p:spPr>
+          <a:xfrm>
+            <a:off x="1676400" y="2362201"/>
+            <a:ext cx="8839200" cy="1200329"/>
+          </a:xfrm>
+          <a:prstGeom prst="rect">
+            <a:avLst/>
+          </a:prstGeom>
+          <a:noFill/>
+        </p:spPr>
+        <p:txBody>
+          <a:bodyPr wrap="square">
+            <a:spAutoFit/>
+          </a:bodyPr>
+          <a:lstStyle>
+            <a:defPPr>
+              <a:defRPr lang="en-US"/>
+            </a:defPPr>
+            <a:lvl1pPr algn="ctr">
+              <a:defRPr sz="6000" i="1">
+                <a:solidFill>
+                  <a:srgbClr val="C10374"/>
+                </a:solidFill>
+                <a:latin typeface="Century" panose="02040604050505020304" pitchFamily="18" charset="0"/>
+              </a:defRPr>
+            </a:lvl1pPr>
+          </a:lstStyle>
+          <a:p>
+            <a:r>
+              <a:rPr lang="en-IN" sz="7200" dirty="0">
+                <a:solidFill>
+                  <a:schemeClr val="accent4">
+                    <a:lumMod val="75000"/>
+                  </a:schemeClr>
+                </a:solidFill>
+              </a:rPr>
+              <a:t>ttl key</a:t>
+            </a:r>
+          </a:p>
+        </p:txBody>
+      </p:sp>
+      <p:sp>
+        <p:nvSpPr>
+          <p:cNvPr id="5" name="Rectangle 4">
+            <a:extLst>
+              <a:ext uri="{FF2B5EF4-FFF2-40B4-BE49-F238E27FC236}">
+                <a16:creationId xmlns:a16="http://schemas.microsoft.com/office/drawing/2014/main" id="{ED0012BF-05D1-4688-BBF1-F5D780E61FE2}"/>
+              </a:ext>
+            </a:extLst>
+          </p:cNvPr>
+          <p:cNvSpPr/>
+          <p:nvPr/>
+        </p:nvSpPr>
+        <p:spPr>
+          <a:xfrm>
+            <a:off x="1676400" y="3531513"/>
+            <a:ext cx="8839201" cy="430887"/>
+          </a:xfrm>
+          <a:prstGeom prst="rect">
+            <a:avLst/>
+          </a:prstGeom>
+          <a:solidFill>
+            <a:schemeClr val="bg1"/>
+          </a:solidFill>
+        </p:spPr>
+        <p:txBody>
+          <a:bodyPr wrap="square">
+            <a:spAutoFit/>
+          </a:bodyPr>
+          <a:lstStyle/>
+          <a:p>
+            <a:r>
+              <a:rPr lang="en-US" sz="2200" dirty="0">
+                <a:solidFill>
+                  <a:srgbClr val="BB0643"/>
+                </a:solidFill>
+                <a:latin typeface="Segoe UI" panose="020B0502040204020203" pitchFamily="34" charset="0"/>
+                <a:cs typeface="Segoe UI" panose="020B0502040204020203" pitchFamily="34" charset="0"/>
+              </a:rPr>
+              <a:t>TODO</a:t>
+            </a:r>
+            <a:endParaRPr lang="en-IN" sz="2200" dirty="0">
+              <a:solidFill>
+                <a:srgbClr val="BB0643"/>
+              </a:solidFill>
+              <a:latin typeface="Segoe UI" panose="020B0502040204020203" pitchFamily="34" charset="0"/>
+              <a:cs typeface="Segoe UI" panose="020B0502040204020203" pitchFamily="34" charset="0"/>
+            </a:endParaRPr>
+          </a:p>
+        </p:txBody>
+      </p:sp>
+    </p:spTree>
+    <p:extLst>
+      <p:ext uri="{BB962C8B-B14F-4D97-AF65-F5344CB8AC3E}">
+        <p14:creationId xmlns:p14="http://schemas.microsoft.com/office/powerpoint/2010/main" val="3750936544"/>
+      </p:ext>
+    </p:extLst>
+  </p:cSld>
+  <p:clrMapOvr>
+    <a:masterClrMapping/>
+  </p:clrMapOvr>
 </p:sld>
 </file>
 
